--- a/actividad_2_3/reflexiones/ReflexAct1.3-MatiasKochowski.pptx
+++ b/actividad_2_3/reflexiones/ReflexAct1.3-MatiasKochowski.pptx
@@ -13,8 +13,7 @@
     <p:sldId id="276" r:id="rId7"/>
     <p:sldId id="274" r:id="rId8"/>
     <p:sldId id="275" r:id="rId9"/>
-    <p:sldId id="278" r:id="rId10"/>
-    <p:sldId id="277" r:id="rId11"/>
+    <p:sldId id="277" r:id="rId10"/>
   </p:sldIdLst>
   <p:sldSz cx="12192000" cy="6858000"/>
   <p:notesSz cx="6858000" cy="9144000"/>
@@ -270,7 +269,7 @@
           <a:p>
             <a:fld id="{044C178B-BBC4-2B43-BA0B-74D971CB39FE}" type="datetimeFigureOut">
               <a:rPr lang="en-MX" smtClean="0"/>
-              <a:t>13/09/20</a:t>
+              <a:t>11/10/20</a:t>
             </a:fld>
             <a:endParaRPr lang="en-MX"/>
           </a:p>
@@ -470,7 +469,7 @@
           <a:p>
             <a:fld id="{044C178B-BBC4-2B43-BA0B-74D971CB39FE}" type="datetimeFigureOut">
               <a:rPr lang="en-MX" smtClean="0"/>
-              <a:t>13/09/20</a:t>
+              <a:t>11/10/20</a:t>
             </a:fld>
             <a:endParaRPr lang="en-MX"/>
           </a:p>
@@ -680,7 +679,7 @@
           <a:p>
             <a:fld id="{044C178B-BBC4-2B43-BA0B-74D971CB39FE}" type="datetimeFigureOut">
               <a:rPr lang="en-MX" smtClean="0"/>
-              <a:t>13/09/20</a:t>
+              <a:t>11/10/20</a:t>
             </a:fld>
             <a:endParaRPr lang="en-MX"/>
           </a:p>
@@ -880,7 +879,7 @@
           <a:p>
             <a:fld id="{044C178B-BBC4-2B43-BA0B-74D971CB39FE}" type="datetimeFigureOut">
               <a:rPr lang="en-MX" smtClean="0"/>
-              <a:t>13/09/20</a:t>
+              <a:t>11/10/20</a:t>
             </a:fld>
             <a:endParaRPr lang="en-MX"/>
           </a:p>
@@ -1156,7 +1155,7 @@
           <a:p>
             <a:fld id="{044C178B-BBC4-2B43-BA0B-74D971CB39FE}" type="datetimeFigureOut">
               <a:rPr lang="en-MX" smtClean="0"/>
-              <a:t>13/09/20</a:t>
+              <a:t>11/10/20</a:t>
             </a:fld>
             <a:endParaRPr lang="en-MX"/>
           </a:p>
@@ -1424,7 +1423,7 @@
           <a:p>
             <a:fld id="{044C178B-BBC4-2B43-BA0B-74D971CB39FE}" type="datetimeFigureOut">
               <a:rPr lang="en-MX" smtClean="0"/>
-              <a:t>13/09/20</a:t>
+              <a:t>11/10/20</a:t>
             </a:fld>
             <a:endParaRPr lang="en-MX"/>
           </a:p>
@@ -1839,7 +1838,7 @@
           <a:p>
             <a:fld id="{044C178B-BBC4-2B43-BA0B-74D971CB39FE}" type="datetimeFigureOut">
               <a:rPr lang="en-MX" smtClean="0"/>
-              <a:t>13/09/20</a:t>
+              <a:t>11/10/20</a:t>
             </a:fld>
             <a:endParaRPr lang="en-MX"/>
           </a:p>
@@ -1981,7 +1980,7 @@
           <a:p>
             <a:fld id="{044C178B-BBC4-2B43-BA0B-74D971CB39FE}" type="datetimeFigureOut">
               <a:rPr lang="en-MX" smtClean="0"/>
-              <a:t>13/09/20</a:t>
+              <a:t>11/10/20</a:t>
             </a:fld>
             <a:endParaRPr lang="en-MX"/>
           </a:p>
@@ -2094,7 +2093,7 @@
           <a:p>
             <a:fld id="{044C178B-BBC4-2B43-BA0B-74D971CB39FE}" type="datetimeFigureOut">
               <a:rPr lang="en-MX" smtClean="0"/>
-              <a:t>13/09/20</a:t>
+              <a:t>11/10/20</a:t>
             </a:fld>
             <a:endParaRPr lang="en-MX"/>
           </a:p>
@@ -2407,7 +2406,7 @@
           <a:p>
             <a:fld id="{044C178B-BBC4-2B43-BA0B-74D971CB39FE}" type="datetimeFigureOut">
               <a:rPr lang="en-MX" smtClean="0"/>
-              <a:t>13/09/20</a:t>
+              <a:t>11/10/20</a:t>
             </a:fld>
             <a:endParaRPr lang="en-MX"/>
           </a:p>
@@ -2696,7 +2695,7 @@
           <a:p>
             <a:fld id="{044C178B-BBC4-2B43-BA0B-74D971CB39FE}" type="datetimeFigureOut">
               <a:rPr lang="en-MX" smtClean="0"/>
-              <a:t>13/09/20</a:t>
+              <a:t>11/10/20</a:t>
             </a:fld>
             <a:endParaRPr lang="en-MX"/>
           </a:p>
@@ -2939,7 +2938,7 @@
           <a:p>
             <a:fld id="{044C178B-BBC4-2B43-BA0B-74D971CB39FE}" type="datetimeFigureOut">
               <a:rPr lang="en-MX" smtClean="0"/>
-              <a:t>13/09/20</a:t>
+              <a:t>11/10/20</a:t>
             </a:fld>
             <a:endParaRPr lang="en-MX"/>
           </a:p>
@@ -3727,7 +3726,7 @@
         <p:spPr>
           <a:xfrm>
             <a:off x="4955747" y="590915"/>
-            <a:ext cx="5836854" cy="830997"/>
+            <a:ext cx="4435830" cy="830997"/>
           </a:xfrm>
           <a:prstGeom prst="rect">
             <a:avLst/>
@@ -3751,7 +3750,7 @@
                 <a:latin typeface="Google Sans" panose="020B0503030502040204" pitchFamily="34" charset="0"/>
                 <a:ea typeface="Roboto" panose="02000000000000000000" pitchFamily="2" charset="0"/>
               </a:rPr>
-              <a:t>Actividad Integral de Conceptos Básicos</a:t>
+              <a:t>Actividad Integral de</a:t>
             </a:r>
           </a:p>
           <a:p>
@@ -3766,7 +3765,7 @@
                 <a:latin typeface="Google Sans" panose="020B0503030502040204" pitchFamily="34" charset="0"/>
                 <a:ea typeface="Roboto" panose="02000000000000000000" pitchFamily="2" charset="0"/>
               </a:rPr>
-              <a:t>y Algoritmos Fundamentales</a:t>
+              <a:t>Estructura de Datos Lineales</a:t>
             </a:r>
           </a:p>
         </p:txBody>
@@ -3891,7 +3890,7 @@
         <p:spPr>
           <a:xfrm>
             <a:off x="445616" y="1986196"/>
-            <a:ext cx="1636987" cy="400110"/>
+            <a:ext cx="1673856" cy="400110"/>
           </a:xfrm>
           <a:prstGeom prst="rect">
             <a:avLst/>
@@ -3912,7 +3911,7 @@
                 <a:latin typeface="Google Sans" panose="020B0503030502040204" pitchFamily="34" charset="0"/>
                 <a:ea typeface="Roboto" panose="02000000000000000000" pitchFamily="2" charset="0"/>
               </a:rPr>
-              <a:t>Actividad 1.3</a:t>
+              <a:t>Actividad 2.3</a:t>
             </a:r>
           </a:p>
         </p:txBody>
@@ -7101,397 +7100,6 @@
 </p:sld>
 </file>
 
-<file path=ppt/slides/slide10.xml><?xml version="1.0" encoding="utf-8"?>
-<p:sld xmlns:a="http://schemas.openxmlformats.org/drawingml/2006/main" xmlns:r="http://schemas.openxmlformats.org/officeDocument/2006/relationships" xmlns:p="http://schemas.openxmlformats.org/presentationml/2006/main">
-  <p:cSld>
-    <p:spTree>
-      <p:nvGrpSpPr>
-        <p:cNvPr id="1" name=""/>
-        <p:cNvGrpSpPr/>
-        <p:nvPr/>
-      </p:nvGrpSpPr>
-      <p:grpSpPr>
-        <a:xfrm>
-          <a:off x="0" y="0"/>
-          <a:ext cx="0" cy="0"/>
-          <a:chOff x="0" y="0"/>
-          <a:chExt cx="0" cy="0"/>
-        </a:xfrm>
-      </p:grpSpPr>
-      <p:sp>
-        <p:nvSpPr>
-          <p:cNvPr id="10" name="Google Shape;337;p78">
-            <a:extLst>
-              <a:ext uri="{FF2B5EF4-FFF2-40B4-BE49-F238E27FC236}">
-                <a16:creationId xmlns:a16="http://schemas.microsoft.com/office/drawing/2014/main" id="{060AB240-B3C3-8442-8054-3295F2202D48}"/>
-              </a:ext>
-            </a:extLst>
-          </p:cNvPr>
-          <p:cNvSpPr txBox="1"/>
-          <p:nvPr/>
-        </p:nvSpPr>
-        <p:spPr>
-          <a:xfrm>
-            <a:off x="183533" y="158829"/>
-            <a:ext cx="4667599" cy="544091"/>
-          </a:xfrm>
-          <a:prstGeom prst="rect">
-            <a:avLst/>
-          </a:prstGeom>
-          <a:noFill/>
-          <a:ln>
-            <a:noFill/>
-          </a:ln>
-        </p:spPr>
-        <p:txBody>
-          <a:bodyPr spcFirstLastPara="1" wrap="square" lIns="91425" tIns="91425" rIns="91425" bIns="91425" anchor="ctr" anchorCtr="0">
-            <a:noAutofit/>
-          </a:bodyPr>
-          <a:lstStyle/>
-          <a:p>
-            <a:pPr lvl="0">
-              <a:buClr>
-                <a:srgbClr val="FFFFFF"/>
-              </a:buClr>
-            </a:pPr>
-            <a:r>
-              <a:rPr lang="es-ES_tradnl" sz="2000" b="1" i="0" u="none" strike="noStrike" cap="none" dirty="0">
-                <a:solidFill>
-                  <a:srgbClr val="03319A"/>
-                </a:solidFill>
-                <a:latin typeface="Google Sans" panose="020B0503030502040204" pitchFamily="34" charset="0"/>
-                <a:ea typeface="Roboto" panose="02000000000000000000" pitchFamily="2" charset="0"/>
-                <a:cs typeface="Circular Pro Book" panose="020B0604020101020102" pitchFamily="34" charset="77"/>
-                <a:sym typeface="Lato"/>
-              </a:rPr>
-              <a:t>Bibliografía</a:t>
-            </a:r>
-            <a:endParaRPr lang="es-ES_tradnl" sz="2000" b="1" dirty="0">
-              <a:solidFill>
-                <a:srgbClr val="03319A"/>
-              </a:solidFill>
-              <a:latin typeface="Google Sans" panose="020B0503030502040204" pitchFamily="34" charset="0"/>
-              <a:ea typeface="Roboto" panose="02000000000000000000" pitchFamily="2" charset="0"/>
-              <a:cs typeface="Circular Pro Book" panose="020B0604020101020102" pitchFamily="34" charset="77"/>
-            </a:endParaRPr>
-          </a:p>
-        </p:txBody>
-      </p:sp>
-      <p:cxnSp>
-        <p:nvCxnSpPr>
-          <p:cNvPr id="9" name="Straight Connector 8">
-            <a:extLst>
-              <a:ext uri="{FF2B5EF4-FFF2-40B4-BE49-F238E27FC236}">
-                <a16:creationId xmlns:a16="http://schemas.microsoft.com/office/drawing/2014/main" id="{96247BFD-7984-B147-8251-981FBD79EC9C}"/>
-              </a:ext>
-            </a:extLst>
-          </p:cNvPr>
-          <p:cNvCxnSpPr/>
-          <p:nvPr/>
-        </p:nvCxnSpPr>
-        <p:spPr>
-          <a:xfrm>
-            <a:off x="289552" y="663164"/>
-            <a:ext cx="1341129" cy="0"/>
-          </a:xfrm>
-          <a:prstGeom prst="line">
-            <a:avLst/>
-          </a:prstGeom>
-          <a:ln w="38100" cap="rnd">
-            <a:solidFill>
-              <a:schemeClr val="bg1">
-                <a:lumMod val="75000"/>
-              </a:schemeClr>
-            </a:solidFill>
-          </a:ln>
-        </p:spPr>
-        <p:style>
-          <a:lnRef idx="1">
-            <a:schemeClr val="accent1"/>
-          </a:lnRef>
-          <a:fillRef idx="0">
-            <a:schemeClr val="accent1"/>
-          </a:fillRef>
-          <a:effectRef idx="0">
-            <a:schemeClr val="accent1"/>
-          </a:effectRef>
-          <a:fontRef idx="minor">
-            <a:schemeClr val="tx1"/>
-          </a:fontRef>
-        </p:style>
-      </p:cxnSp>
-      <p:pic>
-        <p:nvPicPr>
-          <p:cNvPr id="11" name="Graphic 10">
-            <a:extLst>
-              <a:ext uri="{FF2B5EF4-FFF2-40B4-BE49-F238E27FC236}">
-                <a16:creationId xmlns:a16="http://schemas.microsoft.com/office/drawing/2014/main" id="{F50FFF3B-27FF-FE49-A4D2-9A9CC12610D9}"/>
-              </a:ext>
-            </a:extLst>
-          </p:cNvPr>
-          <p:cNvPicPr>
-            <a:picLocks noChangeAspect="1"/>
-          </p:cNvPicPr>
-          <p:nvPr/>
-        </p:nvPicPr>
-        <p:blipFill rotWithShape="1">
-          <a:blip r:embed="rId2">
-            <a:extLst>
-              <a:ext uri="{96DAC541-7B7A-43D3-8B79-37D633B846F1}">
-                <asvg:svgBlip xmlns:asvg="http://schemas.microsoft.com/office/drawing/2016/SVG/main" r:embed="rId3"/>
-              </a:ext>
-            </a:extLst>
-          </a:blip>
-          <a:srcRect l="7522" t="14129" r="69561" b="19021"/>
-          <a:stretch/>
-        </p:blipFill>
-        <p:spPr>
-          <a:xfrm>
-            <a:off x="11471098" y="187434"/>
-            <a:ext cx="515066" cy="504335"/>
-          </a:xfrm>
-          <a:prstGeom prst="rect">
-            <a:avLst/>
-          </a:prstGeom>
-        </p:spPr>
-      </p:pic>
-      <p:sp>
-        <p:nvSpPr>
-          <p:cNvPr id="4" name="TextBox 3">
-            <a:extLst>
-              <a:ext uri="{FF2B5EF4-FFF2-40B4-BE49-F238E27FC236}">
-                <a16:creationId xmlns:a16="http://schemas.microsoft.com/office/drawing/2014/main" id="{74663556-711C-594F-B86D-39F8BC297F03}"/>
-              </a:ext>
-            </a:extLst>
-          </p:cNvPr>
-          <p:cNvSpPr txBox="1"/>
-          <p:nvPr/>
-        </p:nvSpPr>
-        <p:spPr>
-          <a:xfrm>
-            <a:off x="505113" y="857336"/>
-            <a:ext cx="8429200" cy="252894"/>
-          </a:xfrm>
-          <a:prstGeom prst="rect">
-            <a:avLst/>
-          </a:prstGeom>
-          <a:noFill/>
-        </p:spPr>
-        <p:txBody>
-          <a:bodyPr wrap="square" rtlCol="0">
-            <a:spAutoFit/>
-          </a:bodyPr>
-          <a:lstStyle/>
-          <a:p>
-            <a:r>
-              <a:rPr lang="en-US" sz="1000" dirty="0">
-                <a:hlinkClick r:id="rId4"/>
-              </a:rPr>
-              <a:t>https://www.geeksforgeeks.org/why-quick-sort-preferred-for-arrays-and-merge-sort-for-linked-lists/</a:t>
-            </a:r>
-            <a:endParaRPr lang="en-MX" sz="1000" dirty="0"/>
-          </a:p>
-        </p:txBody>
-      </p:sp>
-      <p:sp>
-        <p:nvSpPr>
-          <p:cNvPr id="12" name="TextBox 11">
-            <a:extLst>
-              <a:ext uri="{FF2B5EF4-FFF2-40B4-BE49-F238E27FC236}">
-                <a16:creationId xmlns:a16="http://schemas.microsoft.com/office/drawing/2014/main" id="{76965545-E78C-F340-901A-81987AC18928}"/>
-              </a:ext>
-            </a:extLst>
-          </p:cNvPr>
-          <p:cNvSpPr txBox="1"/>
-          <p:nvPr/>
-        </p:nvSpPr>
-        <p:spPr>
-          <a:xfrm>
-            <a:off x="505113" y="1340444"/>
-            <a:ext cx="8430540" cy="252894"/>
-          </a:xfrm>
-          <a:prstGeom prst="rect">
-            <a:avLst/>
-          </a:prstGeom>
-          <a:noFill/>
-        </p:spPr>
-        <p:txBody>
-          <a:bodyPr wrap="square" rtlCol="0">
-            <a:spAutoFit/>
-          </a:bodyPr>
-          <a:lstStyle/>
-          <a:p>
-            <a:r>
-              <a:rPr lang="en-US" sz="1000" dirty="0">
-                <a:hlinkClick r:id="rId5"/>
-              </a:rPr>
-              <a:t>https://www.geeksforgeeks.org/iterative-quick-sort/</a:t>
-            </a:r>
-            <a:endParaRPr lang="en-MX" sz="1000" dirty="0"/>
-          </a:p>
-        </p:txBody>
-      </p:sp>
-      <p:sp>
-        <p:nvSpPr>
-          <p:cNvPr id="5" name="Rectangle 4">
-            <a:extLst>
-              <a:ext uri="{FF2B5EF4-FFF2-40B4-BE49-F238E27FC236}">
-                <a16:creationId xmlns:a16="http://schemas.microsoft.com/office/drawing/2014/main" id="{ABC56AFE-BB4F-D24A-863E-E8D20B320D8A}"/>
-              </a:ext>
-            </a:extLst>
-          </p:cNvPr>
-          <p:cNvSpPr/>
-          <p:nvPr/>
-        </p:nvSpPr>
-        <p:spPr>
-          <a:xfrm>
-            <a:off x="503773" y="1098890"/>
-            <a:ext cx="8430540" cy="252894"/>
-          </a:xfrm>
-          <a:prstGeom prst="rect">
-            <a:avLst/>
-          </a:prstGeom>
-        </p:spPr>
-        <p:txBody>
-          <a:bodyPr wrap="square">
-            <a:spAutoFit/>
-          </a:bodyPr>
-          <a:lstStyle/>
-          <a:p>
-            <a:r>
-              <a:rPr lang="en-US" sz="1000" dirty="0">
-                <a:hlinkClick r:id="rId6"/>
-              </a:rPr>
-              <a:t>https://www.geeksforgeeks.org/analysis-of-different-sorting-techniques/</a:t>
-            </a:r>
-            <a:endParaRPr lang="en-MX" sz="1000" dirty="0"/>
-          </a:p>
-        </p:txBody>
-      </p:sp>
-      <p:sp>
-        <p:nvSpPr>
-          <p:cNvPr id="8" name="Rectangle 7">
-            <a:extLst>
-              <a:ext uri="{FF2B5EF4-FFF2-40B4-BE49-F238E27FC236}">
-                <a16:creationId xmlns:a16="http://schemas.microsoft.com/office/drawing/2014/main" id="{42FB757B-94C2-AA41-B02D-CF72EA490CB8}"/>
-              </a:ext>
-            </a:extLst>
-          </p:cNvPr>
-          <p:cNvSpPr/>
-          <p:nvPr/>
-        </p:nvSpPr>
-        <p:spPr>
-          <a:xfrm>
-            <a:off x="503773" y="1581998"/>
-            <a:ext cx="8431882" cy="252894"/>
-          </a:xfrm>
-          <a:prstGeom prst="rect">
-            <a:avLst/>
-          </a:prstGeom>
-        </p:spPr>
-        <p:txBody>
-          <a:bodyPr wrap="square">
-            <a:spAutoFit/>
-          </a:bodyPr>
-          <a:lstStyle/>
-          <a:p>
-            <a:r>
-              <a:rPr lang="en-US" sz="1000" dirty="0">
-                <a:hlinkClick r:id="rId7"/>
-              </a:rPr>
-              <a:t>https://www.geeksforgeeks.org/difference-between-vector-and-list/</a:t>
-            </a:r>
-            <a:endParaRPr lang="en-MX" sz="1000" dirty="0"/>
-          </a:p>
-        </p:txBody>
-      </p:sp>
-      <p:sp>
-        <p:nvSpPr>
-          <p:cNvPr id="14" name="Rectangle 13">
-            <a:extLst>
-              <a:ext uri="{FF2B5EF4-FFF2-40B4-BE49-F238E27FC236}">
-                <a16:creationId xmlns:a16="http://schemas.microsoft.com/office/drawing/2014/main" id="{4E514BA5-6691-F64E-A24D-E4BE22456322}"/>
-              </a:ext>
-            </a:extLst>
-          </p:cNvPr>
-          <p:cNvSpPr/>
-          <p:nvPr/>
-        </p:nvSpPr>
-        <p:spPr>
-          <a:xfrm>
-            <a:off x="503772" y="2058433"/>
-            <a:ext cx="8431883" cy="246221"/>
-          </a:xfrm>
-          <a:prstGeom prst="rect">
-            <a:avLst/>
-          </a:prstGeom>
-        </p:spPr>
-        <p:txBody>
-          <a:bodyPr wrap="square">
-            <a:spAutoFit/>
-          </a:bodyPr>
-          <a:lstStyle/>
-          <a:p>
-            <a:r>
-              <a:rPr lang="en-US" sz="1000" dirty="0">
-                <a:hlinkClick r:id="rId8"/>
-              </a:rPr>
-              <a:t>https://codereview.stackexchange.com/questions/166313/sorting-large-1gb-file-with-100-millions-numbers-using-merge-sort</a:t>
-            </a:r>
-            <a:endParaRPr lang="en-MX" sz="1000" dirty="0"/>
-          </a:p>
-        </p:txBody>
-      </p:sp>
-      <p:sp>
-        <p:nvSpPr>
-          <p:cNvPr id="15" name="Rectangle 14">
-            <a:extLst>
-              <a:ext uri="{FF2B5EF4-FFF2-40B4-BE49-F238E27FC236}">
-                <a16:creationId xmlns:a16="http://schemas.microsoft.com/office/drawing/2014/main" id="{F31CB57C-8619-A147-8919-54AE5CCF9719}"/>
-              </a:ext>
-            </a:extLst>
-          </p:cNvPr>
-          <p:cNvSpPr/>
-          <p:nvPr/>
-        </p:nvSpPr>
-        <p:spPr>
-          <a:xfrm>
-            <a:off x="503772" y="1823552"/>
-            <a:ext cx="8431881" cy="246221"/>
-          </a:xfrm>
-          <a:prstGeom prst="rect">
-            <a:avLst/>
-          </a:prstGeom>
-        </p:spPr>
-        <p:txBody>
-          <a:bodyPr wrap="square">
-            <a:spAutoFit/>
-          </a:bodyPr>
-          <a:lstStyle/>
-          <a:p>
-            <a:r>
-              <a:rPr lang="en-US" sz="1000" dirty="0">
-                <a:hlinkClick r:id="rId9"/>
-              </a:rPr>
-              <a:t>https://www.geeksforgeeks.org/external-sorting/</a:t>
-            </a:r>
-            <a:endParaRPr lang="en-MX" sz="1000" dirty="0"/>
-          </a:p>
-        </p:txBody>
-      </p:sp>
-    </p:spTree>
-    <p:extLst>
-      <p:ext uri="{BB962C8B-B14F-4D97-AF65-F5344CB8AC3E}">
-        <p14:creationId xmlns:p14="http://schemas.microsoft.com/office/powerpoint/2010/main" val="1870210902"/>
-      </p:ext>
-    </p:extLst>
-  </p:cSld>
-  <p:clrMapOvr>
-    <a:masterClrMapping/>
-  </p:clrMapOvr>
-</p:sld>
-</file>
-
 <file path=ppt/slides/slide2.xml><?xml version="1.0" encoding="utf-8"?>
 <p:sld xmlns:a="http://schemas.openxmlformats.org/drawingml/2006/main" xmlns:r="http://schemas.openxmlformats.org/officeDocument/2006/relationships" xmlns:p="http://schemas.openxmlformats.org/presentationml/2006/main">
   <p:cSld>
@@ -7523,8 +7131,8 @@
         </p:nvSpPr>
         <p:spPr>
           <a:xfrm>
-            <a:off x="2051510" y="1986584"/>
-            <a:ext cx="9263264" cy="3046988"/>
+            <a:off x="2590226" y="1986584"/>
+            <a:ext cx="8724547" cy="2492990"/>
           </a:xfrm>
           <a:prstGeom prst="rect">
             <a:avLst/>
@@ -7537,10 +7145,6 @@
           </a:bodyPr>
           <a:lstStyle/>
           <a:p>
-            <a:pPr marL="355600" indent="-355600">
-              <a:buFont typeface="+mj-lt"/>
-              <a:buAutoNum type="arabicPeriod"/>
-            </a:pPr>
             <a:r>
               <a:rPr lang="es-ES_tradnl" sz="1200" dirty="0">
                 <a:latin typeface="Google Sans" panose="020B0503030502040204" pitchFamily="34" charset="0"/>
@@ -7553,14 +7157,14 @@
                 <a:latin typeface="Google Sans" panose="020B0503030502040204" pitchFamily="34" charset="0"/>
                 <a:ea typeface="Roboto" panose="02000000000000000000" pitchFamily="2" charset="0"/>
               </a:rPr>
-              <a:t>bitacora.txt</a:t>
+              <a:t>bitacora</a:t>
             </a:r>
             <a:r>
               <a:rPr lang="es-ES_tradnl" sz="1200" dirty="0">
                 <a:latin typeface="Google Sans" panose="020B0503030502040204" pitchFamily="34" charset="0"/>
                 <a:ea typeface="Roboto" panose="02000000000000000000" pitchFamily="2" charset="0"/>
               </a:rPr>
-              <a:t>”, </a:t>
+              <a:t>. " </a:t>
             </a:r>
             <a:r>
               <a:rPr lang="es-ES_tradnl" sz="1200" dirty="0" err="1">
@@ -7574,93 +7178,117 @@
                 <a:latin typeface="Google Sans" panose="020B0503030502040204" pitchFamily="34" charset="0"/>
                 <a:ea typeface="Roboto" panose="02000000000000000000" pitchFamily="2" charset="0"/>
               </a:rPr>
-              <a:t> y almacene los datos en un vector.</a:t>
-            </a:r>
-          </a:p>
-          <a:p>
-            <a:pPr marL="355600" indent="-355600">
-              <a:buFont typeface="+mj-lt"/>
-              <a:buAutoNum type="arabicPeriod"/>
-            </a:pPr>
+              <a:t> y almacene los datos en una </a:t>
+            </a:r>
+            <a:r>
+              <a:rPr lang="es-ES_tradnl" sz="1200" u="sng" dirty="0">
+                <a:latin typeface="Google Sans" panose="020B0503030502040204" pitchFamily="34" charset="0"/>
+                <a:ea typeface="Roboto" panose="02000000000000000000" pitchFamily="2" charset="0"/>
+              </a:rPr>
+              <a:t>lista doblemente ligada</a:t>
+            </a:r>
+            <a:r>
+              <a:rPr lang="es-ES_tradnl" sz="1200" dirty="0">
+                <a:latin typeface="Google Sans" panose="020B0503030502040204" pitchFamily="34" charset="0"/>
+                <a:ea typeface="Roboto" panose="02000000000000000000" pitchFamily="2" charset="0"/>
+              </a:rPr>
+              <a:t>.</a:t>
+            </a:r>
+          </a:p>
+          <a:p>
             <a:endParaRPr lang="es-ES_tradnl" sz="1200" dirty="0">
               <a:latin typeface="Google Sans" panose="020B0503030502040204" pitchFamily="34" charset="0"/>
               <a:ea typeface="Roboto" panose="02000000000000000000" pitchFamily="2" charset="0"/>
             </a:endParaRPr>
           </a:p>
           <a:p>
-            <a:pPr marL="355600" indent="-355600">
-              <a:buFont typeface="+mj-lt"/>
-              <a:buAutoNum type="arabicPeriod"/>
-            </a:pPr>
             <a:r>
               <a:rPr lang="es-ES_tradnl" sz="1200" dirty="0">
                 <a:latin typeface="Google Sans" panose="020B0503030502040204" pitchFamily="34" charset="0"/>
                 <a:ea typeface="Roboto" panose="02000000000000000000" pitchFamily="2" charset="0"/>
               </a:rPr>
-              <a:t>Ordene la información por fecha para la realización de las búsquedas.</a:t>
-            </a:r>
-          </a:p>
-          <a:p>
-            <a:pPr marL="355600" indent="-355600">
-              <a:buFont typeface="+mj-lt"/>
-              <a:buAutoNum type="arabicPeriod"/>
-            </a:pPr>
+              <a:t>Ordene la información por </a:t>
+            </a:r>
+            <a:r>
+              <a:rPr lang="es-ES_tradnl" sz="1200" dirty="0" err="1">
+                <a:latin typeface="Google Sans" panose="020B0503030502040204" pitchFamily="34" charset="0"/>
+                <a:ea typeface="Roboto" panose="02000000000000000000" pitchFamily="2" charset="0"/>
+              </a:rPr>
+              <a:t>ip</a:t>
+            </a:r>
+            <a:r>
+              <a:rPr lang="es-ES_tradnl" sz="1200" dirty="0">
+                <a:latin typeface="Google Sans" panose="020B0503030502040204" pitchFamily="34" charset="0"/>
+                <a:ea typeface="Roboto" panose="02000000000000000000" pitchFamily="2" charset="0"/>
+              </a:rPr>
+              <a:t> para la realización de las búsquedas.</a:t>
+            </a:r>
+          </a:p>
+          <a:p>
             <a:endParaRPr lang="es-ES_tradnl" sz="1200" dirty="0">
               <a:latin typeface="Google Sans" panose="020B0503030502040204" pitchFamily="34" charset="0"/>
               <a:ea typeface="Roboto" panose="02000000000000000000" pitchFamily="2" charset="0"/>
             </a:endParaRPr>
           </a:p>
           <a:p>
-            <a:pPr marL="355600" indent="-355600">
-              <a:buFont typeface="+mj-lt"/>
-              <a:buAutoNum type="arabicPeriod"/>
-            </a:pPr>
             <a:r>
               <a:rPr lang="es-ES_tradnl" sz="1200" dirty="0">
                 <a:latin typeface="Google Sans" panose="020B0503030502040204" pitchFamily="34" charset="0"/>
                 <a:ea typeface="Roboto" panose="02000000000000000000" pitchFamily="2" charset="0"/>
               </a:rPr>
-              <a:t>Solicite al usuario las fechas de inicio y fin de búsqueda de información.</a:t>
-            </a:r>
-          </a:p>
-          <a:p>
-            <a:pPr marL="355600" indent="-355600">
-              <a:buFont typeface="+mj-lt"/>
-              <a:buAutoNum type="arabicPeriod"/>
-            </a:pPr>
+              <a:t>Solicite al usuario las </a:t>
+            </a:r>
+            <a:r>
+              <a:rPr lang="es-ES_tradnl" sz="1200" dirty="0" err="1">
+                <a:latin typeface="Google Sans" panose="020B0503030502040204" pitchFamily="34" charset="0"/>
+                <a:ea typeface="Roboto" panose="02000000000000000000" pitchFamily="2" charset="0"/>
+              </a:rPr>
+              <a:t>ips</a:t>
+            </a:r>
+            <a:r>
+              <a:rPr lang="es-ES_tradnl" sz="1200" dirty="0">
+                <a:latin typeface="Google Sans" panose="020B0503030502040204" pitchFamily="34" charset="0"/>
+                <a:ea typeface="Roboto" panose="02000000000000000000" pitchFamily="2" charset="0"/>
+              </a:rPr>
+              <a:t> de inicio y fin de búsqueda de información.</a:t>
+            </a:r>
+          </a:p>
+          <a:p>
             <a:endParaRPr lang="es-ES_tradnl" sz="1200" dirty="0">
               <a:latin typeface="Google Sans" panose="020B0503030502040204" pitchFamily="34" charset="0"/>
               <a:ea typeface="Roboto" panose="02000000000000000000" pitchFamily="2" charset="0"/>
             </a:endParaRPr>
           </a:p>
           <a:p>
-            <a:pPr marL="355600" indent="-355600">
-              <a:buFont typeface="+mj-lt"/>
-              <a:buAutoNum type="arabicPeriod"/>
-            </a:pPr>
             <a:r>
               <a:rPr lang="es-ES_tradnl" sz="1200" dirty="0">
                 <a:latin typeface="Google Sans" panose="020B0503030502040204" pitchFamily="34" charset="0"/>
                 <a:ea typeface="Roboto" panose="02000000000000000000" pitchFamily="2" charset="0"/>
               </a:rPr>
-              <a:t>Despliegue los registros correspondientes a esas fechas.</a:t>
-            </a:r>
-          </a:p>
-          <a:p>
-            <a:pPr marL="355600" indent="-355600">
-              <a:buFont typeface="+mj-lt"/>
-              <a:buAutoNum type="arabicPeriod"/>
-            </a:pPr>
+              <a:t>Despliegue los registros correspondientes a esas </a:t>
+            </a:r>
+            <a:r>
+              <a:rPr lang="es-ES_tradnl" sz="1200" dirty="0" err="1">
+                <a:latin typeface="Google Sans" panose="020B0503030502040204" pitchFamily="34" charset="0"/>
+                <a:ea typeface="Roboto" panose="02000000000000000000" pitchFamily="2" charset="0"/>
+              </a:rPr>
+              <a:t>IPs</a:t>
+            </a:r>
+            <a:r>
+              <a:rPr lang="es-ES_tradnl" sz="1200" dirty="0">
+                <a:latin typeface="Google Sans" panose="020B0503030502040204" pitchFamily="34" charset="0"/>
+                <a:ea typeface="Roboto" panose="02000000000000000000" pitchFamily="2" charset="0"/>
+              </a:rPr>
+              <a:t>.</a:t>
+            </a:r>
+          </a:p>
+          <a:p>
             <a:endParaRPr lang="es-ES_tradnl" sz="1200" dirty="0">
               <a:latin typeface="Google Sans" panose="020B0503030502040204" pitchFamily="34" charset="0"/>
               <a:ea typeface="Roboto" panose="02000000000000000000" pitchFamily="2" charset="0"/>
             </a:endParaRPr>
           </a:p>
           <a:p>
-            <a:pPr marL="355600" indent="-355600">
-              <a:buFont typeface="+mj-lt"/>
-              <a:buAutoNum type="arabicPeriod"/>
-            </a:pPr>
             <a:r>
               <a:rPr lang="es-ES_tradnl" sz="1200" dirty="0">
                 <a:latin typeface="Google Sans" panose="020B0503030502040204" pitchFamily="34" charset="0"/>
@@ -7670,72 +7298,35 @@
             </a:r>
           </a:p>
           <a:p>
-            <a:pPr marL="355600" indent="-355600">
-              <a:buFont typeface="+mj-lt"/>
-              <a:buAutoNum type="arabicPeriod"/>
-            </a:pPr>
             <a:endParaRPr lang="es-ES_tradnl" sz="1200" dirty="0">
               <a:latin typeface="Google Sans" panose="020B0503030502040204" pitchFamily="34" charset="0"/>
               <a:ea typeface="Roboto" panose="02000000000000000000" pitchFamily="2" charset="0"/>
             </a:endParaRPr>
           </a:p>
           <a:p>
-            <a:pPr marL="355600" indent="-355600">
-              <a:buFont typeface="+mj-lt"/>
-              <a:buAutoNum type="arabicPeriod"/>
-            </a:pPr>
             <a:r>
               <a:rPr lang="es-ES_tradnl" sz="1200" dirty="0">
                 <a:latin typeface="Google Sans" panose="020B0503030502040204" pitchFamily="34" charset="0"/>
                 <a:ea typeface="Roboto" panose="02000000000000000000" pitchFamily="2" charset="0"/>
               </a:rPr>
-              <a:t>Realizar una investigación y reflexión *nombrada "ReflexAct1.3.pdf”) en forma individual sobre:</a:t>
-            </a:r>
-            <a:br>
+              <a:t>Realizar una investigación y reflexión *nombrada "ReflexAct2.3.pdf”) en forma individual sobre:</a:t>
+            </a:r>
+          </a:p>
+          <a:p>
+            <a:pPr marL="182563" lvl="1" indent="-171450">
+              <a:buFont typeface="Arial" panose="020B0604020202020204" pitchFamily="34" charset="0"/>
+              <a:buChar char="•"/>
+            </a:pPr>
+            <a:r>
               <a:rPr lang="es-ES_tradnl" sz="1200" dirty="0">
                 <a:latin typeface="Google Sans" panose="020B0503030502040204" pitchFamily="34" charset="0"/>
                 <a:ea typeface="Roboto" panose="02000000000000000000" pitchFamily="2" charset="0"/>
               </a:rPr>
-            </a:br>
-            <a:endParaRPr lang="es-ES_tradnl" sz="1200" dirty="0">
-              <a:latin typeface="Google Sans" panose="020B0503030502040204" pitchFamily="34" charset="0"/>
-              <a:ea typeface="Roboto" panose="02000000000000000000" pitchFamily="2" charset="0"/>
-            </a:endParaRPr>
-          </a:p>
-          <a:p>
-            <a:pPr marL="536575" lvl="1">
-              <a:buFont typeface="+mj-lt"/>
-              <a:buAutoNum type="alphaLcPeriod"/>
-            </a:pPr>
-            <a:r>
-              <a:rPr lang="es-ES_tradnl" sz="1200" dirty="0">
-                <a:latin typeface="Google Sans" panose="020B0503030502040204" pitchFamily="34" charset="0"/>
-                <a:ea typeface="Roboto" panose="02000000000000000000" pitchFamily="2" charset="0"/>
-              </a:rPr>
-              <a:t>la importancia y eficiencia del uso de los diferentes algoritmos de ordenamiento</a:t>
-            </a:r>
-          </a:p>
-          <a:p>
-            <a:pPr marL="536575" lvl="1">
-              <a:buFont typeface="+mj-lt"/>
-              <a:buAutoNum type="alphaLcPeriod"/>
-            </a:pPr>
-            <a:r>
-              <a:rPr lang="es-ES_tradnl" sz="1200" dirty="0">
-                <a:latin typeface="Google Sans" panose="020B0503030502040204" pitchFamily="34" charset="0"/>
-                <a:ea typeface="Roboto" panose="02000000000000000000" pitchFamily="2" charset="0"/>
-              </a:rPr>
-              <a:t>la importancia y eficiencia del uso de los diferentes algoritmos de búsqueda</a:t>
-            </a:r>
-          </a:p>
-          <a:p>
-            <a:pPr marL="311150" lvl="1"/>
-            <a:br>
-              <a:rPr lang="es-ES_tradnl" sz="1200" dirty="0">
-                <a:latin typeface="Google Sans" panose="020B0503030502040204" pitchFamily="34" charset="0"/>
-                <a:ea typeface="Roboto" panose="02000000000000000000" pitchFamily="2" charset="0"/>
-              </a:rPr>
-            </a:br>
+              <a:t>la importancia y eficiencia del uso de las listas doblemente ligadas</a:t>
+            </a:r>
+          </a:p>
+          <a:p>
+            <a:pPr marL="11113" lvl="1"/>
             <a:r>
               <a:rPr lang="es-ES_tradnl" sz="1200" dirty="0">
                 <a:latin typeface="Google Sans" panose="020B0503030502040204" pitchFamily="34" charset="0"/>
@@ -7911,7 +7502,7 @@
         </p:blipFill>
         <p:spPr>
           <a:xfrm>
-            <a:off x="1536877" y="2342717"/>
+            <a:off x="1536877" y="2365862"/>
             <a:ext cx="276606" cy="276606"/>
           </a:xfrm>
           <a:prstGeom prst="rect">
@@ -7947,7 +7538,7 @@
         </p:blipFill>
         <p:spPr>
           <a:xfrm>
-            <a:off x="1211168" y="2342717"/>
+            <a:off x="1211168" y="2365862"/>
             <a:ext cx="276606" cy="276606"/>
           </a:xfrm>
           <a:prstGeom prst="rect">
@@ -7983,7 +7574,7 @@
         </p:blipFill>
         <p:spPr>
           <a:xfrm>
-            <a:off x="1223741" y="2741425"/>
+            <a:off x="1223741" y="2764570"/>
             <a:ext cx="251460" cy="251460"/>
           </a:xfrm>
           <a:prstGeom prst="rect">
@@ -8019,7 +7610,7 @@
         </p:blipFill>
         <p:spPr>
           <a:xfrm>
-            <a:off x="1584883" y="2748581"/>
+            <a:off x="1584883" y="2771726"/>
             <a:ext cx="228600" cy="228600"/>
           </a:xfrm>
           <a:prstGeom prst="rect">
@@ -8055,7 +7646,7 @@
         </p:blipFill>
         <p:spPr>
           <a:xfrm>
-            <a:off x="1584883" y="3119323"/>
+            <a:off x="1584883" y="3142468"/>
             <a:ext cx="228600" cy="228600"/>
           </a:xfrm>
           <a:prstGeom prst="rect">
@@ -8091,7 +7682,7 @@
         </p:blipFill>
         <p:spPr>
           <a:xfrm>
-            <a:off x="1584883" y="3490614"/>
+            <a:off x="1584883" y="3513759"/>
             <a:ext cx="228600" cy="228600"/>
           </a:xfrm>
           <a:prstGeom prst="rect">
@@ -8127,7 +7718,7 @@
         </p:blipFill>
         <p:spPr>
           <a:xfrm>
-            <a:off x="1584883" y="3833363"/>
+            <a:off x="1584883" y="3856508"/>
             <a:ext cx="228600" cy="228600"/>
           </a:xfrm>
           <a:prstGeom prst="rect">
@@ -8249,7 +7840,7 @@
         </p:nvSpPr>
         <p:spPr>
           <a:xfrm>
-            <a:off x="2051510" y="2336955"/>
+            <a:off x="2051510" y="2360100"/>
             <a:ext cx="300690" cy="300690"/>
           </a:xfrm>
           <a:prstGeom prst="ellipse">
@@ -8306,7 +7897,7 @@
         </p:nvSpPr>
         <p:spPr>
           <a:xfrm>
-            <a:off x="2051510" y="2708016"/>
+            <a:off x="2051510" y="2731161"/>
             <a:ext cx="300690" cy="300690"/>
           </a:xfrm>
           <a:prstGeom prst="ellipse">
@@ -8363,7 +7954,7 @@
         </p:nvSpPr>
         <p:spPr>
           <a:xfrm>
-            <a:off x="2051510" y="3059199"/>
+            <a:off x="2051510" y="3082344"/>
             <a:ext cx="300690" cy="300690"/>
           </a:xfrm>
           <a:prstGeom prst="ellipse">
@@ -8420,7 +8011,7 @@
         </p:nvSpPr>
         <p:spPr>
           <a:xfrm>
-            <a:off x="2051510" y="3436886"/>
+            <a:off x="2051510" y="3460031"/>
             <a:ext cx="300690" cy="300690"/>
           </a:xfrm>
           <a:prstGeom prst="ellipse">
@@ -8477,7 +8068,7 @@
         </p:nvSpPr>
         <p:spPr>
           <a:xfrm>
-            <a:off x="2051510" y="3788069"/>
+            <a:off x="2051510" y="3811214"/>
             <a:ext cx="300690" cy="300690"/>
           </a:xfrm>
           <a:prstGeom prst="ellipse">
@@ -8790,7 +8381,7 @@
         <p:spPr>
           <a:xfrm>
             <a:off x="804463" y="895531"/>
-            <a:ext cx="6583441" cy="276999"/>
+            <a:ext cx="7785045" cy="276999"/>
           </a:xfrm>
           <a:prstGeom prst="rect">
             <a:avLst/>
@@ -8837,7 +8428,7 @@
                 <a:latin typeface="Google Sans" panose="020B0503030502040204" pitchFamily="34" charset="0"/>
                 <a:ea typeface="Roboto" panose="02000000000000000000" pitchFamily="2" charset="0"/>
               </a:rPr>
-              <a:t> y almacene los datos en un vector.</a:t>
+              <a:t> y almacene los datos en una lista doblemente ligada.</a:t>
             </a:r>
           </a:p>
         </p:txBody>
@@ -8951,7 +8542,7 @@
               <a:rPr lang="en-US" sz="1100" dirty="0">
                 <a:latin typeface="Google Sans" panose="020B0503030502040204" pitchFamily="34" charset="0"/>
               </a:rPr>
-              <a:t>Oct-30 21:39:26 679.57.853.40:5668 Failed password for root</a:t>
+              <a:t>Oct 30 21:39:26 679.57.853.40:5668 Failed password for root</a:t>
             </a:r>
           </a:p>
           <a:p>
@@ -8959,7 +8550,7 @@
               <a:rPr lang="en-US" sz="1100" dirty="0">
                 <a:latin typeface="Google Sans" panose="020B0503030502040204" pitchFamily="34" charset="0"/>
               </a:rPr>
-              <a:t>Oct-30 21:52:57 164.48.60.79:6597 Failed password for illegal user test</a:t>
+              <a:t>Oct 30 21:52:57 164.48.60.79:6597 Failed password for illegal user test</a:t>
             </a:r>
           </a:p>
           <a:p>
@@ -8967,7 +8558,7 @@
               <a:rPr lang="en-US" sz="1100" dirty="0">
                 <a:latin typeface="Google Sans" panose="020B0503030502040204" pitchFamily="34" charset="0"/>
               </a:rPr>
-              <a:t>Oct-30 22:06:30 774.16.162.29:4184 Illegal user</a:t>
+              <a:t>Oct 30 22:06:30 774.16.162.29:4184 Illegal user</a:t>
             </a:r>
             <a:endParaRPr lang="en-MX" sz="1100" dirty="0">
               <a:latin typeface="Google Sans" panose="020B0503030502040204" pitchFamily="34" charset="0"/>
@@ -9482,7 +9073,7 @@
         <p:spPr>
           <a:xfrm>
             <a:off x="6827076" y="2749999"/>
-            <a:ext cx="1590949" cy="261610"/>
+            <a:ext cx="2212752" cy="261610"/>
           </a:xfrm>
           <a:prstGeom prst="rect">
             <a:avLst/>
@@ -9495,14 +9086,47 @@
           <a:lstStyle/>
           <a:p>
             <a:r>
-              <a:rPr lang="en-MX" sz="1100" b="1" dirty="0">
+              <a:rPr lang="en-US" sz="1100" b="1" dirty="0">
                 <a:solidFill>
                   <a:srgbClr val="0847A6"/>
                 </a:solidFill>
                 <a:latin typeface="Google Sans" panose="020B0503030502040204" pitchFamily="34" charset="0"/>
               </a:rPr>
-              <a:t>Vector</a:t>
-            </a:r>
+              <a:t>Lista </a:t>
+            </a:r>
+            <a:r>
+              <a:rPr lang="en-US" sz="1100" b="1" dirty="0" err="1">
+                <a:solidFill>
+                  <a:srgbClr val="0847A6"/>
+                </a:solidFill>
+                <a:latin typeface="Google Sans" panose="020B0503030502040204" pitchFamily="34" charset="0"/>
+              </a:rPr>
+              <a:t>Doblemente</a:t>
+            </a:r>
+            <a:r>
+              <a:rPr lang="en-US" sz="1100" b="1" dirty="0">
+                <a:solidFill>
+                  <a:srgbClr val="0847A6"/>
+                </a:solidFill>
+                <a:latin typeface="Google Sans" panose="020B0503030502040204" pitchFamily="34" charset="0"/>
+              </a:rPr>
+              <a:t> </a:t>
+            </a:r>
+            <a:r>
+              <a:rPr lang="en-US" sz="1100" b="1" dirty="0" err="1">
+                <a:solidFill>
+                  <a:srgbClr val="0847A6"/>
+                </a:solidFill>
+                <a:latin typeface="Google Sans" panose="020B0503030502040204" pitchFamily="34" charset="0"/>
+              </a:rPr>
+              <a:t>Ligada</a:t>
+            </a:r>
+            <a:endParaRPr lang="en-MX" sz="1100" b="1" dirty="0">
+              <a:solidFill>
+                <a:srgbClr val="0847A6"/>
+              </a:solidFill>
+              <a:latin typeface="Google Sans" panose="020B0503030502040204" pitchFamily="34" charset="0"/>
+            </a:endParaRPr>
           </a:p>
         </p:txBody>
       </p:sp>
@@ -16007,7 +15631,21 @@
                 <a:latin typeface="Google Sans" panose="020B0503030502040204" pitchFamily="34" charset="0"/>
                 <a:ea typeface="Roboto" panose="02000000000000000000" pitchFamily="2" charset="0"/>
               </a:rPr>
-              <a:t>Solicite al usuario las fechas de inicio y fin de búsqueda de información.</a:t>
+              <a:t>Solicite al usuario las </a:t>
+            </a:r>
+            <a:r>
+              <a:rPr lang="es-ES_tradnl" sz="1200" dirty="0" err="1">
+                <a:latin typeface="Google Sans" panose="020B0503030502040204" pitchFamily="34" charset="0"/>
+                <a:ea typeface="Roboto" panose="02000000000000000000" pitchFamily="2" charset="0"/>
+              </a:rPr>
+              <a:t>IPs</a:t>
+            </a:r>
+            <a:r>
+              <a:rPr lang="es-ES_tradnl" sz="1200" dirty="0">
+                <a:latin typeface="Google Sans" panose="020B0503030502040204" pitchFamily="34" charset="0"/>
+                <a:ea typeface="Roboto" panose="02000000000000000000" pitchFamily="2" charset="0"/>
+              </a:rPr>
+              <a:t> de inicio y fin de búsqueda de información.</a:t>
             </a:r>
           </a:p>
         </p:txBody>
@@ -16458,7 +16096,7 @@
                 </a:solidFill>
                 <a:latin typeface="Andale Mono" panose="020B0509000000000004" pitchFamily="49" charset="0"/>
               </a:rPr>
-              <a:t> de </a:t>
+              <a:t> de IPs </a:t>
             </a:r>
             <a:r>
               <a:rPr lang="en-US" sz="900" b="1" dirty="0" err="1">
@@ -16467,7 +16105,7 @@
                 </a:solidFill>
                 <a:latin typeface="Andale Mono" panose="020B0509000000000004" pitchFamily="49" charset="0"/>
               </a:rPr>
-              <a:t>fechas</a:t>
+              <a:t>deseado</a:t>
             </a:r>
             <a:r>
               <a:rPr lang="en-US" sz="900" b="1" dirty="0">
@@ -16485,7 +16123,7 @@
                 </a:solidFill>
                 <a:latin typeface="Andale Mono" panose="020B0509000000000004" pitchFamily="49" charset="0"/>
               </a:rPr>
-              <a:t>deseado</a:t>
+              <a:t>en</a:t>
             </a:r>
             <a:r>
               <a:rPr lang="en-US" sz="900" b="1" dirty="0">
@@ -16503,7 +16141,103 @@
                 </a:solidFill>
                 <a:latin typeface="Andale Mono" panose="020B0509000000000004" pitchFamily="49" charset="0"/>
               </a:rPr>
-              <a:t>en</a:t>
+              <a:t>formato</a:t>
+            </a:r>
+            <a:r>
+              <a:rPr lang="en-US" sz="900" b="1" dirty="0">
+                <a:solidFill>
+                  <a:schemeClr val="bg1"/>
+                </a:solidFill>
+                <a:latin typeface="Andale Mono" panose="020B0509000000000004" pitchFamily="49" charset="0"/>
+              </a:rPr>
+              <a:t> 0.0.0.0:0000:</a:t>
+            </a:r>
+          </a:p>
+          <a:p>
+            <a:r>
+              <a:rPr lang="en-US" sz="900" b="1" dirty="0" err="1">
+                <a:solidFill>
+                  <a:schemeClr val="bg1"/>
+                </a:solidFill>
+                <a:latin typeface="Andale Mono" panose="020B0509000000000004" pitchFamily="49" charset="0"/>
+              </a:rPr>
+              <a:t>Ingrese</a:t>
+            </a:r>
+            <a:r>
+              <a:rPr lang="en-US" sz="900" b="1" dirty="0">
+                <a:solidFill>
+                  <a:schemeClr val="bg1"/>
+                </a:solidFill>
+                <a:latin typeface="Andale Mono" panose="020B0509000000000004" pitchFamily="49" charset="0"/>
+              </a:rPr>
+              <a:t> IP (in). </a:t>
+            </a:r>
+            <a:r>
+              <a:rPr lang="en-US" sz="900" b="1" dirty="0" err="1">
+                <a:solidFill>
+                  <a:schemeClr val="bg1"/>
+                </a:solidFill>
+                <a:latin typeface="Andale Mono" panose="020B0509000000000004" pitchFamily="49" charset="0"/>
+              </a:rPr>
+              <a:t>Desde</a:t>
+            </a:r>
+            <a:r>
+              <a:rPr lang="en-US" sz="900" b="1" dirty="0">
+                <a:solidFill>
+                  <a:schemeClr val="bg1"/>
+                </a:solidFill>
+                <a:latin typeface="Andale Mono" panose="020B0509000000000004" pitchFamily="49" charset="0"/>
+              </a:rPr>
+              <a:t>: </a:t>
+            </a:r>
+            <a:r>
+              <a:rPr lang="en-US" sz="900" b="1" dirty="0">
+                <a:solidFill>
+                  <a:srgbClr val="00B0F0"/>
+                </a:solidFill>
+                <a:latin typeface="Andale Mono" panose="020B0509000000000004" pitchFamily="49" charset="0"/>
+              </a:rPr>
+              <a:t>0.0.0.0:0000</a:t>
+            </a:r>
+          </a:p>
+          <a:p>
+            <a:r>
+              <a:rPr lang="en-US" sz="900" b="1" dirty="0" err="1">
+                <a:solidFill>
+                  <a:schemeClr val="bg1"/>
+                </a:solidFill>
+                <a:latin typeface="Andale Mono" panose="020B0509000000000004" pitchFamily="49" charset="0"/>
+              </a:rPr>
+              <a:t>Ingrese</a:t>
+            </a:r>
+            <a:r>
+              <a:rPr lang="en-US" sz="900" b="1" dirty="0">
+                <a:solidFill>
+                  <a:schemeClr val="bg1"/>
+                </a:solidFill>
+                <a:latin typeface="Andale Mono" panose="020B0509000000000004" pitchFamily="49" charset="0"/>
+              </a:rPr>
+              <a:t> IP (fi). Hasta: </a:t>
+            </a:r>
+            <a:r>
+              <a:rPr lang="en-US" sz="900" b="1" dirty="0">
+                <a:solidFill>
+                  <a:srgbClr val="00B0F0"/>
+                </a:solidFill>
+                <a:latin typeface="Andale Mono" panose="020B0509000000000004" pitchFamily="49" charset="0"/>
+              </a:rPr>
+              <a:t>999.999.999.999:9999</a:t>
+            </a:r>
+          </a:p>
+          <a:p>
+            <a:r>
+              <a:rPr lang="en-US" sz="900" b="1" dirty="0" err="1">
+                <a:solidFill>
+                  <a:schemeClr val="bg1"/>
+                </a:solidFill>
+                <a:latin typeface="Andale Mono" panose="020B0509000000000004" pitchFamily="49" charset="0"/>
+              </a:rPr>
+              <a:t>Buscando</a:t>
             </a:r>
             <a:r>
               <a:rPr lang="en-US" sz="900" b="1" dirty="0">
@@ -16521,210 +16255,6 @@
                 </a:solidFill>
                 <a:latin typeface="Andale Mono" panose="020B0509000000000004" pitchFamily="49" charset="0"/>
               </a:rPr>
-              <a:t>formato</a:t>
-            </a:r>
-            <a:r>
-              <a:rPr lang="en-US" sz="900" b="1" dirty="0">
-                <a:solidFill>
-                  <a:schemeClr val="bg1"/>
-                </a:solidFill>
-                <a:latin typeface="Andale Mono" panose="020B0509000000000004" pitchFamily="49" charset="0"/>
-              </a:rPr>
-              <a:t> MM-DD. Por </a:t>
-            </a:r>
-            <a:r>
-              <a:rPr lang="en-US" sz="900" b="1" dirty="0" err="1">
-                <a:solidFill>
-                  <a:schemeClr val="bg1"/>
-                </a:solidFill>
-                <a:latin typeface="Andale Mono" panose="020B0509000000000004" pitchFamily="49" charset="0"/>
-              </a:rPr>
-              <a:t>ejemplo</a:t>
-            </a:r>
-            <a:r>
-              <a:rPr lang="en-US" sz="900" b="1" dirty="0">
-                <a:solidFill>
-                  <a:schemeClr val="bg1"/>
-                </a:solidFill>
-                <a:latin typeface="Andale Mono" panose="020B0509000000000004" pitchFamily="49" charset="0"/>
-              </a:rPr>
-              <a:t>, el 10 de Junio se debe </a:t>
-            </a:r>
-            <a:r>
-              <a:rPr lang="en-US" sz="900" b="1" dirty="0" err="1">
-                <a:solidFill>
-                  <a:schemeClr val="bg1"/>
-                </a:solidFill>
-                <a:latin typeface="Andale Mono" panose="020B0509000000000004" pitchFamily="49" charset="0"/>
-              </a:rPr>
-              <a:t>escribir</a:t>
-            </a:r>
-            <a:r>
-              <a:rPr lang="en-US" sz="900" b="1" dirty="0">
-                <a:solidFill>
-                  <a:schemeClr val="bg1"/>
-                </a:solidFill>
-                <a:latin typeface="Andale Mono" panose="020B0509000000000004" pitchFamily="49" charset="0"/>
-              </a:rPr>
-              <a:t> </a:t>
-            </a:r>
-            <a:r>
-              <a:rPr lang="en-US" sz="900" b="1" dirty="0" err="1">
-                <a:solidFill>
-                  <a:schemeClr val="bg1"/>
-                </a:solidFill>
-                <a:latin typeface="Andale Mono" panose="020B0509000000000004" pitchFamily="49" charset="0"/>
-              </a:rPr>
-              <a:t>como</a:t>
-            </a:r>
-            <a:r>
-              <a:rPr lang="en-US" sz="900" b="1" dirty="0">
-                <a:solidFill>
-                  <a:schemeClr val="bg1"/>
-                </a:solidFill>
-                <a:latin typeface="Andale Mono" panose="020B0509000000000004" pitchFamily="49" charset="0"/>
-              </a:rPr>
-              <a:t> 06-10.</a:t>
-            </a:r>
-          </a:p>
-          <a:p>
-            <a:r>
-              <a:rPr lang="en-US" sz="900" b="1" dirty="0" err="1">
-                <a:solidFill>
-                  <a:schemeClr val="bg1"/>
-                </a:solidFill>
-                <a:latin typeface="Andale Mono" panose="020B0509000000000004" pitchFamily="49" charset="0"/>
-              </a:rPr>
-              <a:t>Ingrese</a:t>
-            </a:r>
-            <a:r>
-              <a:rPr lang="en-US" sz="900" b="1" dirty="0">
-                <a:solidFill>
-                  <a:schemeClr val="bg1"/>
-                </a:solidFill>
-                <a:latin typeface="Andale Mono" panose="020B0509000000000004" pitchFamily="49" charset="0"/>
-              </a:rPr>
-              <a:t> </a:t>
-            </a:r>
-            <a:r>
-              <a:rPr lang="en-US" sz="900" b="1" dirty="0" err="1">
-                <a:solidFill>
-                  <a:schemeClr val="bg1"/>
-                </a:solidFill>
-                <a:latin typeface="Andale Mono" panose="020B0509000000000004" pitchFamily="49" charset="0"/>
-              </a:rPr>
-              <a:t>Fecha</a:t>
-            </a:r>
-            <a:r>
-              <a:rPr lang="en-US" sz="900" b="1" dirty="0">
-                <a:solidFill>
-                  <a:schemeClr val="bg1"/>
-                </a:solidFill>
-                <a:latin typeface="Andale Mono" panose="020B0509000000000004" pitchFamily="49" charset="0"/>
-              </a:rPr>
-              <a:t> (06-01). </a:t>
-            </a:r>
-            <a:r>
-              <a:rPr lang="en-US" sz="900" b="1" dirty="0" err="1">
-                <a:solidFill>
-                  <a:schemeClr val="bg1"/>
-                </a:solidFill>
-                <a:latin typeface="Andale Mono" panose="020B0509000000000004" pitchFamily="49" charset="0"/>
-              </a:rPr>
-              <a:t>Desde</a:t>
-            </a:r>
-            <a:r>
-              <a:rPr lang="en-US" sz="900" b="1" dirty="0">
-                <a:solidFill>
-                  <a:schemeClr val="bg1"/>
-                </a:solidFill>
-                <a:latin typeface="Andale Mono" panose="020B0509000000000004" pitchFamily="49" charset="0"/>
-              </a:rPr>
-              <a:t>: </a:t>
-            </a:r>
-            <a:r>
-              <a:rPr lang="en-US" sz="900" b="1" dirty="0">
-                <a:solidFill>
-                  <a:srgbClr val="00B0F0"/>
-                </a:solidFill>
-                <a:latin typeface="Andale Mono" panose="020B0509000000000004" pitchFamily="49" charset="0"/>
-              </a:rPr>
-              <a:t>06-01</a:t>
-            </a:r>
-          </a:p>
-          <a:p>
-            <a:r>
-              <a:rPr lang="en-US" sz="900" b="1" dirty="0" err="1">
-                <a:solidFill>
-                  <a:schemeClr val="bg1"/>
-                </a:solidFill>
-                <a:latin typeface="Andale Mono" panose="020B0509000000000004" pitchFamily="49" charset="0"/>
-              </a:rPr>
-              <a:t>Ingrese</a:t>
-            </a:r>
-            <a:r>
-              <a:rPr lang="en-US" sz="900" b="1" dirty="0">
-                <a:solidFill>
-                  <a:schemeClr val="bg1"/>
-                </a:solidFill>
-                <a:latin typeface="Andale Mono" panose="020B0509000000000004" pitchFamily="49" charset="0"/>
-              </a:rPr>
-              <a:t> </a:t>
-            </a:r>
-            <a:r>
-              <a:rPr lang="en-US" sz="900" b="1" dirty="0" err="1">
-                <a:solidFill>
-                  <a:schemeClr val="bg1"/>
-                </a:solidFill>
-                <a:latin typeface="Andale Mono" panose="020B0509000000000004" pitchFamily="49" charset="0"/>
-              </a:rPr>
-              <a:t>Fecha</a:t>
-            </a:r>
-            <a:r>
-              <a:rPr lang="en-US" sz="900" b="1" dirty="0">
-                <a:solidFill>
-                  <a:schemeClr val="bg1"/>
-                </a:solidFill>
-                <a:latin typeface="Andale Mono" panose="020B0509000000000004" pitchFamily="49" charset="0"/>
-              </a:rPr>
-              <a:t> (10-30). Hasta: </a:t>
-            </a:r>
-            <a:r>
-              <a:rPr lang="en-US" sz="900" b="1" dirty="0">
-                <a:solidFill>
-                  <a:srgbClr val="00B0F0"/>
-                </a:solidFill>
-                <a:latin typeface="Andale Mono" panose="020B0509000000000004" pitchFamily="49" charset="0"/>
-              </a:rPr>
-              <a:t>06-01</a:t>
-            </a:r>
-          </a:p>
-          <a:p>
-            <a:r>
-              <a:rPr lang="en-US" sz="900" b="1" dirty="0" err="1">
-                <a:solidFill>
-                  <a:schemeClr val="bg1"/>
-                </a:solidFill>
-                <a:latin typeface="Andale Mono" panose="020B0509000000000004" pitchFamily="49" charset="0"/>
-              </a:rPr>
-              <a:t>Buscando</a:t>
-            </a:r>
-            <a:r>
-              <a:rPr lang="en-US" sz="900" b="1" dirty="0">
-                <a:solidFill>
-                  <a:schemeClr val="bg1"/>
-                </a:solidFill>
-                <a:latin typeface="Andale Mono" panose="020B0509000000000004" pitchFamily="49" charset="0"/>
-              </a:rPr>
-              <a:t> </a:t>
-            </a:r>
-            <a:r>
-              <a:rPr lang="en-US" sz="900" b="1" dirty="0" err="1">
-                <a:solidFill>
-                  <a:schemeClr val="bg1"/>
-                </a:solidFill>
-                <a:latin typeface="Andale Mono" panose="020B0509000000000004" pitchFamily="49" charset="0"/>
-              </a:rPr>
               <a:t>resultados</a:t>
             </a:r>
             <a:r>
@@ -16734,7 +16264,7 @@
                 </a:solidFill>
                 <a:latin typeface="Andale Mono" panose="020B0509000000000004" pitchFamily="49" charset="0"/>
               </a:rPr>
-              <a:t> entre 06-01 y 06-01.</a:t>
+              <a:t> entre 0.0.0.0:0000 y 999.999.999.999:9999</a:t>
             </a:r>
           </a:p>
         </p:txBody>
@@ -16862,8 +16392,19 @@
                 <a:latin typeface="Google Sans" panose="020B0503030502040204" pitchFamily="34" charset="0"/>
                 <a:ea typeface="Roboto" panose="02000000000000000000" pitchFamily="2" charset="0"/>
               </a:rPr>
-              <a:t>Despliegue los registros correspondientes a esas fechas.</a:t>
-            </a:r>
+              <a:t>Despliegue los registros correspondientes a esas </a:t>
+            </a:r>
+            <a:r>
+              <a:rPr lang="es-ES_tradnl" sz="1200" dirty="0" err="1">
+                <a:latin typeface="Google Sans" panose="020B0503030502040204" pitchFamily="34" charset="0"/>
+                <a:ea typeface="Roboto" panose="02000000000000000000" pitchFamily="2" charset="0"/>
+              </a:rPr>
+              <a:t>IPs</a:t>
+            </a:r>
+            <a:endParaRPr lang="es-ES_tradnl" sz="1200" dirty="0">
+              <a:latin typeface="Google Sans" panose="020B0503030502040204" pitchFamily="34" charset="0"/>
+              <a:ea typeface="Roboto" panose="02000000000000000000" pitchFamily="2" charset="0"/>
+            </a:endParaRPr>
           </a:p>
         </p:txBody>
       </p:sp>
@@ -19292,5737 +18833,20 @@
           </a:bodyPr>
           <a:lstStyle/>
           <a:p>
-            <a:pPr marL="412750" lvl="1" indent="-228600">
-              <a:buFont typeface="+mj-lt"/>
-              <a:buAutoNum type="alphaLcPeriod"/>
+            <a:pPr marL="182563" lvl="1" indent="-171450">
+              <a:buFont typeface="Arial" panose="020B0604020202020204" pitchFamily="34" charset="0"/>
+              <a:buChar char="•"/>
             </a:pPr>
             <a:r>
               <a:rPr lang="es-ES_tradnl" sz="1200" dirty="0">
                 <a:latin typeface="Google Sans" panose="020B0503030502040204" pitchFamily="34" charset="0"/>
                 <a:ea typeface="Roboto" panose="02000000000000000000" pitchFamily="2" charset="0"/>
               </a:rPr>
-              <a:t>la importancia y eficiencia del uso de los diferentes algoritmos de ordenamiento</a:t>
+              <a:t>la importancia y eficiencia del uso de las listas doblemente ligadas.</a:t>
             </a:r>
           </a:p>
         </p:txBody>
       </p:sp>
-      <mc:AlternateContent xmlns:mc="http://schemas.openxmlformats.org/markup-compatibility/2006" xmlns:a14="http://schemas.microsoft.com/office/drawing/2010/main">
-        <mc:Choice Requires="a14">
-          <p:graphicFrame>
-            <p:nvGraphicFramePr>
-              <p:cNvPr id="16" name="Table 4">
-                <a:extLst>
-                  <a:ext uri="{FF2B5EF4-FFF2-40B4-BE49-F238E27FC236}">
-                    <a16:creationId xmlns:a16="http://schemas.microsoft.com/office/drawing/2014/main" id="{D4331407-7F58-B247-AC6A-BFCE55CCCE4C}"/>
-                  </a:ext>
-                </a:extLst>
-              </p:cNvPr>
-              <p:cNvGraphicFramePr>
-                <a:graphicFrameLocks noGrp="1"/>
-              </p:cNvGraphicFramePr>
-              <p:nvPr>
-                <p:extLst>
-                  <p:ext uri="{D42A27DB-BD31-4B8C-83A1-F6EECF244321}">
-                    <p14:modId xmlns:p14="http://schemas.microsoft.com/office/powerpoint/2010/main" val="3461122284"/>
-                  </p:ext>
-                </p:extLst>
-              </p:nvPr>
-            </p:nvGraphicFramePr>
-            <p:xfrm>
-              <a:off x="525005" y="1615440"/>
-              <a:ext cx="10946093" cy="3063240"/>
-            </p:xfrm>
-            <a:graphic>
-              <a:graphicData uri="http://schemas.openxmlformats.org/drawingml/2006/table">
-                <a:tbl>
-                  <a:tblPr firstRow="1" bandRow="1">
-                    <a:tableStyleId>{5C22544A-7EE6-4342-B048-85BDC9FD1C3A}</a:tableStyleId>
-                  </a:tblPr>
-                  <a:tblGrid>
-                    <a:gridCol w="1470050">
-                      <a:extLst>
-                        <a:ext uri="{9D8B030D-6E8A-4147-A177-3AD203B41FA5}">
-                          <a16:colId xmlns:a16="http://schemas.microsoft.com/office/drawing/2014/main" val="552516167"/>
-                        </a:ext>
-                      </a:extLst>
-                    </a:gridCol>
-                    <a:gridCol w="965860">
-                      <a:extLst>
-                        <a:ext uri="{9D8B030D-6E8A-4147-A177-3AD203B41FA5}">
-                          <a16:colId xmlns:a16="http://schemas.microsoft.com/office/drawing/2014/main" val="626789005"/>
-                        </a:ext>
-                      </a:extLst>
-                    </a:gridCol>
-                    <a:gridCol w="965860">
-                      <a:extLst>
-                        <a:ext uri="{9D8B030D-6E8A-4147-A177-3AD203B41FA5}">
-                          <a16:colId xmlns:a16="http://schemas.microsoft.com/office/drawing/2014/main" val="3340807046"/>
-                        </a:ext>
-                      </a:extLst>
-                    </a:gridCol>
-                    <a:gridCol w="965860">
-                      <a:extLst>
-                        <a:ext uri="{9D8B030D-6E8A-4147-A177-3AD203B41FA5}">
-                          <a16:colId xmlns:a16="http://schemas.microsoft.com/office/drawing/2014/main" val="2348046545"/>
-                        </a:ext>
-                      </a:extLst>
-                    </a:gridCol>
-                    <a:gridCol w="6578463">
-                      <a:extLst>
-                        <a:ext uri="{9D8B030D-6E8A-4147-A177-3AD203B41FA5}">
-                          <a16:colId xmlns:a16="http://schemas.microsoft.com/office/drawing/2014/main" val="3704704284"/>
-                        </a:ext>
-                      </a:extLst>
-                    </a:gridCol>
-                  </a:tblGrid>
-                  <a:tr h="0">
-                    <a:tc rowSpan="2">
-                      <a:txBody>
-                        <a:bodyPr/>
-                        <a:lstStyle/>
-                        <a:p>
-                          <a:pPr marL="11113" indent="0" algn="ctr">
-                            <a:tabLst/>
-                          </a:pPr>
-                          <a:r>
-                            <a:rPr lang="es-ES_tradnl" sz="1100" noProof="0">
-                              <a:solidFill>
-                                <a:schemeClr val="tx1">
-                                  <a:lumMod val="75000"/>
-                                  <a:lumOff val="25000"/>
-                                </a:schemeClr>
-                              </a:solidFill>
-                              <a:latin typeface="Google Sans" panose="020B0503030502040204" pitchFamily="34" charset="0"/>
-                            </a:rPr>
-                            <a:t>Ordenamiento Tipo</a:t>
-                          </a:r>
-                        </a:p>
-                      </a:txBody>
-                      <a:tcPr anchor="ctr">
-                        <a:lnR w="12700" cap="flat" cmpd="sng" algn="ctr">
-                          <a:solidFill>
-                            <a:schemeClr val="bg1">
-                              <a:lumMod val="85000"/>
-                            </a:schemeClr>
-                          </a:solidFill>
-                          <a:prstDash val="solid"/>
-                          <a:round/>
-                          <a:headEnd type="none" w="med" len="med"/>
-                          <a:tailEnd type="none" w="med" len="med"/>
-                        </a:lnR>
-                        <a:lnB w="12700" cap="flat" cmpd="sng" algn="ctr">
-                          <a:solidFill>
-                            <a:schemeClr val="bg1">
-                              <a:lumMod val="85000"/>
-                            </a:schemeClr>
-                          </a:solidFill>
-                          <a:prstDash val="solid"/>
-                          <a:round/>
-                          <a:headEnd type="none" w="med" len="med"/>
-                          <a:tailEnd type="none" w="med" len="med"/>
-                        </a:lnB>
-                        <a:solidFill>
-                          <a:schemeClr val="bg1">
-                            <a:lumMod val="95000"/>
-                          </a:schemeClr>
-                        </a:solidFill>
-                      </a:tcPr>
-                    </a:tc>
-                    <a:tc gridSpan="3">
-                      <a:txBody>
-                        <a:bodyPr/>
-                        <a:lstStyle/>
-                        <a:p>
-                          <a:pPr algn="ctr"/>
-                          <a:r>
-                            <a:rPr lang="es-ES_tradnl" sz="1100" noProof="0" dirty="0">
-                              <a:solidFill>
-                                <a:schemeClr val="tx1">
-                                  <a:lumMod val="75000"/>
-                                  <a:lumOff val="25000"/>
-                                </a:schemeClr>
-                              </a:solidFill>
-                              <a:latin typeface="Google Sans" panose="020B0503030502040204" pitchFamily="34" charset="0"/>
-                            </a:rPr>
-                            <a:t>Complejidad Temporal</a:t>
-                          </a:r>
-                        </a:p>
-                      </a:txBody>
-                      <a:tcPr anchor="ctr">
-                        <a:lnL w="12700" cap="flat" cmpd="sng" algn="ctr">
-                          <a:solidFill>
-                            <a:schemeClr val="bg1">
-                              <a:lumMod val="85000"/>
-                            </a:schemeClr>
-                          </a:solidFill>
-                          <a:prstDash val="solid"/>
-                          <a:round/>
-                          <a:headEnd type="none" w="med" len="med"/>
-                          <a:tailEnd type="none" w="med" len="med"/>
-                        </a:lnL>
-                        <a:lnR w="12700" cap="flat" cmpd="sng" algn="ctr">
-                          <a:solidFill>
-                            <a:schemeClr val="bg1">
-                              <a:lumMod val="85000"/>
-                            </a:schemeClr>
-                          </a:solidFill>
-                          <a:prstDash val="solid"/>
-                          <a:round/>
-                          <a:headEnd type="none" w="med" len="med"/>
-                          <a:tailEnd type="none" w="med" len="med"/>
-                        </a:lnR>
-                        <a:lnB w="12700" cap="flat" cmpd="sng" algn="ctr">
-                          <a:solidFill>
-                            <a:schemeClr val="bg1">
-                              <a:lumMod val="85000"/>
-                            </a:schemeClr>
-                          </a:solidFill>
-                          <a:prstDash val="solid"/>
-                          <a:round/>
-                          <a:headEnd type="none" w="med" len="med"/>
-                          <a:tailEnd type="none" w="med" len="med"/>
-                        </a:lnB>
-                        <a:solidFill>
-                          <a:schemeClr val="bg1">
-                            <a:lumMod val="95000"/>
-                          </a:schemeClr>
-                        </a:solidFill>
-                      </a:tcPr>
-                    </a:tc>
-                    <a:tc hMerge="1">
-                      <a:txBody>
-                        <a:bodyPr/>
-                        <a:lstStyle/>
-                        <a:p>
-                          <a:pPr marL="0" marR="0" lvl="0" indent="0" algn="ctr" defTabSz="914400" rtl="0" eaLnBrk="1" fontAlgn="auto" latinLnBrk="0" hangingPunct="1">
-                            <a:lnSpc>
-                              <a:spcPct val="100000"/>
-                            </a:lnSpc>
-                            <a:spcBef>
-                              <a:spcPts val="0"/>
-                            </a:spcBef>
-                            <a:spcAft>
-                              <a:spcPts val="0"/>
-                            </a:spcAft>
-                            <a:buClrTx/>
-                            <a:buSzTx/>
-                            <a:buFontTx/>
-                            <a:buNone/>
-                            <a:tabLst/>
-                            <a:defRPr/>
-                          </a:pPr>
-                          <a:endParaRPr lang="en-MX" sz="1100" dirty="0">
-                            <a:solidFill>
-                              <a:schemeClr val="tx1">
-                                <a:lumMod val="75000"/>
-                                <a:lumOff val="25000"/>
-                              </a:schemeClr>
-                            </a:solidFill>
-                            <a:latin typeface="Google Sans" panose="020B0503030502040204" pitchFamily="34" charset="0"/>
-                          </a:endParaRPr>
-                        </a:p>
-                      </a:txBody>
-                      <a:tcPr>
-                        <a:lnL w="12700" cap="flat" cmpd="sng" algn="ctr">
-                          <a:solidFill>
-                            <a:schemeClr val="bg1">
-                              <a:lumMod val="85000"/>
-                            </a:schemeClr>
-                          </a:solidFill>
-                          <a:prstDash val="solid"/>
-                          <a:round/>
-                          <a:headEnd type="none" w="med" len="med"/>
-                          <a:tailEnd type="none" w="med" len="med"/>
-                        </a:lnL>
-                        <a:lnR w="12700" cap="flat" cmpd="sng" algn="ctr">
-                          <a:solidFill>
-                            <a:schemeClr val="bg1">
-                              <a:lumMod val="85000"/>
-                            </a:schemeClr>
-                          </a:solidFill>
-                          <a:prstDash val="solid"/>
-                          <a:round/>
-                          <a:headEnd type="none" w="med" len="med"/>
-                          <a:tailEnd type="none" w="med" len="med"/>
-                        </a:lnR>
-                        <a:lnB w="12700" cap="flat" cmpd="sng" algn="ctr">
-                          <a:solidFill>
-                            <a:schemeClr val="bg1">
-                              <a:lumMod val="85000"/>
-                            </a:schemeClr>
-                          </a:solidFill>
-                          <a:prstDash val="solid"/>
-                          <a:round/>
-                          <a:headEnd type="none" w="med" len="med"/>
-                          <a:tailEnd type="none" w="med" len="med"/>
-                        </a:lnB>
-                        <a:solidFill>
-                          <a:schemeClr val="bg1">
-                            <a:lumMod val="95000"/>
-                          </a:schemeClr>
-                        </a:solidFill>
-                      </a:tcPr>
-                    </a:tc>
-                    <a:tc hMerge="1">
-                      <a:txBody>
-                        <a:bodyPr/>
-                        <a:lstStyle/>
-                        <a:p>
-                          <a:pPr marL="0" marR="0" lvl="0" indent="0" algn="ctr" defTabSz="914400" rtl="0" eaLnBrk="1" fontAlgn="auto" latinLnBrk="0" hangingPunct="1">
-                            <a:lnSpc>
-                              <a:spcPct val="100000"/>
-                            </a:lnSpc>
-                            <a:spcBef>
-                              <a:spcPts val="0"/>
-                            </a:spcBef>
-                            <a:spcAft>
-                              <a:spcPts val="0"/>
-                            </a:spcAft>
-                            <a:buClrTx/>
-                            <a:buSzTx/>
-                            <a:buFontTx/>
-                            <a:buNone/>
-                            <a:tabLst/>
-                            <a:defRPr/>
-                          </a:pPr>
-                          <a:endParaRPr lang="en-MX" sz="1100" dirty="0">
-                            <a:solidFill>
-                              <a:schemeClr val="tx1">
-                                <a:lumMod val="75000"/>
-                                <a:lumOff val="25000"/>
-                              </a:schemeClr>
-                            </a:solidFill>
-                            <a:latin typeface="Google Sans" panose="020B0503030502040204" pitchFamily="34" charset="0"/>
-                          </a:endParaRPr>
-                        </a:p>
-                      </a:txBody>
-                      <a:tcPr>
-                        <a:lnL w="12700" cap="flat" cmpd="sng" algn="ctr">
-                          <a:solidFill>
-                            <a:schemeClr val="bg1">
-                              <a:lumMod val="85000"/>
-                            </a:schemeClr>
-                          </a:solidFill>
-                          <a:prstDash val="solid"/>
-                          <a:round/>
-                          <a:headEnd type="none" w="med" len="med"/>
-                          <a:tailEnd type="none" w="med" len="med"/>
-                        </a:lnL>
-                        <a:lnR w="12700" cap="flat" cmpd="sng" algn="ctr">
-                          <a:solidFill>
-                            <a:schemeClr val="bg1">
-                              <a:lumMod val="85000"/>
-                            </a:schemeClr>
-                          </a:solidFill>
-                          <a:prstDash val="solid"/>
-                          <a:round/>
-                          <a:headEnd type="none" w="med" len="med"/>
-                          <a:tailEnd type="none" w="med" len="med"/>
-                        </a:lnR>
-                        <a:lnB w="12700" cap="flat" cmpd="sng" algn="ctr">
-                          <a:solidFill>
-                            <a:schemeClr val="bg1">
-                              <a:lumMod val="85000"/>
-                            </a:schemeClr>
-                          </a:solidFill>
-                          <a:prstDash val="solid"/>
-                          <a:round/>
-                          <a:headEnd type="none" w="med" len="med"/>
-                          <a:tailEnd type="none" w="med" len="med"/>
-                        </a:lnB>
-                        <a:solidFill>
-                          <a:schemeClr val="bg1">
-                            <a:lumMod val="95000"/>
-                          </a:schemeClr>
-                        </a:solidFill>
-                      </a:tcPr>
-                    </a:tc>
-                    <a:tc rowSpan="2">
-                      <a:txBody>
-                        <a:bodyPr/>
-                        <a:lstStyle/>
-                        <a:p>
-                          <a:pPr algn="ctr"/>
-                          <a:r>
-                            <a:rPr lang="es-ES_tradnl" sz="1100" noProof="0" dirty="0">
-                              <a:solidFill>
-                                <a:schemeClr val="tx1">
-                                  <a:lumMod val="75000"/>
-                                  <a:lumOff val="25000"/>
-                                </a:schemeClr>
-                              </a:solidFill>
-                              <a:latin typeface="Google Sans" panose="020B0503030502040204" pitchFamily="34" charset="0"/>
-                            </a:rPr>
-                            <a:t>Comentarios/Observaciones</a:t>
-                          </a:r>
-                        </a:p>
-                      </a:txBody>
-                      <a:tcPr anchor="ctr">
-                        <a:lnL w="12700" cap="flat" cmpd="sng" algn="ctr">
-                          <a:solidFill>
-                            <a:schemeClr val="bg1">
-                              <a:lumMod val="85000"/>
-                            </a:schemeClr>
-                          </a:solidFill>
-                          <a:prstDash val="solid"/>
-                          <a:round/>
-                          <a:headEnd type="none" w="med" len="med"/>
-                          <a:tailEnd type="none" w="med" len="med"/>
-                        </a:lnL>
-                        <a:lnR w="12700" cap="flat" cmpd="sng" algn="ctr">
-                          <a:solidFill>
-                            <a:schemeClr val="bg1">
-                              <a:lumMod val="85000"/>
-                            </a:schemeClr>
-                          </a:solidFill>
-                          <a:prstDash val="solid"/>
-                          <a:round/>
-                          <a:headEnd type="none" w="med" len="med"/>
-                          <a:tailEnd type="none" w="med" len="med"/>
-                        </a:lnR>
-                        <a:lnB w="12700" cap="flat" cmpd="sng" algn="ctr">
-                          <a:solidFill>
-                            <a:schemeClr val="bg1">
-                              <a:lumMod val="85000"/>
-                            </a:schemeClr>
-                          </a:solidFill>
-                          <a:prstDash val="solid"/>
-                          <a:round/>
-                          <a:headEnd type="none" w="med" len="med"/>
-                          <a:tailEnd type="none" w="med" len="med"/>
-                        </a:lnB>
-                        <a:solidFill>
-                          <a:schemeClr val="bg1">
-                            <a:lumMod val="95000"/>
-                          </a:schemeClr>
-                        </a:solidFill>
-                      </a:tcPr>
-                    </a:tc>
-                    <a:extLst>
-                      <a:ext uri="{0D108BD9-81ED-4DB2-BD59-A6C34878D82A}">
-                        <a16:rowId xmlns:a16="http://schemas.microsoft.com/office/drawing/2014/main" val="4035314076"/>
-                      </a:ext>
-                    </a:extLst>
-                  </a:tr>
-                  <a:tr h="0">
-                    <a:tc vMerge="1">
-                      <a:txBody>
-                        <a:bodyPr/>
-                        <a:lstStyle/>
-                        <a:p>
-                          <a:pPr marL="11113" indent="0" algn="ctr">
-                            <a:tabLst/>
-                          </a:pPr>
-                          <a:endParaRPr lang="en-MX" sz="1100" dirty="0">
-                            <a:solidFill>
-                              <a:schemeClr val="tx1">
-                                <a:lumMod val="75000"/>
-                                <a:lumOff val="25000"/>
-                              </a:schemeClr>
-                            </a:solidFill>
-                            <a:latin typeface="Google Sans" panose="020B0503030502040204" pitchFamily="34" charset="0"/>
-                          </a:endParaRPr>
-                        </a:p>
-                      </a:txBody>
-                      <a:tcPr>
-                        <a:lnR w="12700" cap="flat" cmpd="sng" algn="ctr">
-                          <a:solidFill>
-                            <a:schemeClr val="bg1">
-                              <a:lumMod val="85000"/>
-                            </a:schemeClr>
-                          </a:solidFill>
-                          <a:prstDash val="solid"/>
-                          <a:round/>
-                          <a:headEnd type="none" w="med" len="med"/>
-                          <a:tailEnd type="none" w="med" len="med"/>
-                        </a:lnR>
-                        <a:lnT w="12700" cap="flat" cmpd="sng" algn="ctr">
-                          <a:solidFill>
-                            <a:schemeClr val="bg1">
-                              <a:lumMod val="85000"/>
-                            </a:schemeClr>
-                          </a:solidFill>
-                          <a:prstDash val="solid"/>
-                          <a:round/>
-                          <a:headEnd type="none" w="med" len="med"/>
-                          <a:tailEnd type="none" w="med" len="med"/>
-                        </a:lnT>
-                        <a:lnB w="12700" cap="flat" cmpd="sng" algn="ctr">
-                          <a:solidFill>
-                            <a:schemeClr val="bg1">
-                              <a:lumMod val="85000"/>
-                            </a:schemeClr>
-                          </a:solidFill>
-                          <a:prstDash val="solid"/>
-                          <a:round/>
-                          <a:headEnd type="none" w="med" len="med"/>
-                          <a:tailEnd type="none" w="med" len="med"/>
-                        </a:lnB>
-                        <a:solidFill>
-                          <a:schemeClr val="bg1">
-                            <a:lumMod val="95000"/>
-                          </a:schemeClr>
-                        </a:solidFill>
-                      </a:tcPr>
-                    </a:tc>
-                    <a:tc>
-                      <a:txBody>
-                        <a:bodyPr/>
-                        <a:lstStyle/>
-                        <a:p>
-                          <a:pPr algn="ctr"/>
-                          <a:r>
-                            <a:rPr lang="es-ES_tradnl" sz="1100" noProof="0" dirty="0" err="1">
-                              <a:solidFill>
-                                <a:schemeClr val="tx1">
-                                  <a:lumMod val="75000"/>
-                                  <a:lumOff val="25000"/>
-                                </a:schemeClr>
-                              </a:solidFill>
-                              <a:latin typeface="Google Sans" panose="020B0503030502040204" pitchFamily="34" charset="0"/>
-                            </a:rPr>
-                            <a:t>Best</a:t>
-                          </a:r>
-                          <a:endParaRPr lang="es-ES_tradnl" sz="1100" noProof="0" dirty="0">
-                            <a:solidFill>
-                              <a:schemeClr val="tx1">
-                                <a:lumMod val="75000"/>
-                                <a:lumOff val="25000"/>
-                              </a:schemeClr>
-                            </a:solidFill>
-                            <a:latin typeface="Google Sans" panose="020B0503030502040204" pitchFamily="34" charset="0"/>
-                          </a:endParaRPr>
-                        </a:p>
-                      </a:txBody>
-                      <a:tcPr anchor="ctr">
-                        <a:lnL w="12700" cap="flat" cmpd="sng" algn="ctr">
-                          <a:solidFill>
-                            <a:schemeClr val="bg1">
-                              <a:lumMod val="85000"/>
-                            </a:schemeClr>
-                          </a:solidFill>
-                          <a:prstDash val="solid"/>
-                          <a:round/>
-                          <a:headEnd type="none" w="med" len="med"/>
-                          <a:tailEnd type="none" w="med" len="med"/>
-                        </a:lnL>
-                        <a:lnR w="12700" cap="flat" cmpd="sng" algn="ctr">
-                          <a:solidFill>
-                            <a:schemeClr val="bg1">
-                              <a:lumMod val="85000"/>
-                            </a:schemeClr>
-                          </a:solidFill>
-                          <a:prstDash val="solid"/>
-                          <a:round/>
-                          <a:headEnd type="none" w="med" len="med"/>
-                          <a:tailEnd type="none" w="med" len="med"/>
-                        </a:lnR>
-                        <a:lnT w="12700" cap="flat" cmpd="sng" algn="ctr">
-                          <a:solidFill>
-                            <a:schemeClr val="bg1">
-                              <a:lumMod val="85000"/>
-                            </a:schemeClr>
-                          </a:solidFill>
-                          <a:prstDash val="solid"/>
-                          <a:round/>
-                          <a:headEnd type="none" w="med" len="med"/>
-                          <a:tailEnd type="none" w="med" len="med"/>
-                        </a:lnT>
-                        <a:lnB w="12700" cap="flat" cmpd="sng" algn="ctr">
-                          <a:solidFill>
-                            <a:schemeClr val="bg1">
-                              <a:lumMod val="85000"/>
-                            </a:schemeClr>
-                          </a:solidFill>
-                          <a:prstDash val="solid"/>
-                          <a:round/>
-                          <a:headEnd type="none" w="med" len="med"/>
-                          <a:tailEnd type="none" w="med" len="med"/>
-                        </a:lnB>
-                        <a:solidFill>
-                          <a:srgbClr val="FAFAFA"/>
-                        </a:solidFill>
-                      </a:tcPr>
-                    </a:tc>
-                    <a:tc>
-                      <a:txBody>
-                        <a:bodyPr/>
-                        <a:lstStyle/>
-                        <a:p>
-                          <a:pPr marL="0" marR="0" lvl="0" indent="0" algn="ctr" defTabSz="914400" rtl="0" eaLnBrk="1" fontAlgn="auto" latinLnBrk="0" hangingPunct="1">
-                            <a:lnSpc>
-                              <a:spcPct val="100000"/>
-                            </a:lnSpc>
-                            <a:spcBef>
-                              <a:spcPts val="0"/>
-                            </a:spcBef>
-                            <a:spcAft>
-                              <a:spcPts val="0"/>
-                            </a:spcAft>
-                            <a:buClrTx/>
-                            <a:buSzTx/>
-                            <a:buFontTx/>
-                            <a:buNone/>
-                            <a:tabLst/>
-                            <a:defRPr/>
-                          </a:pPr>
-                          <a:r>
-                            <a:rPr lang="es-ES_tradnl" sz="1100" noProof="0" dirty="0" err="1">
-                              <a:solidFill>
-                                <a:schemeClr val="tx1">
-                                  <a:lumMod val="75000"/>
-                                  <a:lumOff val="25000"/>
-                                </a:schemeClr>
-                              </a:solidFill>
-                              <a:latin typeface="Google Sans" panose="020B0503030502040204" pitchFamily="34" charset="0"/>
-                            </a:rPr>
-                            <a:t>Average</a:t>
-                          </a:r>
-                          <a:endParaRPr lang="es-ES_tradnl" sz="1100" noProof="0" dirty="0">
-                            <a:solidFill>
-                              <a:schemeClr val="tx1">
-                                <a:lumMod val="75000"/>
-                                <a:lumOff val="25000"/>
-                              </a:schemeClr>
-                            </a:solidFill>
-                            <a:latin typeface="Google Sans" panose="020B0503030502040204" pitchFamily="34" charset="0"/>
-                          </a:endParaRPr>
-                        </a:p>
-                      </a:txBody>
-                      <a:tcPr anchor="ctr">
-                        <a:lnL w="12700" cap="flat" cmpd="sng" algn="ctr">
-                          <a:solidFill>
-                            <a:schemeClr val="bg1">
-                              <a:lumMod val="85000"/>
-                            </a:schemeClr>
-                          </a:solidFill>
-                          <a:prstDash val="solid"/>
-                          <a:round/>
-                          <a:headEnd type="none" w="med" len="med"/>
-                          <a:tailEnd type="none" w="med" len="med"/>
-                        </a:lnL>
-                        <a:lnR w="12700" cap="flat" cmpd="sng" algn="ctr">
-                          <a:solidFill>
-                            <a:schemeClr val="bg1">
-                              <a:lumMod val="85000"/>
-                            </a:schemeClr>
-                          </a:solidFill>
-                          <a:prstDash val="solid"/>
-                          <a:round/>
-                          <a:headEnd type="none" w="med" len="med"/>
-                          <a:tailEnd type="none" w="med" len="med"/>
-                        </a:lnR>
-                        <a:lnT w="12700" cap="flat" cmpd="sng" algn="ctr">
-                          <a:solidFill>
-                            <a:schemeClr val="bg1">
-                              <a:lumMod val="85000"/>
-                            </a:schemeClr>
-                          </a:solidFill>
-                          <a:prstDash val="solid"/>
-                          <a:round/>
-                          <a:headEnd type="none" w="med" len="med"/>
-                          <a:tailEnd type="none" w="med" len="med"/>
-                        </a:lnT>
-                        <a:lnB w="12700" cap="flat" cmpd="sng" algn="ctr">
-                          <a:solidFill>
-                            <a:schemeClr val="bg1">
-                              <a:lumMod val="85000"/>
-                            </a:schemeClr>
-                          </a:solidFill>
-                          <a:prstDash val="solid"/>
-                          <a:round/>
-                          <a:headEnd type="none" w="med" len="med"/>
-                          <a:tailEnd type="none" w="med" len="med"/>
-                        </a:lnB>
-                        <a:solidFill>
-                          <a:srgbClr val="FAFAFA"/>
-                        </a:solidFill>
-                      </a:tcPr>
-                    </a:tc>
-                    <a:tc>
-                      <a:txBody>
-                        <a:bodyPr/>
-                        <a:lstStyle/>
-                        <a:p>
-                          <a:pPr marL="0" marR="0" lvl="0" indent="0" algn="ctr" defTabSz="914400" rtl="0" eaLnBrk="1" fontAlgn="auto" latinLnBrk="0" hangingPunct="1">
-                            <a:lnSpc>
-                              <a:spcPct val="100000"/>
-                            </a:lnSpc>
-                            <a:spcBef>
-                              <a:spcPts val="0"/>
-                            </a:spcBef>
-                            <a:spcAft>
-                              <a:spcPts val="0"/>
-                            </a:spcAft>
-                            <a:buClrTx/>
-                            <a:buSzTx/>
-                            <a:buFontTx/>
-                            <a:buNone/>
-                            <a:tabLst/>
-                            <a:defRPr/>
-                          </a:pPr>
-                          <a:r>
-                            <a:rPr lang="es-ES_tradnl" sz="1100" noProof="0" dirty="0" err="1">
-                              <a:solidFill>
-                                <a:schemeClr val="tx1">
-                                  <a:lumMod val="75000"/>
-                                  <a:lumOff val="25000"/>
-                                </a:schemeClr>
-                              </a:solidFill>
-                              <a:latin typeface="Google Sans" panose="020B0503030502040204" pitchFamily="34" charset="0"/>
-                            </a:rPr>
-                            <a:t>Worst</a:t>
-                          </a:r>
-                          <a:endParaRPr lang="es-ES_tradnl" sz="1100" noProof="0" dirty="0">
-                            <a:solidFill>
-                              <a:schemeClr val="tx1">
-                                <a:lumMod val="75000"/>
-                                <a:lumOff val="25000"/>
-                              </a:schemeClr>
-                            </a:solidFill>
-                            <a:latin typeface="Google Sans" panose="020B0503030502040204" pitchFamily="34" charset="0"/>
-                          </a:endParaRPr>
-                        </a:p>
-                      </a:txBody>
-                      <a:tcPr anchor="ctr">
-                        <a:lnL w="12700" cap="flat" cmpd="sng" algn="ctr">
-                          <a:solidFill>
-                            <a:schemeClr val="bg1">
-                              <a:lumMod val="85000"/>
-                            </a:schemeClr>
-                          </a:solidFill>
-                          <a:prstDash val="solid"/>
-                          <a:round/>
-                          <a:headEnd type="none" w="med" len="med"/>
-                          <a:tailEnd type="none" w="med" len="med"/>
-                        </a:lnL>
-                        <a:lnR w="12700" cap="flat" cmpd="sng" algn="ctr">
-                          <a:solidFill>
-                            <a:schemeClr val="bg1">
-                              <a:lumMod val="85000"/>
-                            </a:schemeClr>
-                          </a:solidFill>
-                          <a:prstDash val="solid"/>
-                          <a:round/>
-                          <a:headEnd type="none" w="med" len="med"/>
-                          <a:tailEnd type="none" w="med" len="med"/>
-                        </a:lnR>
-                        <a:lnT w="12700" cap="flat" cmpd="sng" algn="ctr">
-                          <a:solidFill>
-                            <a:schemeClr val="bg1">
-                              <a:lumMod val="85000"/>
-                            </a:schemeClr>
-                          </a:solidFill>
-                          <a:prstDash val="solid"/>
-                          <a:round/>
-                          <a:headEnd type="none" w="med" len="med"/>
-                          <a:tailEnd type="none" w="med" len="med"/>
-                        </a:lnT>
-                        <a:lnB w="12700" cap="flat" cmpd="sng" algn="ctr">
-                          <a:solidFill>
-                            <a:schemeClr val="bg1">
-                              <a:lumMod val="85000"/>
-                            </a:schemeClr>
-                          </a:solidFill>
-                          <a:prstDash val="solid"/>
-                          <a:round/>
-                          <a:headEnd type="none" w="med" len="med"/>
-                          <a:tailEnd type="none" w="med" len="med"/>
-                        </a:lnB>
-                        <a:solidFill>
-                          <a:srgbClr val="FAFAFA"/>
-                        </a:solidFill>
-                      </a:tcPr>
-                    </a:tc>
-                    <a:tc vMerge="1">
-                      <a:txBody>
-                        <a:bodyPr/>
-                        <a:lstStyle/>
-                        <a:p>
-                          <a:pPr marL="0" marR="0" lvl="0" indent="0" algn="ctr" defTabSz="914400" rtl="0" eaLnBrk="1" fontAlgn="auto" latinLnBrk="0" hangingPunct="1">
-                            <a:lnSpc>
-                              <a:spcPct val="100000"/>
-                            </a:lnSpc>
-                            <a:spcBef>
-                              <a:spcPts val="0"/>
-                            </a:spcBef>
-                            <a:spcAft>
-                              <a:spcPts val="0"/>
-                            </a:spcAft>
-                            <a:buClrTx/>
-                            <a:buSzTx/>
-                            <a:buFontTx/>
-                            <a:buNone/>
-                            <a:tabLst/>
-                            <a:defRPr/>
-                          </a:pPr>
-                          <a:endParaRPr lang="es-ES_tradnl" sz="1100" noProof="0" dirty="0">
-                            <a:solidFill>
-                              <a:schemeClr val="tx1">
-                                <a:lumMod val="75000"/>
-                                <a:lumOff val="25000"/>
-                              </a:schemeClr>
-                            </a:solidFill>
-                            <a:latin typeface="Google Sans" panose="020B0503030502040204" pitchFamily="34" charset="0"/>
-                          </a:endParaRPr>
-                        </a:p>
-                      </a:txBody>
-                      <a:tcPr anchor="ctr">
-                        <a:lnL w="12700" cap="flat" cmpd="sng" algn="ctr">
-                          <a:solidFill>
-                            <a:schemeClr val="bg1">
-                              <a:lumMod val="85000"/>
-                            </a:schemeClr>
-                          </a:solidFill>
-                          <a:prstDash val="solid"/>
-                          <a:round/>
-                          <a:headEnd type="none" w="med" len="med"/>
-                          <a:tailEnd type="none" w="med" len="med"/>
-                        </a:lnL>
-                        <a:lnR w="12700" cap="flat" cmpd="sng" algn="ctr">
-                          <a:solidFill>
-                            <a:schemeClr val="bg1">
-                              <a:lumMod val="85000"/>
-                            </a:schemeClr>
-                          </a:solidFill>
-                          <a:prstDash val="solid"/>
-                          <a:round/>
-                          <a:headEnd type="none" w="med" len="med"/>
-                          <a:tailEnd type="none" w="med" len="med"/>
-                        </a:lnR>
-                        <a:lnT w="12700" cap="flat" cmpd="sng" algn="ctr">
-                          <a:solidFill>
-                            <a:schemeClr val="bg1">
-                              <a:lumMod val="85000"/>
-                            </a:schemeClr>
-                          </a:solidFill>
-                          <a:prstDash val="solid"/>
-                          <a:round/>
-                          <a:headEnd type="none" w="med" len="med"/>
-                          <a:tailEnd type="none" w="med" len="med"/>
-                        </a:lnT>
-                        <a:lnB w="12700" cap="flat" cmpd="sng" algn="ctr">
-                          <a:solidFill>
-                            <a:schemeClr val="bg1">
-                              <a:lumMod val="85000"/>
-                            </a:schemeClr>
-                          </a:solidFill>
-                          <a:prstDash val="solid"/>
-                          <a:round/>
-                          <a:headEnd type="none" w="med" len="med"/>
-                          <a:tailEnd type="none" w="med" len="med"/>
-                        </a:lnB>
-                        <a:solidFill>
-                          <a:srgbClr val="FAFAFA"/>
-                        </a:solidFill>
-                      </a:tcPr>
-                    </a:tc>
-                    <a:extLst>
-                      <a:ext uri="{0D108BD9-81ED-4DB2-BD59-A6C34878D82A}">
-                        <a16:rowId xmlns:a16="http://schemas.microsoft.com/office/drawing/2014/main" val="406864330"/>
-                      </a:ext>
-                    </a:extLst>
-                  </a:tr>
-                  <a:tr h="0">
-                    <a:tc>
-                      <a:txBody>
-                        <a:bodyPr/>
-                        <a:lstStyle/>
-                        <a:p>
-                          <a:pPr marL="88900" indent="0" algn="l">
-                            <a:tabLst/>
-                          </a:pPr>
-                          <a:r>
-                            <a:rPr lang="es-ES_tradnl" sz="1100" noProof="0">
-                              <a:solidFill>
-                                <a:schemeClr val="tx1">
-                                  <a:lumMod val="75000"/>
-                                  <a:lumOff val="25000"/>
-                                </a:schemeClr>
-                              </a:solidFill>
-                              <a:latin typeface="Google Sans" panose="020B0503030502040204" pitchFamily="34" charset="0"/>
-                            </a:rPr>
-                            <a:t>Burbuja (Bubble)</a:t>
-                          </a:r>
-                        </a:p>
-                      </a:txBody>
-                      <a:tcPr anchor="ctr">
-                        <a:lnR w="12700" cap="flat" cmpd="sng" algn="ctr">
-                          <a:solidFill>
-                            <a:schemeClr val="bg1">
-                              <a:lumMod val="85000"/>
-                            </a:schemeClr>
-                          </a:solidFill>
-                          <a:prstDash val="solid"/>
-                          <a:round/>
-                          <a:headEnd type="none" w="med" len="med"/>
-                          <a:tailEnd type="none" w="med" len="med"/>
-                        </a:lnR>
-                        <a:lnT w="12700" cap="flat" cmpd="sng" algn="ctr">
-                          <a:solidFill>
-                            <a:schemeClr val="bg1">
-                              <a:lumMod val="85000"/>
-                            </a:schemeClr>
-                          </a:solidFill>
-                          <a:prstDash val="solid"/>
-                          <a:round/>
-                          <a:headEnd type="none" w="med" len="med"/>
-                          <a:tailEnd type="none" w="med" len="med"/>
-                        </a:lnT>
-                        <a:lnB w="12700" cap="flat" cmpd="sng" algn="ctr">
-                          <a:solidFill>
-                            <a:schemeClr val="bg1">
-                              <a:lumMod val="85000"/>
-                            </a:schemeClr>
-                          </a:solidFill>
-                          <a:prstDash val="solid"/>
-                          <a:round/>
-                          <a:headEnd type="none" w="med" len="med"/>
-                          <a:tailEnd type="none" w="med" len="med"/>
-                        </a:lnB>
-                        <a:solidFill>
-                          <a:srgbClr val="FAFAFA"/>
-                        </a:solidFill>
-                      </a:tcPr>
-                    </a:tc>
-                    <a:tc>
-                      <a:txBody>
-                        <a:bodyPr/>
-                        <a:lstStyle/>
-                        <a:p>
-                          <a:pPr marL="0" marR="0" lvl="0" indent="0" algn="l" defTabSz="914400" rtl="0" eaLnBrk="1" fontAlgn="auto" latinLnBrk="0" hangingPunct="1">
-                            <a:lnSpc>
-                              <a:spcPct val="100000"/>
-                            </a:lnSpc>
-                            <a:spcBef>
-                              <a:spcPts val="0"/>
-                            </a:spcBef>
-                            <a:spcAft>
-                              <a:spcPts val="0"/>
-                            </a:spcAft>
-                            <a:buClrTx/>
-                            <a:buSzTx/>
-                            <a:buFontTx/>
-                            <a:buNone/>
-                            <a:tabLst/>
-                            <a:defRPr/>
-                          </a:pPr>
-                          <a14:m>
-                            <m:oMathPara xmlns:m="http://schemas.openxmlformats.org/officeDocument/2006/math">
-                              <m:oMathParaPr>
-                                <m:jc m:val="centerGroup"/>
-                              </m:oMathParaPr>
-                              <m:oMath xmlns:m="http://schemas.openxmlformats.org/officeDocument/2006/math">
-                                <m:r>
-                                  <a:rPr lang="es-ES_tradnl" sz="1100" b="0" i="1" noProof="0" smtClean="0">
-                                    <a:solidFill>
-                                      <a:schemeClr val="tx1">
-                                        <a:lumMod val="75000"/>
-                                        <a:lumOff val="25000"/>
-                                      </a:schemeClr>
-                                    </a:solidFill>
-                                    <a:latin typeface="Cambria Math" panose="02040503050406030204" pitchFamily="18" charset="0"/>
-                                  </a:rPr>
-                                  <m:t>𝑂</m:t>
-                                </m:r>
-                                <m:d>
-                                  <m:dPr>
-                                    <m:ctrlPr>
-                                      <a:rPr lang="es-ES_tradnl" sz="1100" b="0" i="1" noProof="0" smtClean="0">
-                                        <a:solidFill>
-                                          <a:schemeClr val="tx1">
-                                            <a:lumMod val="75000"/>
-                                            <a:lumOff val="25000"/>
-                                          </a:schemeClr>
-                                        </a:solidFill>
-                                        <a:latin typeface="Cambria Math" panose="02040503050406030204" pitchFamily="18" charset="0"/>
-                                      </a:rPr>
-                                    </m:ctrlPr>
-                                  </m:dPr>
-                                  <m:e>
-                                    <m:r>
-                                      <a:rPr lang="es-ES_tradnl" sz="1100" b="0" i="1" noProof="0" smtClean="0">
-                                        <a:solidFill>
-                                          <a:schemeClr val="tx1">
-                                            <a:lumMod val="75000"/>
-                                            <a:lumOff val="25000"/>
-                                          </a:schemeClr>
-                                        </a:solidFill>
-                                        <a:latin typeface="Cambria Math" panose="02040503050406030204" pitchFamily="18" charset="0"/>
-                                      </a:rPr>
-                                      <m:t>𝑁</m:t>
-                                    </m:r>
-                                  </m:e>
-                                </m:d>
-                              </m:oMath>
-                            </m:oMathPara>
-                          </a14:m>
-                          <a:endParaRPr lang="es-ES_tradnl" sz="1100" noProof="0">
-                            <a:solidFill>
-                              <a:schemeClr val="tx1">
-                                <a:lumMod val="75000"/>
-                                <a:lumOff val="25000"/>
-                              </a:schemeClr>
-                            </a:solidFill>
-                            <a:latin typeface="Google Sans" panose="020B0503030502040204" pitchFamily="34" charset="0"/>
-                          </a:endParaRPr>
-                        </a:p>
-                      </a:txBody>
-                      <a:tcPr anchor="ctr">
-                        <a:lnL w="12700" cap="flat" cmpd="sng" algn="ctr">
-                          <a:solidFill>
-                            <a:schemeClr val="bg1">
-                              <a:lumMod val="85000"/>
-                            </a:schemeClr>
-                          </a:solidFill>
-                          <a:prstDash val="solid"/>
-                          <a:round/>
-                          <a:headEnd type="none" w="med" len="med"/>
-                          <a:tailEnd type="none" w="med" len="med"/>
-                        </a:lnL>
-                        <a:lnR w="12700" cap="flat" cmpd="sng" algn="ctr">
-                          <a:solidFill>
-                            <a:schemeClr val="bg1">
-                              <a:lumMod val="85000"/>
-                            </a:schemeClr>
-                          </a:solidFill>
-                          <a:prstDash val="solid"/>
-                          <a:round/>
-                          <a:headEnd type="none" w="med" len="med"/>
-                          <a:tailEnd type="none" w="med" len="med"/>
-                        </a:lnR>
-                        <a:lnT w="12700" cap="flat" cmpd="sng" algn="ctr">
-                          <a:solidFill>
-                            <a:schemeClr val="bg1">
-                              <a:lumMod val="85000"/>
-                            </a:schemeClr>
-                          </a:solidFill>
-                          <a:prstDash val="solid"/>
-                          <a:round/>
-                          <a:headEnd type="none" w="med" len="med"/>
-                          <a:tailEnd type="none" w="med" len="med"/>
-                        </a:lnT>
-                        <a:lnB w="12700" cap="flat" cmpd="sng" algn="ctr">
-                          <a:solidFill>
-                            <a:schemeClr val="bg1">
-                              <a:lumMod val="85000"/>
-                            </a:schemeClr>
-                          </a:solidFill>
-                          <a:prstDash val="solid"/>
-                          <a:round/>
-                          <a:headEnd type="none" w="med" len="med"/>
-                          <a:tailEnd type="none" w="med" len="med"/>
-                        </a:lnB>
-                        <a:noFill/>
-                      </a:tcPr>
-                    </a:tc>
-                    <a:tc>
-                      <a:txBody>
-                        <a:bodyPr/>
-                        <a:lstStyle/>
-                        <a:p>
-                          <a:pPr marL="0" marR="0" lvl="0" indent="0" algn="l" defTabSz="914400" rtl="0" eaLnBrk="1" fontAlgn="auto" latinLnBrk="0" hangingPunct="1">
-                            <a:lnSpc>
-                              <a:spcPct val="100000"/>
-                            </a:lnSpc>
-                            <a:spcBef>
-                              <a:spcPts val="0"/>
-                            </a:spcBef>
-                            <a:spcAft>
-                              <a:spcPts val="0"/>
-                            </a:spcAft>
-                            <a:buClrTx/>
-                            <a:buSzTx/>
-                            <a:buFontTx/>
-                            <a:buNone/>
-                            <a:tabLst/>
-                            <a:defRPr/>
-                          </a:pPr>
-                          <a14:m>
-                            <m:oMathPara xmlns:m="http://schemas.openxmlformats.org/officeDocument/2006/math">
-                              <m:oMathParaPr>
-                                <m:jc m:val="centerGroup"/>
-                              </m:oMathParaPr>
-                              <m:oMath xmlns:m="http://schemas.openxmlformats.org/officeDocument/2006/math">
-                                <m:r>
-                                  <a:rPr lang="es-ES_tradnl" sz="1100" b="0" i="1" noProof="0" smtClean="0">
-                                    <a:solidFill>
-                                      <a:schemeClr val="tx1">
-                                        <a:lumMod val="75000"/>
-                                        <a:lumOff val="25000"/>
-                                      </a:schemeClr>
-                                    </a:solidFill>
-                                    <a:latin typeface="Cambria Math" panose="02040503050406030204" pitchFamily="18" charset="0"/>
-                                  </a:rPr>
-                                  <m:t>𝑂</m:t>
-                                </m:r>
-                                <m:d>
-                                  <m:dPr>
-                                    <m:ctrlPr>
-                                      <a:rPr lang="es-ES_tradnl" sz="1100" b="0" i="1" noProof="0" smtClean="0">
-                                        <a:solidFill>
-                                          <a:schemeClr val="tx1">
-                                            <a:lumMod val="75000"/>
-                                            <a:lumOff val="25000"/>
-                                          </a:schemeClr>
-                                        </a:solidFill>
-                                        <a:latin typeface="Cambria Math" panose="02040503050406030204" pitchFamily="18" charset="0"/>
-                                      </a:rPr>
-                                    </m:ctrlPr>
-                                  </m:dPr>
-                                  <m:e>
-                                    <m:sSup>
-                                      <m:sSupPr>
-                                        <m:ctrlPr>
-                                          <a:rPr lang="es-ES_tradnl" sz="1100" b="0" i="1" noProof="0" smtClean="0">
-                                            <a:solidFill>
-                                              <a:schemeClr val="tx1">
-                                                <a:lumMod val="75000"/>
-                                                <a:lumOff val="25000"/>
-                                              </a:schemeClr>
-                                            </a:solidFill>
-                                            <a:latin typeface="Cambria Math" panose="02040503050406030204" pitchFamily="18" charset="0"/>
-                                          </a:rPr>
-                                        </m:ctrlPr>
-                                      </m:sSupPr>
-                                      <m:e>
-                                        <m:r>
-                                          <a:rPr lang="es-ES_tradnl" sz="1100" b="0" i="1" noProof="0" smtClean="0">
-                                            <a:solidFill>
-                                              <a:schemeClr val="tx1">
-                                                <a:lumMod val="75000"/>
-                                                <a:lumOff val="25000"/>
-                                              </a:schemeClr>
-                                            </a:solidFill>
-                                            <a:latin typeface="Cambria Math" panose="02040503050406030204" pitchFamily="18" charset="0"/>
-                                          </a:rPr>
-                                          <m:t>𝑁</m:t>
-                                        </m:r>
-                                      </m:e>
-                                      <m:sup>
-                                        <m:r>
-                                          <a:rPr lang="es-ES_tradnl" sz="1100" b="0" i="1" noProof="0" smtClean="0">
-                                            <a:solidFill>
-                                              <a:schemeClr val="tx1">
-                                                <a:lumMod val="75000"/>
-                                                <a:lumOff val="25000"/>
-                                              </a:schemeClr>
-                                            </a:solidFill>
-                                            <a:latin typeface="Cambria Math" panose="02040503050406030204" pitchFamily="18" charset="0"/>
-                                          </a:rPr>
-                                          <m:t>2</m:t>
-                                        </m:r>
-                                      </m:sup>
-                                    </m:sSup>
-                                  </m:e>
-                                </m:d>
-                              </m:oMath>
-                            </m:oMathPara>
-                          </a14:m>
-                          <a:endParaRPr lang="es-ES_tradnl" sz="1100" noProof="0">
-                            <a:solidFill>
-                              <a:schemeClr val="tx1">
-                                <a:lumMod val="75000"/>
-                                <a:lumOff val="25000"/>
-                              </a:schemeClr>
-                            </a:solidFill>
-                            <a:latin typeface="Google Sans" panose="020B0503030502040204" pitchFamily="34" charset="0"/>
-                          </a:endParaRPr>
-                        </a:p>
-                      </a:txBody>
-                      <a:tcPr anchor="ctr">
-                        <a:lnL w="12700" cap="flat" cmpd="sng" algn="ctr">
-                          <a:solidFill>
-                            <a:schemeClr val="bg1">
-                              <a:lumMod val="85000"/>
-                            </a:schemeClr>
-                          </a:solidFill>
-                          <a:prstDash val="solid"/>
-                          <a:round/>
-                          <a:headEnd type="none" w="med" len="med"/>
-                          <a:tailEnd type="none" w="med" len="med"/>
-                        </a:lnL>
-                        <a:lnR w="12700" cap="flat" cmpd="sng" algn="ctr">
-                          <a:solidFill>
-                            <a:schemeClr val="bg1">
-                              <a:lumMod val="85000"/>
-                            </a:schemeClr>
-                          </a:solidFill>
-                          <a:prstDash val="solid"/>
-                          <a:round/>
-                          <a:headEnd type="none" w="med" len="med"/>
-                          <a:tailEnd type="none" w="med" len="med"/>
-                        </a:lnR>
-                        <a:lnT w="12700" cap="flat" cmpd="sng" algn="ctr">
-                          <a:solidFill>
-                            <a:schemeClr val="bg1">
-                              <a:lumMod val="85000"/>
-                            </a:schemeClr>
-                          </a:solidFill>
-                          <a:prstDash val="solid"/>
-                          <a:round/>
-                          <a:headEnd type="none" w="med" len="med"/>
-                          <a:tailEnd type="none" w="med" len="med"/>
-                        </a:lnT>
-                        <a:lnB w="12700" cap="flat" cmpd="sng" algn="ctr">
-                          <a:solidFill>
-                            <a:schemeClr val="bg1">
-                              <a:lumMod val="85000"/>
-                            </a:schemeClr>
-                          </a:solidFill>
-                          <a:prstDash val="solid"/>
-                          <a:round/>
-                          <a:headEnd type="none" w="med" len="med"/>
-                          <a:tailEnd type="none" w="med" len="med"/>
-                        </a:lnB>
-                        <a:noFill/>
-                      </a:tcPr>
-                    </a:tc>
-                    <a:tc>
-                      <a:txBody>
-                        <a:bodyPr/>
-                        <a:lstStyle/>
-                        <a:p>
-                          <a:pPr marL="0" marR="0" lvl="0" indent="0" algn="l" defTabSz="914400" rtl="0" eaLnBrk="1" fontAlgn="auto" latinLnBrk="0" hangingPunct="1">
-                            <a:lnSpc>
-                              <a:spcPct val="100000"/>
-                            </a:lnSpc>
-                            <a:spcBef>
-                              <a:spcPts val="0"/>
-                            </a:spcBef>
-                            <a:spcAft>
-                              <a:spcPts val="0"/>
-                            </a:spcAft>
-                            <a:buClrTx/>
-                            <a:buSzTx/>
-                            <a:buFontTx/>
-                            <a:buNone/>
-                            <a:tabLst/>
-                            <a:defRPr/>
-                          </a:pPr>
-                          <a14:m>
-                            <m:oMathPara xmlns:m="http://schemas.openxmlformats.org/officeDocument/2006/math">
-                              <m:oMathParaPr>
-                                <m:jc m:val="centerGroup"/>
-                              </m:oMathParaPr>
-                              <m:oMath xmlns:m="http://schemas.openxmlformats.org/officeDocument/2006/math">
-                                <m:r>
-                                  <a:rPr lang="es-ES_tradnl" sz="1100" b="0" i="1" noProof="0" smtClean="0">
-                                    <a:solidFill>
-                                      <a:schemeClr val="tx1">
-                                        <a:lumMod val="75000"/>
-                                        <a:lumOff val="25000"/>
-                                      </a:schemeClr>
-                                    </a:solidFill>
-                                    <a:latin typeface="Cambria Math" panose="02040503050406030204" pitchFamily="18" charset="0"/>
-                                  </a:rPr>
-                                  <m:t>𝑂</m:t>
-                                </m:r>
-                                <m:d>
-                                  <m:dPr>
-                                    <m:ctrlPr>
-                                      <a:rPr lang="es-ES_tradnl" sz="1100" b="0" i="1" noProof="0" smtClean="0">
-                                        <a:solidFill>
-                                          <a:schemeClr val="tx1">
-                                            <a:lumMod val="75000"/>
-                                            <a:lumOff val="25000"/>
-                                          </a:schemeClr>
-                                        </a:solidFill>
-                                        <a:latin typeface="Cambria Math" panose="02040503050406030204" pitchFamily="18" charset="0"/>
-                                      </a:rPr>
-                                    </m:ctrlPr>
-                                  </m:dPr>
-                                  <m:e>
-                                    <m:sSup>
-                                      <m:sSupPr>
-                                        <m:ctrlPr>
-                                          <a:rPr lang="es-ES_tradnl" sz="1100" b="0" i="1" noProof="0" smtClean="0">
-                                            <a:solidFill>
-                                              <a:schemeClr val="tx1">
-                                                <a:lumMod val="75000"/>
-                                                <a:lumOff val="25000"/>
-                                              </a:schemeClr>
-                                            </a:solidFill>
-                                            <a:latin typeface="Cambria Math" panose="02040503050406030204" pitchFamily="18" charset="0"/>
-                                          </a:rPr>
-                                        </m:ctrlPr>
-                                      </m:sSupPr>
-                                      <m:e>
-                                        <m:r>
-                                          <a:rPr lang="es-ES_tradnl" sz="1100" b="0" i="1" noProof="0" smtClean="0">
-                                            <a:solidFill>
-                                              <a:schemeClr val="tx1">
-                                                <a:lumMod val="75000"/>
-                                                <a:lumOff val="25000"/>
-                                              </a:schemeClr>
-                                            </a:solidFill>
-                                            <a:latin typeface="Cambria Math" panose="02040503050406030204" pitchFamily="18" charset="0"/>
-                                          </a:rPr>
-                                          <m:t>𝑁</m:t>
-                                        </m:r>
-                                      </m:e>
-                                      <m:sup>
-                                        <m:r>
-                                          <a:rPr lang="es-ES_tradnl" sz="1100" b="0" i="1" noProof="0" smtClean="0">
-                                            <a:solidFill>
-                                              <a:schemeClr val="tx1">
-                                                <a:lumMod val="75000"/>
-                                                <a:lumOff val="25000"/>
-                                              </a:schemeClr>
-                                            </a:solidFill>
-                                            <a:latin typeface="Cambria Math" panose="02040503050406030204" pitchFamily="18" charset="0"/>
-                                          </a:rPr>
-                                          <m:t>2</m:t>
-                                        </m:r>
-                                      </m:sup>
-                                    </m:sSup>
-                                  </m:e>
-                                </m:d>
-                              </m:oMath>
-                            </m:oMathPara>
-                          </a14:m>
-                          <a:endParaRPr lang="es-ES_tradnl" sz="1100" noProof="0" dirty="0">
-                            <a:solidFill>
-                              <a:schemeClr val="tx1">
-                                <a:lumMod val="75000"/>
-                                <a:lumOff val="25000"/>
-                              </a:schemeClr>
-                            </a:solidFill>
-                            <a:latin typeface="Google Sans" panose="020B0503030502040204" pitchFamily="34" charset="0"/>
-                          </a:endParaRPr>
-                        </a:p>
-                      </a:txBody>
-                      <a:tcPr anchor="ctr">
-                        <a:lnL w="12700" cap="flat" cmpd="sng" algn="ctr">
-                          <a:solidFill>
-                            <a:schemeClr val="bg1">
-                              <a:lumMod val="85000"/>
-                            </a:schemeClr>
-                          </a:solidFill>
-                          <a:prstDash val="solid"/>
-                          <a:round/>
-                          <a:headEnd type="none" w="med" len="med"/>
-                          <a:tailEnd type="none" w="med" len="med"/>
-                        </a:lnL>
-                        <a:lnR w="12700" cap="flat" cmpd="sng" algn="ctr">
-                          <a:solidFill>
-                            <a:schemeClr val="bg1">
-                              <a:lumMod val="85000"/>
-                            </a:schemeClr>
-                          </a:solidFill>
-                          <a:prstDash val="solid"/>
-                          <a:round/>
-                          <a:headEnd type="none" w="med" len="med"/>
-                          <a:tailEnd type="none" w="med" len="med"/>
-                        </a:lnR>
-                        <a:lnT w="12700" cap="flat" cmpd="sng" algn="ctr">
-                          <a:solidFill>
-                            <a:schemeClr val="bg1">
-                              <a:lumMod val="85000"/>
-                            </a:schemeClr>
-                          </a:solidFill>
-                          <a:prstDash val="solid"/>
-                          <a:round/>
-                          <a:headEnd type="none" w="med" len="med"/>
-                          <a:tailEnd type="none" w="med" len="med"/>
-                        </a:lnT>
-                        <a:lnB w="12700" cap="flat" cmpd="sng" algn="ctr">
-                          <a:solidFill>
-                            <a:schemeClr val="bg1">
-                              <a:lumMod val="85000"/>
-                            </a:schemeClr>
-                          </a:solidFill>
-                          <a:prstDash val="solid"/>
-                          <a:round/>
-                          <a:headEnd type="none" w="med" len="med"/>
-                          <a:tailEnd type="none" w="med" len="med"/>
-                        </a:lnB>
-                        <a:noFill/>
-                      </a:tcPr>
-                    </a:tc>
-                    <a:tc>
-                      <a:txBody>
-                        <a:bodyPr/>
-                        <a:lstStyle/>
-                        <a:p>
-                          <a:pPr marL="0" marR="0" lvl="0" indent="0" algn="l" defTabSz="914400" rtl="0" eaLnBrk="1" fontAlgn="auto" latinLnBrk="0" hangingPunct="1">
-                            <a:lnSpc>
-                              <a:spcPct val="100000"/>
-                            </a:lnSpc>
-                            <a:spcBef>
-                              <a:spcPts val="0"/>
-                            </a:spcBef>
-                            <a:spcAft>
-                              <a:spcPts val="0"/>
-                            </a:spcAft>
-                            <a:buClrTx/>
-                            <a:buSzTx/>
-                            <a:buFontTx/>
-                            <a:buNone/>
-                            <a:tabLst/>
-                            <a:defRPr/>
-                          </a:pPr>
-                          <a:r>
-                            <a:rPr lang="es-ES_tradnl" sz="1100" noProof="0">
-                              <a:solidFill>
-                                <a:schemeClr val="tx1">
-                                  <a:lumMod val="75000"/>
-                                  <a:lumOff val="25000"/>
-                                </a:schemeClr>
-                              </a:solidFill>
-                              <a:latin typeface="Google Sans" panose="020B0503030502040204" pitchFamily="34" charset="0"/>
-                            </a:rPr>
-                            <a:t>Best case: ya estaba ordenado y requirió una sola pasada."</a:t>
-                          </a:r>
-                        </a:p>
-                      </a:txBody>
-                      <a:tcPr anchor="ctr">
-                        <a:lnL w="12700" cap="flat" cmpd="sng" algn="ctr">
-                          <a:solidFill>
-                            <a:schemeClr val="bg1">
-                              <a:lumMod val="85000"/>
-                            </a:schemeClr>
-                          </a:solidFill>
-                          <a:prstDash val="solid"/>
-                          <a:round/>
-                          <a:headEnd type="none" w="med" len="med"/>
-                          <a:tailEnd type="none" w="med" len="med"/>
-                        </a:lnL>
-                        <a:lnR w="12700" cap="flat" cmpd="sng" algn="ctr">
-                          <a:solidFill>
-                            <a:schemeClr val="bg1">
-                              <a:lumMod val="85000"/>
-                            </a:schemeClr>
-                          </a:solidFill>
-                          <a:prstDash val="solid"/>
-                          <a:round/>
-                          <a:headEnd type="none" w="med" len="med"/>
-                          <a:tailEnd type="none" w="med" len="med"/>
-                        </a:lnR>
-                        <a:lnT w="12700" cap="flat" cmpd="sng" algn="ctr">
-                          <a:solidFill>
-                            <a:schemeClr val="bg1">
-                              <a:lumMod val="85000"/>
-                            </a:schemeClr>
-                          </a:solidFill>
-                          <a:prstDash val="solid"/>
-                          <a:round/>
-                          <a:headEnd type="none" w="med" len="med"/>
-                          <a:tailEnd type="none" w="med" len="med"/>
-                        </a:lnT>
-                        <a:lnB w="12700" cap="flat" cmpd="sng" algn="ctr">
-                          <a:solidFill>
-                            <a:schemeClr val="bg1">
-                              <a:lumMod val="85000"/>
-                            </a:schemeClr>
-                          </a:solidFill>
-                          <a:prstDash val="solid"/>
-                          <a:round/>
-                          <a:headEnd type="none" w="med" len="med"/>
-                          <a:tailEnd type="none" w="med" len="med"/>
-                        </a:lnB>
-                        <a:noFill/>
-                      </a:tcPr>
-                    </a:tc>
-                    <a:extLst>
-                      <a:ext uri="{0D108BD9-81ED-4DB2-BD59-A6C34878D82A}">
-                        <a16:rowId xmlns:a16="http://schemas.microsoft.com/office/drawing/2014/main" val="4079592291"/>
-                      </a:ext>
-                    </a:extLst>
-                  </a:tr>
-                  <a:tr h="0">
-                    <a:tc>
-                      <a:txBody>
-                        <a:bodyPr/>
-                        <a:lstStyle/>
-                        <a:p>
-                          <a:pPr marL="88900" indent="0" algn="l">
-                            <a:tabLst/>
-                          </a:pPr>
-                          <a:r>
-                            <a:rPr lang="es-ES_tradnl" sz="1100" noProof="0">
-                              <a:solidFill>
-                                <a:schemeClr val="tx1">
-                                  <a:lumMod val="75000"/>
-                                  <a:lumOff val="25000"/>
-                                </a:schemeClr>
-                              </a:solidFill>
-                              <a:latin typeface="Google Sans" panose="020B0503030502040204" pitchFamily="34" charset="0"/>
-                            </a:rPr>
-                            <a:t>Merge</a:t>
-                          </a:r>
-                        </a:p>
-                      </a:txBody>
-                      <a:tcPr anchor="ctr">
-                        <a:lnR w="12700" cap="flat" cmpd="sng" algn="ctr">
-                          <a:solidFill>
-                            <a:schemeClr val="bg1">
-                              <a:lumMod val="85000"/>
-                            </a:schemeClr>
-                          </a:solidFill>
-                          <a:prstDash val="solid"/>
-                          <a:round/>
-                          <a:headEnd type="none" w="med" len="med"/>
-                          <a:tailEnd type="none" w="med" len="med"/>
-                        </a:lnR>
-                        <a:lnT w="12700" cap="flat" cmpd="sng" algn="ctr">
-                          <a:solidFill>
-                            <a:schemeClr val="bg1">
-                              <a:lumMod val="85000"/>
-                            </a:schemeClr>
-                          </a:solidFill>
-                          <a:prstDash val="solid"/>
-                          <a:round/>
-                          <a:headEnd type="none" w="med" len="med"/>
-                          <a:tailEnd type="none" w="med" len="med"/>
-                        </a:lnT>
-                        <a:lnB w="12700" cap="flat" cmpd="sng" algn="ctr">
-                          <a:solidFill>
-                            <a:schemeClr val="bg1">
-                              <a:lumMod val="85000"/>
-                            </a:schemeClr>
-                          </a:solidFill>
-                          <a:prstDash val="solid"/>
-                          <a:round/>
-                          <a:headEnd type="none" w="med" len="med"/>
-                          <a:tailEnd type="none" w="med" len="med"/>
-                        </a:lnB>
-                        <a:solidFill>
-                          <a:srgbClr val="FAFAFA"/>
-                        </a:solidFill>
-                      </a:tcPr>
-                    </a:tc>
-                    <a:tc>
-                      <a:txBody>
-                        <a:bodyPr/>
-                        <a:lstStyle/>
-                        <a:p>
-                          <a:pPr algn="l"/>
-                          <a14:m>
-                            <m:oMathPara xmlns:m="http://schemas.openxmlformats.org/officeDocument/2006/math">
-                              <m:oMathParaPr>
-                                <m:jc m:val="centerGroup"/>
-                              </m:oMathParaPr>
-                              <m:oMath xmlns:m="http://schemas.openxmlformats.org/officeDocument/2006/math">
-                                <m:r>
-                                  <a:rPr lang="en-US" sz="1100" b="0" i="1" smtClean="0">
-                                    <a:solidFill>
-                                      <a:schemeClr val="tx1">
-                                        <a:lumMod val="75000"/>
-                                        <a:lumOff val="25000"/>
-                                      </a:schemeClr>
-                                    </a:solidFill>
-                                    <a:latin typeface="Cambria Math" panose="02040503050406030204" pitchFamily="18" charset="0"/>
-                                  </a:rPr>
-                                  <m:t>𝑂</m:t>
-                                </m:r>
-                                <m:d>
-                                  <m:dPr>
-                                    <m:ctrlPr>
-                                      <a:rPr lang="en-US" sz="1100" b="0" i="1" smtClean="0">
-                                        <a:solidFill>
-                                          <a:schemeClr val="tx1">
-                                            <a:lumMod val="75000"/>
-                                            <a:lumOff val="25000"/>
-                                          </a:schemeClr>
-                                        </a:solidFill>
-                                        <a:latin typeface="Cambria Math" panose="02040503050406030204" pitchFamily="18" charset="0"/>
-                                      </a:rPr>
-                                    </m:ctrlPr>
-                                  </m:dPr>
-                                  <m:e>
-                                    <m:r>
-                                      <a:rPr lang="en-US" sz="1100" b="0" i="1" smtClean="0">
-                                        <a:solidFill>
-                                          <a:schemeClr val="tx1">
-                                            <a:lumMod val="75000"/>
-                                            <a:lumOff val="25000"/>
-                                          </a:schemeClr>
-                                        </a:solidFill>
-                                        <a:latin typeface="Cambria Math" panose="02040503050406030204" pitchFamily="18" charset="0"/>
-                                      </a:rPr>
-                                      <m:t>𝑁</m:t>
-                                    </m:r>
-                                    <m:func>
-                                      <m:funcPr>
-                                        <m:ctrlPr>
-                                          <a:rPr lang="en-US" sz="1100" b="0" i="1" smtClean="0">
-                                            <a:solidFill>
-                                              <a:schemeClr val="tx1">
-                                                <a:lumMod val="75000"/>
-                                                <a:lumOff val="25000"/>
-                                              </a:schemeClr>
-                                            </a:solidFill>
-                                            <a:latin typeface="Cambria Math" panose="02040503050406030204" pitchFamily="18" charset="0"/>
-                                          </a:rPr>
-                                        </m:ctrlPr>
-                                      </m:funcPr>
-                                      <m:fName>
-                                        <m:r>
-                                          <m:rPr>
-                                            <m:sty m:val="p"/>
-                                          </m:rPr>
-                                          <a:rPr lang="en-US" sz="1100" b="0" i="0" smtClean="0">
-                                            <a:solidFill>
-                                              <a:schemeClr val="tx1">
-                                                <a:lumMod val="75000"/>
-                                                <a:lumOff val="25000"/>
-                                              </a:schemeClr>
-                                            </a:solidFill>
-                                            <a:latin typeface="Cambria Math" panose="02040503050406030204" pitchFamily="18" charset="0"/>
-                                          </a:rPr>
-                                          <m:t>log</m:t>
-                                        </m:r>
-                                      </m:fName>
-                                      <m:e>
-                                        <m:r>
-                                          <a:rPr lang="en-US" sz="1100" b="0" i="1" smtClean="0">
-                                            <a:solidFill>
-                                              <a:schemeClr val="tx1">
-                                                <a:lumMod val="75000"/>
-                                                <a:lumOff val="25000"/>
-                                              </a:schemeClr>
-                                            </a:solidFill>
-                                            <a:latin typeface="Cambria Math" panose="02040503050406030204" pitchFamily="18" charset="0"/>
-                                          </a:rPr>
-                                          <m:t>𝑁</m:t>
-                                        </m:r>
-                                      </m:e>
-                                    </m:func>
-                                  </m:e>
-                                </m:d>
-                              </m:oMath>
-                            </m:oMathPara>
-                          </a14:m>
-                          <a:endParaRPr lang="es-ES_tradnl" sz="1100" noProof="0" dirty="0">
-                            <a:solidFill>
-                              <a:schemeClr val="tx1">
-                                <a:lumMod val="75000"/>
-                                <a:lumOff val="25000"/>
-                              </a:schemeClr>
-                            </a:solidFill>
-                            <a:latin typeface="Google Sans" panose="020B0503030502040204" pitchFamily="34" charset="0"/>
-                          </a:endParaRPr>
-                        </a:p>
-                      </a:txBody>
-                      <a:tcPr anchor="ctr">
-                        <a:lnL w="12700" cap="flat" cmpd="sng" algn="ctr">
-                          <a:solidFill>
-                            <a:schemeClr val="bg1">
-                              <a:lumMod val="85000"/>
-                            </a:schemeClr>
-                          </a:solidFill>
-                          <a:prstDash val="solid"/>
-                          <a:round/>
-                          <a:headEnd type="none" w="med" len="med"/>
-                          <a:tailEnd type="none" w="med" len="med"/>
-                        </a:lnL>
-                        <a:lnR w="12700" cap="flat" cmpd="sng" algn="ctr">
-                          <a:solidFill>
-                            <a:schemeClr val="bg1">
-                              <a:lumMod val="85000"/>
-                            </a:schemeClr>
-                          </a:solidFill>
-                          <a:prstDash val="solid"/>
-                          <a:round/>
-                          <a:headEnd type="none" w="med" len="med"/>
-                          <a:tailEnd type="none" w="med" len="med"/>
-                        </a:lnR>
-                        <a:lnT w="12700" cap="flat" cmpd="sng" algn="ctr">
-                          <a:solidFill>
-                            <a:schemeClr val="bg1">
-                              <a:lumMod val="85000"/>
-                            </a:schemeClr>
-                          </a:solidFill>
-                          <a:prstDash val="solid"/>
-                          <a:round/>
-                          <a:headEnd type="none" w="med" len="med"/>
-                          <a:tailEnd type="none" w="med" len="med"/>
-                        </a:lnT>
-                        <a:lnB w="12700" cap="flat" cmpd="sng" algn="ctr">
-                          <a:solidFill>
-                            <a:schemeClr val="bg1">
-                              <a:lumMod val="85000"/>
-                            </a:schemeClr>
-                          </a:solidFill>
-                          <a:prstDash val="solid"/>
-                          <a:round/>
-                          <a:headEnd type="none" w="med" len="med"/>
-                          <a:tailEnd type="none" w="med" len="med"/>
-                        </a:lnB>
-                        <a:noFill/>
-                      </a:tcPr>
-                    </a:tc>
-                    <a:tc>
-                      <a:txBody>
-                        <a:bodyPr/>
-                        <a:lstStyle/>
-                        <a:p>
-                          <a:pPr algn="l"/>
-                          <a14:m>
-                            <m:oMathPara xmlns:m="http://schemas.openxmlformats.org/officeDocument/2006/math">
-                              <m:oMathParaPr>
-                                <m:jc m:val="centerGroup"/>
-                              </m:oMathParaPr>
-                              <m:oMath xmlns:m="http://schemas.openxmlformats.org/officeDocument/2006/math">
-                                <m:r>
-                                  <a:rPr lang="en-US" sz="1100" b="0" i="1" smtClean="0">
-                                    <a:solidFill>
-                                      <a:schemeClr val="tx1">
-                                        <a:lumMod val="75000"/>
-                                        <a:lumOff val="25000"/>
-                                      </a:schemeClr>
-                                    </a:solidFill>
-                                    <a:latin typeface="Cambria Math" panose="02040503050406030204" pitchFamily="18" charset="0"/>
-                                  </a:rPr>
-                                  <m:t>𝑂</m:t>
-                                </m:r>
-                                <m:d>
-                                  <m:dPr>
-                                    <m:ctrlPr>
-                                      <a:rPr lang="en-US" sz="1100" b="0" i="1" smtClean="0">
-                                        <a:solidFill>
-                                          <a:schemeClr val="tx1">
-                                            <a:lumMod val="75000"/>
-                                            <a:lumOff val="25000"/>
-                                          </a:schemeClr>
-                                        </a:solidFill>
-                                        <a:latin typeface="Cambria Math" panose="02040503050406030204" pitchFamily="18" charset="0"/>
-                                      </a:rPr>
-                                    </m:ctrlPr>
-                                  </m:dPr>
-                                  <m:e>
-                                    <m:r>
-                                      <a:rPr lang="en-US" sz="1100" b="0" i="1" smtClean="0">
-                                        <a:solidFill>
-                                          <a:schemeClr val="tx1">
-                                            <a:lumMod val="75000"/>
-                                            <a:lumOff val="25000"/>
-                                          </a:schemeClr>
-                                        </a:solidFill>
-                                        <a:latin typeface="Cambria Math" panose="02040503050406030204" pitchFamily="18" charset="0"/>
-                                      </a:rPr>
-                                      <m:t>𝑁</m:t>
-                                    </m:r>
-                                    <m:func>
-                                      <m:funcPr>
-                                        <m:ctrlPr>
-                                          <a:rPr lang="en-US" sz="1100" b="0" i="1" smtClean="0">
-                                            <a:solidFill>
-                                              <a:schemeClr val="tx1">
-                                                <a:lumMod val="75000"/>
-                                                <a:lumOff val="25000"/>
-                                              </a:schemeClr>
-                                            </a:solidFill>
-                                            <a:latin typeface="Cambria Math" panose="02040503050406030204" pitchFamily="18" charset="0"/>
-                                          </a:rPr>
-                                        </m:ctrlPr>
-                                      </m:funcPr>
-                                      <m:fName>
-                                        <m:r>
-                                          <m:rPr>
-                                            <m:sty m:val="p"/>
-                                          </m:rPr>
-                                          <a:rPr lang="en-US" sz="1100" b="0" i="0" smtClean="0">
-                                            <a:solidFill>
-                                              <a:schemeClr val="tx1">
-                                                <a:lumMod val="75000"/>
-                                                <a:lumOff val="25000"/>
-                                              </a:schemeClr>
-                                            </a:solidFill>
-                                            <a:latin typeface="Cambria Math" panose="02040503050406030204" pitchFamily="18" charset="0"/>
-                                          </a:rPr>
-                                          <m:t>log</m:t>
-                                        </m:r>
-                                      </m:fName>
-                                      <m:e>
-                                        <m:r>
-                                          <a:rPr lang="en-US" sz="1100" b="0" i="1" smtClean="0">
-                                            <a:solidFill>
-                                              <a:schemeClr val="tx1">
-                                                <a:lumMod val="75000"/>
-                                                <a:lumOff val="25000"/>
-                                              </a:schemeClr>
-                                            </a:solidFill>
-                                            <a:latin typeface="Cambria Math" panose="02040503050406030204" pitchFamily="18" charset="0"/>
-                                          </a:rPr>
-                                          <m:t>𝑁</m:t>
-                                        </m:r>
-                                      </m:e>
-                                    </m:func>
-                                  </m:e>
-                                </m:d>
-                              </m:oMath>
-                            </m:oMathPara>
-                          </a14:m>
-                          <a:endParaRPr lang="es-ES_tradnl" sz="1100" noProof="0" dirty="0">
-                            <a:solidFill>
-                              <a:schemeClr val="tx1">
-                                <a:lumMod val="75000"/>
-                                <a:lumOff val="25000"/>
-                              </a:schemeClr>
-                            </a:solidFill>
-                            <a:latin typeface="Google Sans" panose="020B0503030502040204" pitchFamily="34" charset="0"/>
-                          </a:endParaRPr>
-                        </a:p>
-                      </a:txBody>
-                      <a:tcPr anchor="ctr">
-                        <a:lnL w="12700" cap="flat" cmpd="sng" algn="ctr">
-                          <a:solidFill>
-                            <a:schemeClr val="bg1">
-                              <a:lumMod val="85000"/>
-                            </a:schemeClr>
-                          </a:solidFill>
-                          <a:prstDash val="solid"/>
-                          <a:round/>
-                          <a:headEnd type="none" w="med" len="med"/>
-                          <a:tailEnd type="none" w="med" len="med"/>
-                        </a:lnL>
-                        <a:lnR w="12700" cap="flat" cmpd="sng" algn="ctr">
-                          <a:solidFill>
-                            <a:schemeClr val="bg1">
-                              <a:lumMod val="85000"/>
-                            </a:schemeClr>
-                          </a:solidFill>
-                          <a:prstDash val="solid"/>
-                          <a:round/>
-                          <a:headEnd type="none" w="med" len="med"/>
-                          <a:tailEnd type="none" w="med" len="med"/>
-                        </a:lnR>
-                        <a:lnT w="12700" cap="flat" cmpd="sng" algn="ctr">
-                          <a:solidFill>
-                            <a:schemeClr val="bg1">
-                              <a:lumMod val="85000"/>
-                            </a:schemeClr>
-                          </a:solidFill>
-                          <a:prstDash val="solid"/>
-                          <a:round/>
-                          <a:headEnd type="none" w="med" len="med"/>
-                          <a:tailEnd type="none" w="med" len="med"/>
-                        </a:lnT>
-                        <a:lnB w="12700" cap="flat" cmpd="sng" algn="ctr">
-                          <a:solidFill>
-                            <a:schemeClr val="bg1">
-                              <a:lumMod val="85000"/>
-                            </a:schemeClr>
-                          </a:solidFill>
-                          <a:prstDash val="solid"/>
-                          <a:round/>
-                          <a:headEnd type="none" w="med" len="med"/>
-                          <a:tailEnd type="none" w="med" len="med"/>
-                        </a:lnB>
-                        <a:noFill/>
-                      </a:tcPr>
-                    </a:tc>
-                    <a:tc>
-                      <a:txBody>
-                        <a:bodyPr/>
-                        <a:lstStyle/>
-                        <a:p>
-                          <a:pPr marL="0" marR="0" lvl="0" indent="0" algn="l" defTabSz="914400" rtl="0" eaLnBrk="1" fontAlgn="auto" latinLnBrk="0" hangingPunct="1">
-                            <a:lnSpc>
-                              <a:spcPct val="100000"/>
-                            </a:lnSpc>
-                            <a:spcBef>
-                              <a:spcPts val="0"/>
-                            </a:spcBef>
-                            <a:spcAft>
-                              <a:spcPts val="0"/>
-                            </a:spcAft>
-                            <a:buClrTx/>
-                            <a:buSzTx/>
-                            <a:buFontTx/>
-                            <a:buNone/>
-                            <a:tabLst/>
-                            <a:defRPr/>
-                          </a:pPr>
-                          <a14:m>
-                            <m:oMathPara xmlns:m="http://schemas.openxmlformats.org/officeDocument/2006/math">
-                              <m:oMathParaPr>
-                                <m:jc m:val="centerGroup"/>
-                              </m:oMathParaPr>
-                              <m:oMath xmlns:m="http://schemas.openxmlformats.org/officeDocument/2006/math">
-                                <m:r>
-                                  <a:rPr lang="en-US" sz="1100" b="0" i="1" smtClean="0">
-                                    <a:solidFill>
-                                      <a:schemeClr val="tx1">
-                                        <a:lumMod val="75000"/>
-                                        <a:lumOff val="25000"/>
-                                      </a:schemeClr>
-                                    </a:solidFill>
-                                    <a:latin typeface="Cambria Math" panose="02040503050406030204" pitchFamily="18" charset="0"/>
-                                  </a:rPr>
-                                  <m:t>𝑂</m:t>
-                                </m:r>
-                                <m:d>
-                                  <m:dPr>
-                                    <m:ctrlPr>
-                                      <a:rPr lang="en-US" sz="1100" b="0" i="1" smtClean="0">
-                                        <a:solidFill>
-                                          <a:schemeClr val="tx1">
-                                            <a:lumMod val="75000"/>
-                                            <a:lumOff val="25000"/>
-                                          </a:schemeClr>
-                                        </a:solidFill>
-                                        <a:latin typeface="Cambria Math" panose="02040503050406030204" pitchFamily="18" charset="0"/>
-                                      </a:rPr>
-                                    </m:ctrlPr>
-                                  </m:dPr>
-                                  <m:e>
-                                    <m:r>
-                                      <a:rPr lang="en-US" sz="1100" b="0" i="1" smtClean="0">
-                                        <a:solidFill>
-                                          <a:schemeClr val="tx1">
-                                            <a:lumMod val="75000"/>
-                                            <a:lumOff val="25000"/>
-                                          </a:schemeClr>
-                                        </a:solidFill>
-                                        <a:latin typeface="Cambria Math" panose="02040503050406030204" pitchFamily="18" charset="0"/>
-                                      </a:rPr>
-                                      <m:t>𝑁</m:t>
-                                    </m:r>
-                                    <m:func>
-                                      <m:funcPr>
-                                        <m:ctrlPr>
-                                          <a:rPr lang="en-US" sz="1100" b="0" i="1" smtClean="0">
-                                            <a:solidFill>
-                                              <a:schemeClr val="tx1">
-                                                <a:lumMod val="75000"/>
-                                                <a:lumOff val="25000"/>
-                                              </a:schemeClr>
-                                            </a:solidFill>
-                                            <a:latin typeface="Cambria Math" panose="02040503050406030204" pitchFamily="18" charset="0"/>
-                                          </a:rPr>
-                                        </m:ctrlPr>
-                                      </m:funcPr>
-                                      <m:fName>
-                                        <m:r>
-                                          <m:rPr>
-                                            <m:sty m:val="p"/>
-                                          </m:rPr>
-                                          <a:rPr lang="en-US" sz="1100" b="0" i="0" smtClean="0">
-                                            <a:solidFill>
-                                              <a:schemeClr val="tx1">
-                                                <a:lumMod val="75000"/>
-                                                <a:lumOff val="25000"/>
-                                              </a:schemeClr>
-                                            </a:solidFill>
-                                            <a:latin typeface="Cambria Math" panose="02040503050406030204" pitchFamily="18" charset="0"/>
-                                          </a:rPr>
-                                          <m:t>log</m:t>
-                                        </m:r>
-                                      </m:fName>
-                                      <m:e>
-                                        <m:r>
-                                          <a:rPr lang="en-US" sz="1100" b="0" i="1" smtClean="0">
-                                            <a:solidFill>
-                                              <a:schemeClr val="tx1">
-                                                <a:lumMod val="75000"/>
-                                                <a:lumOff val="25000"/>
-                                              </a:schemeClr>
-                                            </a:solidFill>
-                                            <a:latin typeface="Cambria Math" panose="02040503050406030204" pitchFamily="18" charset="0"/>
-                                          </a:rPr>
-                                          <m:t>𝑁</m:t>
-                                        </m:r>
-                                      </m:e>
-                                    </m:func>
-                                  </m:e>
-                                </m:d>
-                              </m:oMath>
-                            </m:oMathPara>
-                          </a14:m>
-                          <a:endParaRPr lang="en-MX" sz="1100" dirty="0">
-                            <a:solidFill>
-                              <a:schemeClr val="tx1">
-                                <a:lumMod val="75000"/>
-                                <a:lumOff val="25000"/>
-                              </a:schemeClr>
-                            </a:solidFill>
-                            <a:latin typeface="Google Sans" panose="020B0503030502040204" pitchFamily="34" charset="0"/>
-                          </a:endParaRPr>
-                        </a:p>
-                      </a:txBody>
-                      <a:tcPr anchor="ctr">
-                        <a:lnL w="12700" cap="flat" cmpd="sng" algn="ctr">
-                          <a:solidFill>
-                            <a:schemeClr val="bg1">
-                              <a:lumMod val="85000"/>
-                            </a:schemeClr>
-                          </a:solidFill>
-                          <a:prstDash val="solid"/>
-                          <a:round/>
-                          <a:headEnd type="none" w="med" len="med"/>
-                          <a:tailEnd type="none" w="med" len="med"/>
-                        </a:lnL>
-                        <a:lnR w="12700" cap="flat" cmpd="sng" algn="ctr">
-                          <a:solidFill>
-                            <a:schemeClr val="bg1">
-                              <a:lumMod val="85000"/>
-                            </a:schemeClr>
-                          </a:solidFill>
-                          <a:prstDash val="solid"/>
-                          <a:round/>
-                          <a:headEnd type="none" w="med" len="med"/>
-                          <a:tailEnd type="none" w="med" len="med"/>
-                        </a:lnR>
-                        <a:lnT w="12700" cap="flat" cmpd="sng" algn="ctr">
-                          <a:solidFill>
-                            <a:schemeClr val="bg1">
-                              <a:lumMod val="85000"/>
-                            </a:schemeClr>
-                          </a:solidFill>
-                          <a:prstDash val="solid"/>
-                          <a:round/>
-                          <a:headEnd type="none" w="med" len="med"/>
-                          <a:tailEnd type="none" w="med" len="med"/>
-                        </a:lnT>
-                        <a:lnB w="12700" cap="flat" cmpd="sng" algn="ctr">
-                          <a:solidFill>
-                            <a:schemeClr val="bg1">
-                              <a:lumMod val="85000"/>
-                            </a:schemeClr>
-                          </a:solidFill>
-                          <a:prstDash val="solid"/>
-                          <a:round/>
-                          <a:headEnd type="none" w="med" len="med"/>
-                          <a:tailEnd type="none" w="med" len="med"/>
-                        </a:lnB>
-                        <a:noFill/>
-                      </a:tcPr>
-                    </a:tc>
-                    <a:tc>
-                      <a:txBody>
-                        <a:bodyPr/>
-                        <a:lstStyle/>
-                        <a:p>
-                          <a:pPr algn="l"/>
-                          <a:r>
-                            <a:rPr lang="es-ES_tradnl" sz="1100" noProof="0" dirty="0">
-                              <a:solidFill>
-                                <a:schemeClr val="tx1">
-                                  <a:lumMod val="75000"/>
-                                  <a:lumOff val="25000"/>
-                                </a:schemeClr>
-                              </a:solidFill>
-                              <a:latin typeface="Google Sans" panose="020B0503030502040204" pitchFamily="34" charset="0"/>
-                            </a:rPr>
-                            <a:t>En cuanto espacio auxiliar, esa es peor que ordenamiento burbuja, pero en cuanto eficiencia es mejor.</a:t>
-                          </a:r>
-                        </a:p>
-                      </a:txBody>
-                      <a:tcPr anchor="ctr">
-                        <a:lnL w="12700" cap="flat" cmpd="sng" algn="ctr">
-                          <a:solidFill>
-                            <a:schemeClr val="bg1">
-                              <a:lumMod val="85000"/>
-                            </a:schemeClr>
-                          </a:solidFill>
-                          <a:prstDash val="solid"/>
-                          <a:round/>
-                          <a:headEnd type="none" w="med" len="med"/>
-                          <a:tailEnd type="none" w="med" len="med"/>
-                        </a:lnL>
-                        <a:lnR w="12700" cap="flat" cmpd="sng" algn="ctr">
-                          <a:solidFill>
-                            <a:schemeClr val="bg1">
-                              <a:lumMod val="85000"/>
-                            </a:schemeClr>
-                          </a:solidFill>
-                          <a:prstDash val="solid"/>
-                          <a:round/>
-                          <a:headEnd type="none" w="med" len="med"/>
-                          <a:tailEnd type="none" w="med" len="med"/>
-                        </a:lnR>
-                        <a:lnT w="12700" cap="flat" cmpd="sng" algn="ctr">
-                          <a:solidFill>
-                            <a:schemeClr val="bg1">
-                              <a:lumMod val="85000"/>
-                            </a:schemeClr>
-                          </a:solidFill>
-                          <a:prstDash val="solid"/>
-                          <a:round/>
-                          <a:headEnd type="none" w="med" len="med"/>
-                          <a:tailEnd type="none" w="med" len="med"/>
-                        </a:lnT>
-                        <a:lnB w="12700" cap="flat" cmpd="sng" algn="ctr">
-                          <a:solidFill>
-                            <a:schemeClr val="bg1">
-                              <a:lumMod val="85000"/>
-                            </a:schemeClr>
-                          </a:solidFill>
-                          <a:prstDash val="solid"/>
-                          <a:round/>
-                          <a:headEnd type="none" w="med" len="med"/>
-                          <a:tailEnd type="none" w="med" len="med"/>
-                        </a:lnB>
-                        <a:noFill/>
-                      </a:tcPr>
-                    </a:tc>
-                    <a:extLst>
-                      <a:ext uri="{0D108BD9-81ED-4DB2-BD59-A6C34878D82A}">
-                        <a16:rowId xmlns:a16="http://schemas.microsoft.com/office/drawing/2014/main" val="3231586600"/>
-                      </a:ext>
-                    </a:extLst>
-                  </a:tr>
-                  <a:tr h="0">
-                    <a:tc>
-                      <a:txBody>
-                        <a:bodyPr/>
-                        <a:lstStyle/>
-                        <a:p>
-                          <a:pPr marL="88900" indent="0" algn="l">
-                            <a:tabLst/>
-                          </a:pPr>
-                          <a:r>
-                            <a:rPr lang="es-ES_tradnl" sz="1100" noProof="0" dirty="0" err="1">
-                              <a:solidFill>
-                                <a:schemeClr val="tx1">
-                                  <a:lumMod val="75000"/>
-                                  <a:lumOff val="25000"/>
-                                </a:schemeClr>
-                              </a:solidFill>
-                              <a:latin typeface="Google Sans" panose="020B0503030502040204" pitchFamily="34" charset="0"/>
-                            </a:rPr>
-                            <a:t>Quicksort</a:t>
-                          </a:r>
-                          <a:endParaRPr lang="es-ES_tradnl" sz="1100" noProof="0" dirty="0">
-                            <a:solidFill>
-                              <a:schemeClr val="tx1">
-                                <a:lumMod val="75000"/>
-                                <a:lumOff val="25000"/>
-                              </a:schemeClr>
-                            </a:solidFill>
-                            <a:latin typeface="Google Sans" panose="020B0503030502040204" pitchFamily="34" charset="0"/>
-                          </a:endParaRPr>
-                        </a:p>
-                      </a:txBody>
-                      <a:tcPr anchor="ctr">
-                        <a:lnR w="12700" cap="flat" cmpd="sng" algn="ctr">
-                          <a:solidFill>
-                            <a:schemeClr val="bg1">
-                              <a:lumMod val="85000"/>
-                            </a:schemeClr>
-                          </a:solidFill>
-                          <a:prstDash val="solid"/>
-                          <a:round/>
-                          <a:headEnd type="none" w="med" len="med"/>
-                          <a:tailEnd type="none" w="med" len="med"/>
-                        </a:lnR>
-                        <a:lnT w="12700" cap="flat" cmpd="sng" algn="ctr">
-                          <a:solidFill>
-                            <a:schemeClr val="bg1">
-                              <a:lumMod val="85000"/>
-                            </a:schemeClr>
-                          </a:solidFill>
-                          <a:prstDash val="solid"/>
-                          <a:round/>
-                          <a:headEnd type="none" w="med" len="med"/>
-                          <a:tailEnd type="none" w="med" len="med"/>
-                        </a:lnT>
-                        <a:lnB w="12700" cap="flat" cmpd="sng" algn="ctr">
-                          <a:solidFill>
-                            <a:schemeClr val="bg1">
-                              <a:lumMod val="85000"/>
-                            </a:schemeClr>
-                          </a:solidFill>
-                          <a:prstDash val="solid"/>
-                          <a:round/>
-                          <a:headEnd type="none" w="med" len="med"/>
-                          <a:tailEnd type="none" w="med" len="med"/>
-                        </a:lnB>
-                        <a:solidFill>
-                          <a:srgbClr val="FAFAFA"/>
-                        </a:solidFill>
-                      </a:tcPr>
-                    </a:tc>
-                    <a:tc>
-                      <a:txBody>
-                        <a:bodyPr/>
-                        <a:lstStyle/>
-                        <a:p>
-                          <a:pPr algn="l"/>
-                          <a14:m>
-                            <m:oMathPara xmlns:m="http://schemas.openxmlformats.org/officeDocument/2006/math">
-                              <m:oMathParaPr>
-                                <m:jc m:val="centerGroup"/>
-                              </m:oMathParaPr>
-                              <m:oMath xmlns:m="http://schemas.openxmlformats.org/officeDocument/2006/math">
-                                <m:r>
-                                  <a:rPr lang="en-US" sz="1100" b="0" i="1" smtClean="0">
-                                    <a:solidFill>
-                                      <a:schemeClr val="tx1">
-                                        <a:lumMod val="75000"/>
-                                        <a:lumOff val="25000"/>
-                                      </a:schemeClr>
-                                    </a:solidFill>
-                                    <a:latin typeface="Cambria Math" panose="02040503050406030204" pitchFamily="18" charset="0"/>
-                                  </a:rPr>
-                                  <m:t>𝑂</m:t>
-                                </m:r>
-                                <m:d>
-                                  <m:dPr>
-                                    <m:ctrlPr>
-                                      <a:rPr lang="en-US" sz="1100" b="0" i="1" smtClean="0">
-                                        <a:solidFill>
-                                          <a:schemeClr val="tx1">
-                                            <a:lumMod val="75000"/>
-                                            <a:lumOff val="25000"/>
-                                          </a:schemeClr>
-                                        </a:solidFill>
-                                        <a:latin typeface="Cambria Math" panose="02040503050406030204" pitchFamily="18" charset="0"/>
-                                      </a:rPr>
-                                    </m:ctrlPr>
-                                  </m:dPr>
-                                  <m:e>
-                                    <m:r>
-                                      <a:rPr lang="en-US" sz="1100" b="0" i="1" smtClean="0">
-                                        <a:solidFill>
-                                          <a:schemeClr val="tx1">
-                                            <a:lumMod val="75000"/>
-                                            <a:lumOff val="25000"/>
-                                          </a:schemeClr>
-                                        </a:solidFill>
-                                        <a:latin typeface="Cambria Math" panose="02040503050406030204" pitchFamily="18" charset="0"/>
-                                      </a:rPr>
-                                      <m:t>𝑁</m:t>
-                                    </m:r>
-                                    <m:func>
-                                      <m:funcPr>
-                                        <m:ctrlPr>
-                                          <a:rPr lang="en-US" sz="1100" b="0" i="1" smtClean="0">
-                                            <a:solidFill>
-                                              <a:schemeClr val="tx1">
-                                                <a:lumMod val="75000"/>
-                                                <a:lumOff val="25000"/>
-                                              </a:schemeClr>
-                                            </a:solidFill>
-                                            <a:latin typeface="Cambria Math" panose="02040503050406030204" pitchFamily="18" charset="0"/>
-                                          </a:rPr>
-                                        </m:ctrlPr>
-                                      </m:funcPr>
-                                      <m:fName>
-                                        <m:r>
-                                          <m:rPr>
-                                            <m:sty m:val="p"/>
-                                          </m:rPr>
-                                          <a:rPr lang="en-US" sz="1100" b="0" i="0" smtClean="0">
-                                            <a:solidFill>
-                                              <a:schemeClr val="tx1">
-                                                <a:lumMod val="75000"/>
-                                                <a:lumOff val="25000"/>
-                                              </a:schemeClr>
-                                            </a:solidFill>
-                                            <a:latin typeface="Cambria Math" panose="02040503050406030204" pitchFamily="18" charset="0"/>
-                                          </a:rPr>
-                                          <m:t>log</m:t>
-                                        </m:r>
-                                      </m:fName>
-                                      <m:e>
-                                        <m:r>
-                                          <a:rPr lang="en-US" sz="1100" b="0" i="1" smtClean="0">
-                                            <a:solidFill>
-                                              <a:schemeClr val="tx1">
-                                                <a:lumMod val="75000"/>
-                                                <a:lumOff val="25000"/>
-                                              </a:schemeClr>
-                                            </a:solidFill>
-                                            <a:latin typeface="Cambria Math" panose="02040503050406030204" pitchFamily="18" charset="0"/>
-                                          </a:rPr>
-                                          <m:t>𝑁</m:t>
-                                        </m:r>
-                                      </m:e>
-                                    </m:func>
-                                  </m:e>
-                                </m:d>
-                              </m:oMath>
-                            </m:oMathPara>
-                          </a14:m>
-                          <a:endParaRPr lang="es-ES_tradnl" sz="1100" noProof="0" dirty="0">
-                            <a:solidFill>
-                              <a:schemeClr val="tx1">
-                                <a:lumMod val="75000"/>
-                                <a:lumOff val="25000"/>
-                              </a:schemeClr>
-                            </a:solidFill>
-                            <a:latin typeface="Google Sans" panose="020B0503030502040204" pitchFamily="34" charset="0"/>
-                          </a:endParaRPr>
-                        </a:p>
-                      </a:txBody>
-                      <a:tcPr anchor="ctr">
-                        <a:lnL w="12700" cap="flat" cmpd="sng" algn="ctr">
-                          <a:solidFill>
-                            <a:schemeClr val="bg1">
-                              <a:lumMod val="85000"/>
-                            </a:schemeClr>
-                          </a:solidFill>
-                          <a:prstDash val="solid"/>
-                          <a:round/>
-                          <a:headEnd type="none" w="med" len="med"/>
-                          <a:tailEnd type="none" w="med" len="med"/>
-                        </a:lnL>
-                        <a:lnR w="12700" cap="flat" cmpd="sng" algn="ctr">
-                          <a:solidFill>
-                            <a:schemeClr val="bg1">
-                              <a:lumMod val="85000"/>
-                            </a:schemeClr>
-                          </a:solidFill>
-                          <a:prstDash val="solid"/>
-                          <a:round/>
-                          <a:headEnd type="none" w="med" len="med"/>
-                          <a:tailEnd type="none" w="med" len="med"/>
-                        </a:lnR>
-                        <a:lnT w="12700" cap="flat" cmpd="sng" algn="ctr">
-                          <a:solidFill>
-                            <a:schemeClr val="bg1">
-                              <a:lumMod val="85000"/>
-                            </a:schemeClr>
-                          </a:solidFill>
-                          <a:prstDash val="solid"/>
-                          <a:round/>
-                          <a:headEnd type="none" w="med" len="med"/>
-                          <a:tailEnd type="none" w="med" len="med"/>
-                        </a:lnT>
-                        <a:lnB w="12700" cap="flat" cmpd="sng" algn="ctr">
-                          <a:solidFill>
-                            <a:schemeClr val="bg1">
-                              <a:lumMod val="85000"/>
-                            </a:schemeClr>
-                          </a:solidFill>
-                          <a:prstDash val="solid"/>
-                          <a:round/>
-                          <a:headEnd type="none" w="med" len="med"/>
-                          <a:tailEnd type="none" w="med" len="med"/>
-                        </a:lnB>
-                        <a:noFill/>
-                      </a:tcPr>
-                    </a:tc>
-                    <a:tc>
-                      <a:txBody>
-                        <a:bodyPr/>
-                        <a:lstStyle/>
-                        <a:p>
-                          <a:pPr algn="l"/>
-                          <a14:m>
-                            <m:oMathPara xmlns:m="http://schemas.openxmlformats.org/officeDocument/2006/math">
-                              <m:oMathParaPr>
-                                <m:jc m:val="centerGroup"/>
-                              </m:oMathParaPr>
-                              <m:oMath xmlns:m="http://schemas.openxmlformats.org/officeDocument/2006/math">
-                                <m:r>
-                                  <a:rPr lang="en-US" sz="1100" b="0" i="1" smtClean="0">
-                                    <a:solidFill>
-                                      <a:schemeClr val="tx1">
-                                        <a:lumMod val="75000"/>
-                                        <a:lumOff val="25000"/>
-                                      </a:schemeClr>
-                                    </a:solidFill>
-                                    <a:latin typeface="Cambria Math" panose="02040503050406030204" pitchFamily="18" charset="0"/>
-                                  </a:rPr>
-                                  <m:t>𝑂</m:t>
-                                </m:r>
-                                <m:d>
-                                  <m:dPr>
-                                    <m:ctrlPr>
-                                      <a:rPr lang="en-US" sz="1100" b="0" i="1" smtClean="0">
-                                        <a:solidFill>
-                                          <a:schemeClr val="tx1">
-                                            <a:lumMod val="75000"/>
-                                            <a:lumOff val="25000"/>
-                                          </a:schemeClr>
-                                        </a:solidFill>
-                                        <a:latin typeface="Cambria Math" panose="02040503050406030204" pitchFamily="18" charset="0"/>
-                                      </a:rPr>
-                                    </m:ctrlPr>
-                                  </m:dPr>
-                                  <m:e>
-                                    <m:r>
-                                      <a:rPr lang="en-US" sz="1100" b="0" i="1" smtClean="0">
-                                        <a:solidFill>
-                                          <a:schemeClr val="tx1">
-                                            <a:lumMod val="75000"/>
-                                            <a:lumOff val="25000"/>
-                                          </a:schemeClr>
-                                        </a:solidFill>
-                                        <a:latin typeface="Cambria Math" panose="02040503050406030204" pitchFamily="18" charset="0"/>
-                                      </a:rPr>
-                                      <m:t>𝑁</m:t>
-                                    </m:r>
-                                    <m:func>
-                                      <m:funcPr>
-                                        <m:ctrlPr>
-                                          <a:rPr lang="en-US" sz="1100" b="0" i="1" smtClean="0">
-                                            <a:solidFill>
-                                              <a:schemeClr val="tx1">
-                                                <a:lumMod val="75000"/>
-                                                <a:lumOff val="25000"/>
-                                              </a:schemeClr>
-                                            </a:solidFill>
-                                            <a:latin typeface="Cambria Math" panose="02040503050406030204" pitchFamily="18" charset="0"/>
-                                          </a:rPr>
-                                        </m:ctrlPr>
-                                      </m:funcPr>
-                                      <m:fName>
-                                        <m:r>
-                                          <m:rPr>
-                                            <m:sty m:val="p"/>
-                                          </m:rPr>
-                                          <a:rPr lang="en-US" sz="1100" b="0" i="0" smtClean="0">
-                                            <a:solidFill>
-                                              <a:schemeClr val="tx1">
-                                                <a:lumMod val="75000"/>
-                                                <a:lumOff val="25000"/>
-                                              </a:schemeClr>
-                                            </a:solidFill>
-                                            <a:latin typeface="Cambria Math" panose="02040503050406030204" pitchFamily="18" charset="0"/>
-                                          </a:rPr>
-                                          <m:t>log</m:t>
-                                        </m:r>
-                                      </m:fName>
-                                      <m:e>
-                                        <m:r>
-                                          <a:rPr lang="en-US" sz="1100" b="0" i="1" smtClean="0">
-                                            <a:solidFill>
-                                              <a:schemeClr val="tx1">
-                                                <a:lumMod val="75000"/>
-                                                <a:lumOff val="25000"/>
-                                              </a:schemeClr>
-                                            </a:solidFill>
-                                            <a:latin typeface="Cambria Math" panose="02040503050406030204" pitchFamily="18" charset="0"/>
-                                          </a:rPr>
-                                          <m:t>𝑁</m:t>
-                                        </m:r>
-                                      </m:e>
-                                    </m:func>
-                                  </m:e>
-                                </m:d>
-                              </m:oMath>
-                            </m:oMathPara>
-                          </a14:m>
-                          <a:endParaRPr lang="es-ES_tradnl" sz="1100" noProof="0" dirty="0">
-                            <a:solidFill>
-                              <a:schemeClr val="tx1">
-                                <a:lumMod val="75000"/>
-                                <a:lumOff val="25000"/>
-                              </a:schemeClr>
-                            </a:solidFill>
-                            <a:latin typeface="Google Sans" panose="020B0503030502040204" pitchFamily="34" charset="0"/>
-                          </a:endParaRPr>
-                        </a:p>
-                      </a:txBody>
-                      <a:tcPr anchor="ctr">
-                        <a:lnL w="12700" cap="flat" cmpd="sng" algn="ctr">
-                          <a:solidFill>
-                            <a:schemeClr val="bg1">
-                              <a:lumMod val="85000"/>
-                            </a:schemeClr>
-                          </a:solidFill>
-                          <a:prstDash val="solid"/>
-                          <a:round/>
-                          <a:headEnd type="none" w="med" len="med"/>
-                          <a:tailEnd type="none" w="med" len="med"/>
-                        </a:lnL>
-                        <a:lnR w="12700" cap="flat" cmpd="sng" algn="ctr">
-                          <a:solidFill>
-                            <a:schemeClr val="bg1">
-                              <a:lumMod val="85000"/>
-                            </a:schemeClr>
-                          </a:solidFill>
-                          <a:prstDash val="solid"/>
-                          <a:round/>
-                          <a:headEnd type="none" w="med" len="med"/>
-                          <a:tailEnd type="none" w="med" len="med"/>
-                        </a:lnR>
-                        <a:lnT w="12700" cap="flat" cmpd="sng" algn="ctr">
-                          <a:solidFill>
-                            <a:schemeClr val="bg1">
-                              <a:lumMod val="85000"/>
-                            </a:schemeClr>
-                          </a:solidFill>
-                          <a:prstDash val="solid"/>
-                          <a:round/>
-                          <a:headEnd type="none" w="med" len="med"/>
-                          <a:tailEnd type="none" w="med" len="med"/>
-                        </a:lnT>
-                        <a:lnB w="12700" cap="flat" cmpd="sng" algn="ctr">
-                          <a:solidFill>
-                            <a:schemeClr val="bg1">
-                              <a:lumMod val="85000"/>
-                            </a:schemeClr>
-                          </a:solidFill>
-                          <a:prstDash val="solid"/>
-                          <a:round/>
-                          <a:headEnd type="none" w="med" len="med"/>
-                          <a:tailEnd type="none" w="med" len="med"/>
-                        </a:lnB>
-                        <a:noFill/>
-                      </a:tcPr>
-                    </a:tc>
-                    <a:tc>
-                      <a:txBody>
-                        <a:bodyPr/>
-                        <a:lstStyle/>
-                        <a:p>
-                          <a:pPr marL="0" marR="0" lvl="0" indent="0" algn="l" defTabSz="914400" rtl="0" eaLnBrk="1" fontAlgn="auto" latinLnBrk="0" hangingPunct="1">
-                            <a:lnSpc>
-                              <a:spcPct val="100000"/>
-                            </a:lnSpc>
-                            <a:spcBef>
-                              <a:spcPts val="0"/>
-                            </a:spcBef>
-                            <a:spcAft>
-                              <a:spcPts val="0"/>
-                            </a:spcAft>
-                            <a:buClrTx/>
-                            <a:buSzTx/>
-                            <a:buFontTx/>
-                            <a:buNone/>
-                            <a:tabLst/>
-                            <a:defRPr/>
-                          </a:pPr>
-                          <a14:m>
-                            <m:oMathPara xmlns:m="http://schemas.openxmlformats.org/officeDocument/2006/math">
-                              <m:oMathParaPr>
-                                <m:jc m:val="centerGroup"/>
-                              </m:oMathParaPr>
-                              <m:oMath xmlns:m="http://schemas.openxmlformats.org/officeDocument/2006/math">
-                                <m:r>
-                                  <a:rPr lang="es-ES_tradnl" sz="1100" b="0" i="1" noProof="0" smtClean="0">
-                                    <a:solidFill>
-                                      <a:schemeClr val="tx1">
-                                        <a:lumMod val="75000"/>
-                                        <a:lumOff val="25000"/>
-                                      </a:schemeClr>
-                                    </a:solidFill>
-                                    <a:latin typeface="Cambria Math" panose="02040503050406030204" pitchFamily="18" charset="0"/>
-                                  </a:rPr>
-                                  <m:t>𝑂</m:t>
-                                </m:r>
-                                <m:d>
-                                  <m:dPr>
-                                    <m:ctrlPr>
-                                      <a:rPr lang="es-ES_tradnl" sz="1100" b="0" i="1" noProof="0" smtClean="0">
-                                        <a:solidFill>
-                                          <a:schemeClr val="tx1">
-                                            <a:lumMod val="75000"/>
-                                            <a:lumOff val="25000"/>
-                                          </a:schemeClr>
-                                        </a:solidFill>
-                                        <a:latin typeface="Cambria Math" panose="02040503050406030204" pitchFamily="18" charset="0"/>
-                                      </a:rPr>
-                                    </m:ctrlPr>
-                                  </m:dPr>
-                                  <m:e>
-                                    <m:sSup>
-                                      <m:sSupPr>
-                                        <m:ctrlPr>
-                                          <a:rPr lang="es-ES_tradnl" sz="1100" b="0" i="1" noProof="0" smtClean="0">
-                                            <a:solidFill>
-                                              <a:schemeClr val="tx1">
-                                                <a:lumMod val="75000"/>
-                                                <a:lumOff val="25000"/>
-                                              </a:schemeClr>
-                                            </a:solidFill>
-                                            <a:latin typeface="Cambria Math" panose="02040503050406030204" pitchFamily="18" charset="0"/>
-                                          </a:rPr>
-                                        </m:ctrlPr>
-                                      </m:sSupPr>
-                                      <m:e>
-                                        <m:r>
-                                          <a:rPr lang="es-ES_tradnl" sz="1100" b="0" i="1" noProof="0" smtClean="0">
-                                            <a:solidFill>
-                                              <a:schemeClr val="tx1">
-                                                <a:lumMod val="75000"/>
-                                                <a:lumOff val="25000"/>
-                                              </a:schemeClr>
-                                            </a:solidFill>
-                                            <a:latin typeface="Cambria Math" panose="02040503050406030204" pitchFamily="18" charset="0"/>
-                                          </a:rPr>
-                                          <m:t>𝑁</m:t>
-                                        </m:r>
-                                      </m:e>
-                                      <m:sup>
-                                        <m:r>
-                                          <a:rPr lang="es-ES_tradnl" sz="1100" b="0" i="1" noProof="0" smtClean="0">
-                                            <a:solidFill>
-                                              <a:schemeClr val="tx1">
-                                                <a:lumMod val="75000"/>
-                                                <a:lumOff val="25000"/>
-                                              </a:schemeClr>
-                                            </a:solidFill>
-                                            <a:latin typeface="Cambria Math" panose="02040503050406030204" pitchFamily="18" charset="0"/>
-                                          </a:rPr>
-                                          <m:t>2</m:t>
-                                        </m:r>
-                                      </m:sup>
-                                    </m:sSup>
-                                  </m:e>
-                                </m:d>
-                              </m:oMath>
-                            </m:oMathPara>
-                          </a14:m>
-                          <a:endParaRPr lang="es-ES_tradnl" sz="1100" noProof="0" dirty="0">
-                            <a:solidFill>
-                              <a:schemeClr val="tx1">
-                                <a:lumMod val="75000"/>
-                                <a:lumOff val="25000"/>
-                              </a:schemeClr>
-                            </a:solidFill>
-                            <a:latin typeface="Google Sans" panose="020B0503030502040204" pitchFamily="34" charset="0"/>
-                          </a:endParaRPr>
-                        </a:p>
-                      </a:txBody>
-                      <a:tcPr anchor="ctr">
-                        <a:lnL w="12700" cap="flat" cmpd="sng" algn="ctr">
-                          <a:solidFill>
-                            <a:schemeClr val="bg1">
-                              <a:lumMod val="85000"/>
-                            </a:schemeClr>
-                          </a:solidFill>
-                          <a:prstDash val="solid"/>
-                          <a:round/>
-                          <a:headEnd type="none" w="med" len="med"/>
-                          <a:tailEnd type="none" w="med" len="med"/>
-                        </a:lnL>
-                        <a:lnR w="12700" cap="flat" cmpd="sng" algn="ctr">
-                          <a:solidFill>
-                            <a:schemeClr val="bg1">
-                              <a:lumMod val="85000"/>
-                            </a:schemeClr>
-                          </a:solidFill>
-                          <a:prstDash val="solid"/>
-                          <a:round/>
-                          <a:headEnd type="none" w="med" len="med"/>
-                          <a:tailEnd type="none" w="med" len="med"/>
-                        </a:lnR>
-                        <a:lnT w="12700" cap="flat" cmpd="sng" algn="ctr">
-                          <a:solidFill>
-                            <a:schemeClr val="bg1">
-                              <a:lumMod val="85000"/>
-                            </a:schemeClr>
-                          </a:solidFill>
-                          <a:prstDash val="solid"/>
-                          <a:round/>
-                          <a:headEnd type="none" w="med" len="med"/>
-                          <a:tailEnd type="none" w="med" len="med"/>
-                        </a:lnT>
-                        <a:lnB w="12700" cap="flat" cmpd="sng" algn="ctr">
-                          <a:solidFill>
-                            <a:schemeClr val="bg1">
-                              <a:lumMod val="85000"/>
-                            </a:schemeClr>
-                          </a:solidFill>
-                          <a:prstDash val="solid"/>
-                          <a:round/>
-                          <a:headEnd type="none" w="med" len="med"/>
-                          <a:tailEnd type="none" w="med" len="med"/>
-                        </a:lnB>
-                        <a:noFill/>
-                      </a:tcPr>
-                    </a:tc>
-                    <a:tc>
-                      <a:txBody>
-                        <a:bodyPr/>
-                        <a:lstStyle/>
-                        <a:p>
-                          <a:pPr algn="l"/>
-                          <a:r>
-                            <a:rPr lang="es-ES_tradnl" sz="1100" noProof="0" dirty="0">
-                              <a:solidFill>
-                                <a:schemeClr val="tx1">
-                                  <a:lumMod val="75000"/>
-                                  <a:lumOff val="25000"/>
-                                </a:schemeClr>
-                              </a:solidFill>
-                              <a:latin typeface="Google Sans" panose="020B0503030502040204" pitchFamily="34" charset="0"/>
-                            </a:rPr>
-                            <a:t>Se elige el último nº (no fijado) como el ancla y se compara con el primero y el penúltimo elemento de la lista.</a:t>
-                          </a:r>
-                        </a:p>
-                        <a:p>
-                          <a:pPr algn="l"/>
-                          <a:endParaRPr lang="es-ES_tradnl" sz="1100" noProof="0" dirty="0">
-                            <a:solidFill>
-                              <a:schemeClr val="tx1">
-                                <a:lumMod val="75000"/>
-                                <a:lumOff val="25000"/>
-                              </a:schemeClr>
-                            </a:solidFill>
-                            <a:latin typeface="Google Sans" panose="020B0503030502040204" pitchFamily="34" charset="0"/>
-                          </a:endParaRPr>
-                        </a:p>
-                        <a:p>
-                          <a:pPr algn="l"/>
-                          <a:r>
-                            <a:rPr lang="es-ES_tradnl" sz="1100" noProof="0" dirty="0" err="1">
-                              <a:solidFill>
-                                <a:schemeClr val="tx1">
-                                  <a:lumMod val="75000"/>
-                                  <a:lumOff val="25000"/>
-                                </a:schemeClr>
-                              </a:solidFill>
-                              <a:latin typeface="Google Sans" panose="020B0503030502040204" pitchFamily="34" charset="0"/>
-                            </a:rPr>
-                            <a:t>Worst</a:t>
-                          </a:r>
-                          <a:r>
-                            <a:rPr lang="es-ES_tradnl" sz="1100" noProof="0" dirty="0">
-                              <a:solidFill>
-                                <a:schemeClr val="tx1">
-                                  <a:lumMod val="75000"/>
-                                  <a:lumOff val="25000"/>
-                                </a:schemeClr>
-                              </a:solidFill>
-                              <a:latin typeface="Google Sans" panose="020B0503030502040204" pitchFamily="34" charset="0"/>
-                            </a:rPr>
-                            <a:t> case: El final de la lista ya esta organizada (los últimos 2 elementos - termina comparando todo con todo)</a:t>
-                          </a:r>
-                          <a:br>
-                            <a:rPr lang="es-ES_tradnl" sz="1100" noProof="0" dirty="0">
-                              <a:solidFill>
-                                <a:schemeClr val="tx1">
-                                  <a:lumMod val="75000"/>
-                                  <a:lumOff val="25000"/>
-                                </a:schemeClr>
-                              </a:solidFill>
-                              <a:latin typeface="Google Sans" panose="020B0503030502040204" pitchFamily="34" charset="0"/>
-                            </a:rPr>
-                          </a:br>
-                          <a:br>
-                            <a:rPr lang="es-ES_tradnl" sz="1100" noProof="0" dirty="0">
-                              <a:solidFill>
-                                <a:schemeClr val="tx1">
-                                  <a:lumMod val="75000"/>
-                                  <a:lumOff val="25000"/>
-                                </a:schemeClr>
-                              </a:solidFill>
-                              <a:latin typeface="Google Sans" panose="020B0503030502040204" pitchFamily="34" charset="0"/>
-                            </a:rPr>
-                          </a:br>
-                          <a:r>
-                            <a:rPr lang="es-ES_tradnl" sz="1100" noProof="0" dirty="0">
-                              <a:solidFill>
-                                <a:schemeClr val="tx1">
-                                  <a:lumMod val="75000"/>
-                                  <a:lumOff val="25000"/>
-                                </a:schemeClr>
-                              </a:solidFill>
-                              <a:latin typeface="Google Sans" panose="020B0503030502040204" pitchFamily="34" charset="0"/>
-                            </a:rPr>
-                            <a:t>Se puede correr análisis asincrónico y </a:t>
-                          </a:r>
-                          <a:r>
-                            <a:rPr lang="es-ES_tradnl" sz="1100" noProof="0" dirty="0" err="1">
-                              <a:solidFill>
-                                <a:schemeClr val="tx1">
-                                  <a:lumMod val="75000"/>
-                                  <a:lumOff val="25000"/>
-                                </a:schemeClr>
-                              </a:solidFill>
-                              <a:latin typeface="Google Sans" panose="020B0503030502040204" pitchFamily="34" charset="0"/>
-                            </a:rPr>
-                            <a:t>eligir</a:t>
-                          </a:r>
-                          <a:r>
-                            <a:rPr lang="es-ES_tradnl" sz="1100" noProof="0" dirty="0">
-                              <a:solidFill>
-                                <a:schemeClr val="tx1">
-                                  <a:lumMod val="75000"/>
-                                  <a:lumOff val="25000"/>
-                                </a:schemeClr>
-                              </a:solidFill>
-                              <a:latin typeface="Google Sans" panose="020B0503030502040204" pitchFamily="34" charset="0"/>
-                            </a:rPr>
-                            <a:t> otro nº como ancla para hacerlo más eficiente.</a:t>
-                          </a:r>
-                        </a:p>
-                        <a:p>
-                          <a:pPr algn="l"/>
-                          <a:endParaRPr lang="es-ES_tradnl" sz="1100" noProof="0" dirty="0">
-                            <a:solidFill>
-                              <a:schemeClr val="tx1">
-                                <a:lumMod val="75000"/>
-                                <a:lumOff val="25000"/>
-                              </a:schemeClr>
-                            </a:solidFill>
-                            <a:latin typeface="Google Sans" panose="020B0503030502040204" pitchFamily="34" charset="0"/>
-                          </a:endParaRPr>
-                        </a:p>
-                        <a:p>
-                          <a:pPr algn="l"/>
-                          <a:r>
-                            <a:rPr lang="es-ES_tradnl" sz="1100" noProof="0" dirty="0">
-                              <a:solidFill>
-                                <a:schemeClr val="tx1">
-                                  <a:lumMod val="75000"/>
-                                  <a:lumOff val="25000"/>
-                                </a:schemeClr>
-                              </a:solidFill>
-                              <a:latin typeface="Google Sans" panose="020B0503030502040204" pitchFamily="34" charset="0"/>
-                            </a:rPr>
-                            <a:t>Espacio auxiliar constante.</a:t>
-                          </a:r>
-                        </a:p>
-                      </a:txBody>
-                      <a:tcPr anchor="ctr">
-                        <a:lnL w="12700" cap="flat" cmpd="sng" algn="ctr">
-                          <a:solidFill>
-                            <a:schemeClr val="bg1">
-                              <a:lumMod val="85000"/>
-                            </a:schemeClr>
-                          </a:solidFill>
-                          <a:prstDash val="solid"/>
-                          <a:round/>
-                          <a:headEnd type="none" w="med" len="med"/>
-                          <a:tailEnd type="none" w="med" len="med"/>
-                        </a:lnL>
-                        <a:lnR w="12700" cap="flat" cmpd="sng" algn="ctr">
-                          <a:solidFill>
-                            <a:schemeClr val="bg1">
-                              <a:lumMod val="85000"/>
-                            </a:schemeClr>
-                          </a:solidFill>
-                          <a:prstDash val="solid"/>
-                          <a:round/>
-                          <a:headEnd type="none" w="med" len="med"/>
-                          <a:tailEnd type="none" w="med" len="med"/>
-                        </a:lnR>
-                        <a:lnT w="12700" cap="flat" cmpd="sng" algn="ctr">
-                          <a:solidFill>
-                            <a:schemeClr val="bg1">
-                              <a:lumMod val="85000"/>
-                            </a:schemeClr>
-                          </a:solidFill>
-                          <a:prstDash val="solid"/>
-                          <a:round/>
-                          <a:headEnd type="none" w="med" len="med"/>
-                          <a:tailEnd type="none" w="med" len="med"/>
-                        </a:lnT>
-                        <a:lnB w="12700" cap="flat" cmpd="sng" algn="ctr">
-                          <a:solidFill>
-                            <a:schemeClr val="bg1">
-                              <a:lumMod val="85000"/>
-                            </a:schemeClr>
-                          </a:solidFill>
-                          <a:prstDash val="solid"/>
-                          <a:round/>
-                          <a:headEnd type="none" w="med" len="med"/>
-                          <a:tailEnd type="none" w="med" len="med"/>
-                        </a:lnB>
-                        <a:noFill/>
-                      </a:tcPr>
-                    </a:tc>
-                    <a:extLst>
-                      <a:ext uri="{0D108BD9-81ED-4DB2-BD59-A6C34878D82A}">
-                        <a16:rowId xmlns:a16="http://schemas.microsoft.com/office/drawing/2014/main" val="62859788"/>
-                      </a:ext>
-                    </a:extLst>
-                  </a:tr>
-                  <a:tr h="0">
-                    <a:tc>
-                      <a:txBody>
-                        <a:bodyPr/>
-                        <a:lstStyle/>
-                        <a:p>
-                          <a:pPr marL="88900" indent="0" algn="l">
-                            <a:tabLst/>
-                          </a:pPr>
-                          <a:r>
-                            <a:rPr lang="es-ES_tradnl" sz="1100" noProof="0" dirty="0" err="1">
-                              <a:solidFill>
-                                <a:schemeClr val="tx1">
-                                  <a:lumMod val="75000"/>
-                                  <a:lumOff val="25000"/>
-                                </a:schemeClr>
-                              </a:solidFill>
-                              <a:latin typeface="Google Sans" panose="020B0503030502040204" pitchFamily="34" charset="0"/>
-                            </a:rPr>
-                            <a:t>Heap</a:t>
-                          </a:r>
-                          <a:endParaRPr lang="es-ES_tradnl" sz="1100" noProof="0" dirty="0">
-                            <a:solidFill>
-                              <a:schemeClr val="tx1">
-                                <a:lumMod val="75000"/>
-                                <a:lumOff val="25000"/>
-                              </a:schemeClr>
-                            </a:solidFill>
-                            <a:latin typeface="Google Sans" panose="020B0503030502040204" pitchFamily="34" charset="0"/>
-                          </a:endParaRPr>
-                        </a:p>
-                      </a:txBody>
-                      <a:tcPr anchor="ctr">
-                        <a:lnR w="12700" cap="flat" cmpd="sng" algn="ctr">
-                          <a:solidFill>
-                            <a:schemeClr val="bg1">
-                              <a:lumMod val="85000"/>
-                            </a:schemeClr>
-                          </a:solidFill>
-                          <a:prstDash val="solid"/>
-                          <a:round/>
-                          <a:headEnd type="none" w="med" len="med"/>
-                          <a:tailEnd type="none" w="med" len="med"/>
-                        </a:lnR>
-                        <a:lnT w="12700" cap="flat" cmpd="sng" algn="ctr">
-                          <a:solidFill>
-                            <a:schemeClr val="bg1">
-                              <a:lumMod val="85000"/>
-                            </a:schemeClr>
-                          </a:solidFill>
-                          <a:prstDash val="solid"/>
-                          <a:round/>
-                          <a:headEnd type="none" w="med" len="med"/>
-                          <a:tailEnd type="none" w="med" len="med"/>
-                        </a:lnT>
-                        <a:lnB w="12700" cap="flat" cmpd="sng" algn="ctr">
-                          <a:solidFill>
-                            <a:schemeClr val="bg1">
-                              <a:lumMod val="85000"/>
-                            </a:schemeClr>
-                          </a:solidFill>
-                          <a:prstDash val="solid"/>
-                          <a:round/>
-                          <a:headEnd type="none" w="med" len="med"/>
-                          <a:tailEnd type="none" w="med" len="med"/>
-                        </a:lnB>
-                        <a:solidFill>
-                          <a:srgbClr val="FAFAFA"/>
-                        </a:solidFill>
-                      </a:tcPr>
-                    </a:tc>
-                    <a:tc>
-                      <a:txBody>
-                        <a:bodyPr/>
-                        <a:lstStyle/>
-                        <a:p>
-                          <a:pPr algn="l"/>
-                          <a14:m>
-                            <m:oMathPara xmlns:m="http://schemas.openxmlformats.org/officeDocument/2006/math">
-                              <m:oMathParaPr>
-                                <m:jc m:val="centerGroup"/>
-                              </m:oMathParaPr>
-                              <m:oMath xmlns:m="http://schemas.openxmlformats.org/officeDocument/2006/math">
-                                <m:r>
-                                  <a:rPr lang="en-US" sz="1100" b="0" i="1" smtClean="0">
-                                    <a:solidFill>
-                                      <a:schemeClr val="tx1">
-                                        <a:lumMod val="75000"/>
-                                        <a:lumOff val="25000"/>
-                                      </a:schemeClr>
-                                    </a:solidFill>
-                                    <a:latin typeface="Cambria Math" panose="02040503050406030204" pitchFamily="18" charset="0"/>
-                                  </a:rPr>
-                                  <m:t>𝑂</m:t>
-                                </m:r>
-                                <m:d>
-                                  <m:dPr>
-                                    <m:ctrlPr>
-                                      <a:rPr lang="en-US" sz="1100" b="0" i="1" smtClean="0">
-                                        <a:solidFill>
-                                          <a:schemeClr val="tx1">
-                                            <a:lumMod val="75000"/>
-                                            <a:lumOff val="25000"/>
-                                          </a:schemeClr>
-                                        </a:solidFill>
-                                        <a:latin typeface="Cambria Math" panose="02040503050406030204" pitchFamily="18" charset="0"/>
-                                      </a:rPr>
-                                    </m:ctrlPr>
-                                  </m:dPr>
-                                  <m:e>
-                                    <m:r>
-                                      <a:rPr lang="en-US" sz="1100" b="0" i="1" smtClean="0">
-                                        <a:solidFill>
-                                          <a:schemeClr val="tx1">
-                                            <a:lumMod val="75000"/>
-                                            <a:lumOff val="25000"/>
-                                          </a:schemeClr>
-                                        </a:solidFill>
-                                        <a:latin typeface="Cambria Math" panose="02040503050406030204" pitchFamily="18" charset="0"/>
-                                      </a:rPr>
-                                      <m:t>𝑁</m:t>
-                                    </m:r>
-                                    <m:func>
-                                      <m:funcPr>
-                                        <m:ctrlPr>
-                                          <a:rPr lang="en-US" sz="1100" b="0" i="1" smtClean="0">
-                                            <a:solidFill>
-                                              <a:schemeClr val="tx1">
-                                                <a:lumMod val="75000"/>
-                                                <a:lumOff val="25000"/>
-                                              </a:schemeClr>
-                                            </a:solidFill>
-                                            <a:latin typeface="Cambria Math" panose="02040503050406030204" pitchFamily="18" charset="0"/>
-                                          </a:rPr>
-                                        </m:ctrlPr>
-                                      </m:funcPr>
-                                      <m:fName>
-                                        <m:r>
-                                          <m:rPr>
-                                            <m:sty m:val="p"/>
-                                          </m:rPr>
-                                          <a:rPr lang="en-US" sz="1100" b="0" i="0" smtClean="0">
-                                            <a:solidFill>
-                                              <a:schemeClr val="tx1">
-                                                <a:lumMod val="75000"/>
-                                                <a:lumOff val="25000"/>
-                                              </a:schemeClr>
-                                            </a:solidFill>
-                                            <a:latin typeface="Cambria Math" panose="02040503050406030204" pitchFamily="18" charset="0"/>
-                                          </a:rPr>
-                                          <m:t>log</m:t>
-                                        </m:r>
-                                      </m:fName>
-                                      <m:e>
-                                        <m:r>
-                                          <a:rPr lang="en-US" sz="1100" b="0" i="1" smtClean="0">
-                                            <a:solidFill>
-                                              <a:schemeClr val="tx1">
-                                                <a:lumMod val="75000"/>
-                                                <a:lumOff val="25000"/>
-                                              </a:schemeClr>
-                                            </a:solidFill>
-                                            <a:latin typeface="Cambria Math" panose="02040503050406030204" pitchFamily="18" charset="0"/>
-                                          </a:rPr>
-                                          <m:t>𝑁</m:t>
-                                        </m:r>
-                                      </m:e>
-                                    </m:func>
-                                  </m:e>
-                                </m:d>
-                              </m:oMath>
-                            </m:oMathPara>
-                          </a14:m>
-                          <a:endParaRPr lang="es-ES_tradnl" sz="1100" noProof="0" dirty="0">
-                            <a:solidFill>
-                              <a:schemeClr val="tx1">
-                                <a:lumMod val="75000"/>
-                                <a:lumOff val="25000"/>
-                              </a:schemeClr>
-                            </a:solidFill>
-                            <a:latin typeface="Google Sans" panose="020B0503030502040204" pitchFamily="34" charset="0"/>
-                          </a:endParaRPr>
-                        </a:p>
-                      </a:txBody>
-                      <a:tcPr anchor="ctr">
-                        <a:lnL w="12700" cap="flat" cmpd="sng" algn="ctr">
-                          <a:solidFill>
-                            <a:schemeClr val="bg1">
-                              <a:lumMod val="85000"/>
-                            </a:schemeClr>
-                          </a:solidFill>
-                          <a:prstDash val="solid"/>
-                          <a:round/>
-                          <a:headEnd type="none" w="med" len="med"/>
-                          <a:tailEnd type="none" w="med" len="med"/>
-                        </a:lnL>
-                        <a:lnR w="12700" cap="flat" cmpd="sng" algn="ctr">
-                          <a:solidFill>
-                            <a:schemeClr val="bg1">
-                              <a:lumMod val="85000"/>
-                            </a:schemeClr>
-                          </a:solidFill>
-                          <a:prstDash val="solid"/>
-                          <a:round/>
-                          <a:headEnd type="none" w="med" len="med"/>
-                          <a:tailEnd type="none" w="med" len="med"/>
-                        </a:lnR>
-                        <a:lnT w="12700" cap="flat" cmpd="sng" algn="ctr">
-                          <a:solidFill>
-                            <a:schemeClr val="bg1">
-                              <a:lumMod val="85000"/>
-                            </a:schemeClr>
-                          </a:solidFill>
-                          <a:prstDash val="solid"/>
-                          <a:round/>
-                          <a:headEnd type="none" w="med" len="med"/>
-                          <a:tailEnd type="none" w="med" len="med"/>
-                        </a:lnT>
-                        <a:lnB w="12700" cap="flat" cmpd="sng" algn="ctr">
-                          <a:solidFill>
-                            <a:schemeClr val="bg1">
-                              <a:lumMod val="85000"/>
-                            </a:schemeClr>
-                          </a:solidFill>
-                          <a:prstDash val="solid"/>
-                          <a:round/>
-                          <a:headEnd type="none" w="med" len="med"/>
-                          <a:tailEnd type="none" w="med" len="med"/>
-                        </a:lnB>
-                        <a:noFill/>
-                      </a:tcPr>
-                    </a:tc>
-                    <a:tc>
-                      <a:txBody>
-                        <a:bodyPr/>
-                        <a:lstStyle/>
-                        <a:p>
-                          <a:pPr algn="l"/>
-                          <a14:m>
-                            <m:oMathPara xmlns:m="http://schemas.openxmlformats.org/officeDocument/2006/math">
-                              <m:oMathParaPr>
-                                <m:jc m:val="centerGroup"/>
-                              </m:oMathParaPr>
-                              <m:oMath xmlns:m="http://schemas.openxmlformats.org/officeDocument/2006/math">
-                                <m:r>
-                                  <a:rPr lang="en-US" sz="1100" b="0" i="1" smtClean="0">
-                                    <a:solidFill>
-                                      <a:schemeClr val="tx1">
-                                        <a:lumMod val="75000"/>
-                                        <a:lumOff val="25000"/>
-                                      </a:schemeClr>
-                                    </a:solidFill>
-                                    <a:latin typeface="Cambria Math" panose="02040503050406030204" pitchFamily="18" charset="0"/>
-                                  </a:rPr>
-                                  <m:t>𝑂</m:t>
-                                </m:r>
-                                <m:d>
-                                  <m:dPr>
-                                    <m:ctrlPr>
-                                      <a:rPr lang="en-US" sz="1100" b="0" i="1" smtClean="0">
-                                        <a:solidFill>
-                                          <a:schemeClr val="tx1">
-                                            <a:lumMod val="75000"/>
-                                            <a:lumOff val="25000"/>
-                                          </a:schemeClr>
-                                        </a:solidFill>
-                                        <a:latin typeface="Cambria Math" panose="02040503050406030204" pitchFamily="18" charset="0"/>
-                                      </a:rPr>
-                                    </m:ctrlPr>
-                                  </m:dPr>
-                                  <m:e>
-                                    <m:r>
-                                      <a:rPr lang="en-US" sz="1100" b="0" i="1" smtClean="0">
-                                        <a:solidFill>
-                                          <a:schemeClr val="tx1">
-                                            <a:lumMod val="75000"/>
-                                            <a:lumOff val="25000"/>
-                                          </a:schemeClr>
-                                        </a:solidFill>
-                                        <a:latin typeface="Cambria Math" panose="02040503050406030204" pitchFamily="18" charset="0"/>
-                                      </a:rPr>
-                                      <m:t>𝑁</m:t>
-                                    </m:r>
-                                    <m:func>
-                                      <m:funcPr>
-                                        <m:ctrlPr>
-                                          <a:rPr lang="en-US" sz="1100" b="0" i="1" smtClean="0">
-                                            <a:solidFill>
-                                              <a:schemeClr val="tx1">
-                                                <a:lumMod val="75000"/>
-                                                <a:lumOff val="25000"/>
-                                              </a:schemeClr>
-                                            </a:solidFill>
-                                            <a:latin typeface="Cambria Math" panose="02040503050406030204" pitchFamily="18" charset="0"/>
-                                          </a:rPr>
-                                        </m:ctrlPr>
-                                      </m:funcPr>
-                                      <m:fName>
-                                        <m:r>
-                                          <m:rPr>
-                                            <m:sty m:val="p"/>
-                                          </m:rPr>
-                                          <a:rPr lang="en-US" sz="1100" b="0" i="0" smtClean="0">
-                                            <a:solidFill>
-                                              <a:schemeClr val="tx1">
-                                                <a:lumMod val="75000"/>
-                                                <a:lumOff val="25000"/>
-                                              </a:schemeClr>
-                                            </a:solidFill>
-                                            <a:latin typeface="Cambria Math" panose="02040503050406030204" pitchFamily="18" charset="0"/>
-                                          </a:rPr>
-                                          <m:t>log</m:t>
-                                        </m:r>
-                                      </m:fName>
-                                      <m:e>
-                                        <m:r>
-                                          <a:rPr lang="en-US" sz="1100" b="0" i="1" smtClean="0">
-                                            <a:solidFill>
-                                              <a:schemeClr val="tx1">
-                                                <a:lumMod val="75000"/>
-                                                <a:lumOff val="25000"/>
-                                              </a:schemeClr>
-                                            </a:solidFill>
-                                            <a:latin typeface="Cambria Math" panose="02040503050406030204" pitchFamily="18" charset="0"/>
-                                          </a:rPr>
-                                          <m:t>𝑁</m:t>
-                                        </m:r>
-                                      </m:e>
-                                    </m:func>
-                                  </m:e>
-                                </m:d>
-                              </m:oMath>
-                            </m:oMathPara>
-                          </a14:m>
-                          <a:endParaRPr lang="es-ES_tradnl" sz="1100" noProof="0" dirty="0">
-                            <a:solidFill>
-                              <a:schemeClr val="tx1">
-                                <a:lumMod val="75000"/>
-                                <a:lumOff val="25000"/>
-                              </a:schemeClr>
-                            </a:solidFill>
-                            <a:latin typeface="Google Sans" panose="020B0503030502040204" pitchFamily="34" charset="0"/>
-                          </a:endParaRPr>
-                        </a:p>
-                      </a:txBody>
-                      <a:tcPr anchor="ctr">
-                        <a:lnL w="12700" cap="flat" cmpd="sng" algn="ctr">
-                          <a:solidFill>
-                            <a:schemeClr val="bg1">
-                              <a:lumMod val="85000"/>
-                            </a:schemeClr>
-                          </a:solidFill>
-                          <a:prstDash val="solid"/>
-                          <a:round/>
-                          <a:headEnd type="none" w="med" len="med"/>
-                          <a:tailEnd type="none" w="med" len="med"/>
-                        </a:lnL>
-                        <a:lnR w="12700" cap="flat" cmpd="sng" algn="ctr">
-                          <a:solidFill>
-                            <a:schemeClr val="bg1">
-                              <a:lumMod val="85000"/>
-                            </a:schemeClr>
-                          </a:solidFill>
-                          <a:prstDash val="solid"/>
-                          <a:round/>
-                          <a:headEnd type="none" w="med" len="med"/>
-                          <a:tailEnd type="none" w="med" len="med"/>
-                        </a:lnR>
-                        <a:lnT w="12700" cap="flat" cmpd="sng" algn="ctr">
-                          <a:solidFill>
-                            <a:schemeClr val="bg1">
-                              <a:lumMod val="85000"/>
-                            </a:schemeClr>
-                          </a:solidFill>
-                          <a:prstDash val="solid"/>
-                          <a:round/>
-                          <a:headEnd type="none" w="med" len="med"/>
-                          <a:tailEnd type="none" w="med" len="med"/>
-                        </a:lnT>
-                        <a:lnB w="12700" cap="flat" cmpd="sng" algn="ctr">
-                          <a:solidFill>
-                            <a:schemeClr val="bg1">
-                              <a:lumMod val="85000"/>
-                            </a:schemeClr>
-                          </a:solidFill>
-                          <a:prstDash val="solid"/>
-                          <a:round/>
-                          <a:headEnd type="none" w="med" len="med"/>
-                          <a:tailEnd type="none" w="med" len="med"/>
-                        </a:lnB>
-                        <a:noFill/>
-                      </a:tcPr>
-                    </a:tc>
-                    <a:tc>
-                      <a:txBody>
-                        <a:bodyPr/>
-                        <a:lstStyle/>
-                        <a:p>
-                          <a:pPr marL="0" marR="0" lvl="0" indent="0" algn="l" defTabSz="914400" rtl="0" eaLnBrk="1" fontAlgn="auto" latinLnBrk="0" hangingPunct="1">
-                            <a:lnSpc>
-                              <a:spcPct val="100000"/>
-                            </a:lnSpc>
-                            <a:spcBef>
-                              <a:spcPts val="0"/>
-                            </a:spcBef>
-                            <a:spcAft>
-                              <a:spcPts val="0"/>
-                            </a:spcAft>
-                            <a:buClrTx/>
-                            <a:buSzTx/>
-                            <a:buFontTx/>
-                            <a:buNone/>
-                            <a:tabLst/>
-                            <a:defRPr/>
-                          </a:pPr>
-                          <a14:m>
-                            <m:oMathPara xmlns:m="http://schemas.openxmlformats.org/officeDocument/2006/math">
-                              <m:oMathParaPr>
-                                <m:jc m:val="centerGroup"/>
-                              </m:oMathParaPr>
-                              <m:oMath xmlns:m="http://schemas.openxmlformats.org/officeDocument/2006/math">
-                                <m:r>
-                                  <a:rPr lang="en-US" sz="1100" b="0" i="1" smtClean="0">
-                                    <a:solidFill>
-                                      <a:schemeClr val="tx1">
-                                        <a:lumMod val="75000"/>
-                                        <a:lumOff val="25000"/>
-                                      </a:schemeClr>
-                                    </a:solidFill>
-                                    <a:latin typeface="Cambria Math" panose="02040503050406030204" pitchFamily="18" charset="0"/>
-                                  </a:rPr>
-                                  <m:t>𝑂</m:t>
-                                </m:r>
-                                <m:d>
-                                  <m:dPr>
-                                    <m:ctrlPr>
-                                      <a:rPr lang="en-US" sz="1100" b="0" i="1" smtClean="0">
-                                        <a:solidFill>
-                                          <a:schemeClr val="tx1">
-                                            <a:lumMod val="75000"/>
-                                            <a:lumOff val="25000"/>
-                                          </a:schemeClr>
-                                        </a:solidFill>
-                                        <a:latin typeface="Cambria Math" panose="02040503050406030204" pitchFamily="18" charset="0"/>
-                                      </a:rPr>
-                                    </m:ctrlPr>
-                                  </m:dPr>
-                                  <m:e>
-                                    <m:r>
-                                      <a:rPr lang="en-US" sz="1100" b="0" i="1" smtClean="0">
-                                        <a:solidFill>
-                                          <a:schemeClr val="tx1">
-                                            <a:lumMod val="75000"/>
-                                            <a:lumOff val="25000"/>
-                                          </a:schemeClr>
-                                        </a:solidFill>
-                                        <a:latin typeface="Cambria Math" panose="02040503050406030204" pitchFamily="18" charset="0"/>
-                                      </a:rPr>
-                                      <m:t>𝑁</m:t>
-                                    </m:r>
-                                    <m:func>
-                                      <m:funcPr>
-                                        <m:ctrlPr>
-                                          <a:rPr lang="en-US" sz="1100" b="0" i="1" smtClean="0">
-                                            <a:solidFill>
-                                              <a:schemeClr val="tx1">
-                                                <a:lumMod val="75000"/>
-                                                <a:lumOff val="25000"/>
-                                              </a:schemeClr>
-                                            </a:solidFill>
-                                            <a:latin typeface="Cambria Math" panose="02040503050406030204" pitchFamily="18" charset="0"/>
-                                          </a:rPr>
-                                        </m:ctrlPr>
-                                      </m:funcPr>
-                                      <m:fName>
-                                        <m:r>
-                                          <m:rPr>
-                                            <m:sty m:val="p"/>
-                                          </m:rPr>
-                                          <a:rPr lang="en-US" sz="1100" b="0" i="0" smtClean="0">
-                                            <a:solidFill>
-                                              <a:schemeClr val="tx1">
-                                                <a:lumMod val="75000"/>
-                                                <a:lumOff val="25000"/>
-                                              </a:schemeClr>
-                                            </a:solidFill>
-                                            <a:latin typeface="Cambria Math" panose="02040503050406030204" pitchFamily="18" charset="0"/>
-                                          </a:rPr>
-                                          <m:t>log</m:t>
-                                        </m:r>
-                                      </m:fName>
-                                      <m:e>
-                                        <m:r>
-                                          <a:rPr lang="en-US" sz="1100" b="0" i="1" smtClean="0">
-                                            <a:solidFill>
-                                              <a:schemeClr val="tx1">
-                                                <a:lumMod val="75000"/>
-                                                <a:lumOff val="25000"/>
-                                              </a:schemeClr>
-                                            </a:solidFill>
-                                            <a:latin typeface="Cambria Math" panose="02040503050406030204" pitchFamily="18" charset="0"/>
-                                          </a:rPr>
-                                          <m:t>𝑁</m:t>
-                                        </m:r>
-                                      </m:e>
-                                    </m:func>
-                                  </m:e>
-                                </m:d>
-                              </m:oMath>
-                            </m:oMathPara>
-                          </a14:m>
-                          <a:endParaRPr lang="es-ES_tradnl" sz="1100" noProof="0" dirty="0">
-                            <a:solidFill>
-                              <a:schemeClr val="tx1">
-                                <a:lumMod val="75000"/>
-                                <a:lumOff val="25000"/>
-                              </a:schemeClr>
-                            </a:solidFill>
-                            <a:latin typeface="Google Sans" panose="020B0503030502040204" pitchFamily="34" charset="0"/>
-                          </a:endParaRPr>
-                        </a:p>
-                      </a:txBody>
-                      <a:tcPr anchor="ctr">
-                        <a:lnL w="12700" cap="flat" cmpd="sng" algn="ctr">
-                          <a:solidFill>
-                            <a:schemeClr val="bg1">
-                              <a:lumMod val="85000"/>
-                            </a:schemeClr>
-                          </a:solidFill>
-                          <a:prstDash val="solid"/>
-                          <a:round/>
-                          <a:headEnd type="none" w="med" len="med"/>
-                          <a:tailEnd type="none" w="med" len="med"/>
-                        </a:lnL>
-                        <a:lnR w="12700" cap="flat" cmpd="sng" algn="ctr">
-                          <a:solidFill>
-                            <a:schemeClr val="bg1">
-                              <a:lumMod val="85000"/>
-                            </a:schemeClr>
-                          </a:solidFill>
-                          <a:prstDash val="solid"/>
-                          <a:round/>
-                          <a:headEnd type="none" w="med" len="med"/>
-                          <a:tailEnd type="none" w="med" len="med"/>
-                        </a:lnR>
-                        <a:lnT w="12700" cap="flat" cmpd="sng" algn="ctr">
-                          <a:solidFill>
-                            <a:schemeClr val="bg1">
-                              <a:lumMod val="85000"/>
-                            </a:schemeClr>
-                          </a:solidFill>
-                          <a:prstDash val="solid"/>
-                          <a:round/>
-                          <a:headEnd type="none" w="med" len="med"/>
-                          <a:tailEnd type="none" w="med" len="med"/>
-                        </a:lnT>
-                        <a:lnB w="12700" cap="flat" cmpd="sng" algn="ctr">
-                          <a:solidFill>
-                            <a:schemeClr val="bg1">
-                              <a:lumMod val="85000"/>
-                            </a:schemeClr>
-                          </a:solidFill>
-                          <a:prstDash val="solid"/>
-                          <a:round/>
-                          <a:headEnd type="none" w="med" len="med"/>
-                          <a:tailEnd type="none" w="med" len="med"/>
-                        </a:lnB>
-                        <a:noFill/>
-                      </a:tcPr>
-                    </a:tc>
-                    <a:tc>
-                      <a:txBody>
-                        <a:bodyPr/>
-                        <a:lstStyle/>
-                        <a:p>
-                          <a:pPr algn="l"/>
-                          <a:r>
-                            <a:rPr lang="es-ES_tradnl" sz="1100" noProof="0" dirty="0">
-                              <a:solidFill>
-                                <a:schemeClr val="tx1">
-                                  <a:lumMod val="75000"/>
-                                  <a:lumOff val="25000"/>
-                                </a:schemeClr>
-                              </a:solidFill>
-                              <a:latin typeface="Google Sans" panose="020B0503030502040204" pitchFamily="34" charset="0"/>
-                            </a:rPr>
-                            <a:t>Parte ordenada vs parte no ordenada.</a:t>
-                          </a:r>
-                        </a:p>
-                      </a:txBody>
-                      <a:tcPr anchor="ctr">
-                        <a:lnL w="12700" cap="flat" cmpd="sng" algn="ctr">
-                          <a:solidFill>
-                            <a:schemeClr val="bg1">
-                              <a:lumMod val="85000"/>
-                            </a:schemeClr>
-                          </a:solidFill>
-                          <a:prstDash val="solid"/>
-                          <a:round/>
-                          <a:headEnd type="none" w="med" len="med"/>
-                          <a:tailEnd type="none" w="med" len="med"/>
-                        </a:lnL>
-                        <a:lnR w="12700" cap="flat" cmpd="sng" algn="ctr">
-                          <a:solidFill>
-                            <a:schemeClr val="bg1">
-                              <a:lumMod val="85000"/>
-                            </a:schemeClr>
-                          </a:solidFill>
-                          <a:prstDash val="solid"/>
-                          <a:round/>
-                          <a:headEnd type="none" w="med" len="med"/>
-                          <a:tailEnd type="none" w="med" len="med"/>
-                        </a:lnR>
-                        <a:lnT w="12700" cap="flat" cmpd="sng" algn="ctr">
-                          <a:solidFill>
-                            <a:schemeClr val="bg1">
-                              <a:lumMod val="85000"/>
-                            </a:schemeClr>
-                          </a:solidFill>
-                          <a:prstDash val="solid"/>
-                          <a:round/>
-                          <a:headEnd type="none" w="med" len="med"/>
-                          <a:tailEnd type="none" w="med" len="med"/>
-                        </a:lnT>
-                        <a:lnB w="12700" cap="flat" cmpd="sng" algn="ctr">
-                          <a:solidFill>
-                            <a:schemeClr val="bg1">
-                              <a:lumMod val="85000"/>
-                            </a:schemeClr>
-                          </a:solidFill>
-                          <a:prstDash val="solid"/>
-                          <a:round/>
-                          <a:headEnd type="none" w="med" len="med"/>
-                          <a:tailEnd type="none" w="med" len="med"/>
-                        </a:lnB>
-                        <a:noFill/>
-                      </a:tcPr>
-                    </a:tc>
-                    <a:extLst>
-                      <a:ext uri="{0D108BD9-81ED-4DB2-BD59-A6C34878D82A}">
-                        <a16:rowId xmlns:a16="http://schemas.microsoft.com/office/drawing/2014/main" val="359714782"/>
-                      </a:ext>
-                    </a:extLst>
-                  </a:tr>
-                </a:tbl>
-              </a:graphicData>
-            </a:graphic>
-          </p:graphicFrame>
-        </mc:Choice>
-        <mc:Fallback xmlns="">
-          <p:graphicFrame>
-            <p:nvGraphicFramePr>
-              <p:cNvPr id="16" name="Table 4">
-                <a:extLst>
-                  <a:ext uri="{FF2B5EF4-FFF2-40B4-BE49-F238E27FC236}">
-                    <a16:creationId xmlns:a16="http://schemas.microsoft.com/office/drawing/2014/main" id="{D4331407-7F58-B247-AC6A-BFCE55CCCE4C}"/>
-                  </a:ext>
-                </a:extLst>
-              </p:cNvPr>
-              <p:cNvGraphicFramePr>
-                <a:graphicFrameLocks noGrp="1"/>
-              </p:cNvGraphicFramePr>
-              <p:nvPr>
-                <p:extLst>
-                  <p:ext uri="{D42A27DB-BD31-4B8C-83A1-F6EECF244321}">
-                    <p14:modId xmlns:p14="http://schemas.microsoft.com/office/powerpoint/2010/main" val="3461122284"/>
-                  </p:ext>
-                </p:extLst>
-              </p:nvPr>
-            </p:nvGraphicFramePr>
-            <p:xfrm>
-              <a:off x="525005" y="1615440"/>
-              <a:ext cx="10946093" cy="3063240"/>
-            </p:xfrm>
-            <a:graphic>
-              <a:graphicData uri="http://schemas.openxmlformats.org/drawingml/2006/table">
-                <a:tbl>
-                  <a:tblPr firstRow="1" bandRow="1">
-                    <a:tableStyleId>{5C22544A-7EE6-4342-B048-85BDC9FD1C3A}</a:tableStyleId>
-                  </a:tblPr>
-                  <a:tblGrid>
-                    <a:gridCol w="1470050">
-                      <a:extLst>
-                        <a:ext uri="{9D8B030D-6E8A-4147-A177-3AD203B41FA5}">
-                          <a16:colId xmlns:a16="http://schemas.microsoft.com/office/drawing/2014/main" val="552516167"/>
-                        </a:ext>
-                      </a:extLst>
-                    </a:gridCol>
-                    <a:gridCol w="965860">
-                      <a:extLst>
-                        <a:ext uri="{9D8B030D-6E8A-4147-A177-3AD203B41FA5}">
-                          <a16:colId xmlns:a16="http://schemas.microsoft.com/office/drawing/2014/main" val="626789005"/>
-                        </a:ext>
-                      </a:extLst>
-                    </a:gridCol>
-                    <a:gridCol w="965860">
-                      <a:extLst>
-                        <a:ext uri="{9D8B030D-6E8A-4147-A177-3AD203B41FA5}">
-                          <a16:colId xmlns:a16="http://schemas.microsoft.com/office/drawing/2014/main" val="3340807046"/>
-                        </a:ext>
-                      </a:extLst>
-                    </a:gridCol>
-                    <a:gridCol w="965860">
-                      <a:extLst>
-                        <a:ext uri="{9D8B030D-6E8A-4147-A177-3AD203B41FA5}">
-                          <a16:colId xmlns:a16="http://schemas.microsoft.com/office/drawing/2014/main" val="2348046545"/>
-                        </a:ext>
-                      </a:extLst>
-                    </a:gridCol>
-                    <a:gridCol w="6578463">
-                      <a:extLst>
-                        <a:ext uri="{9D8B030D-6E8A-4147-A177-3AD203B41FA5}">
-                          <a16:colId xmlns:a16="http://schemas.microsoft.com/office/drawing/2014/main" val="3704704284"/>
-                        </a:ext>
-                      </a:extLst>
-                    </a:gridCol>
-                  </a:tblGrid>
-                  <a:tr h="259080">
-                    <a:tc rowSpan="2">
-                      <a:txBody>
-                        <a:bodyPr/>
-                        <a:lstStyle/>
-                        <a:p>
-                          <a:pPr marL="11113" indent="0" algn="ctr">
-                            <a:tabLst/>
-                          </a:pPr>
-                          <a:r>
-                            <a:rPr lang="es-ES_tradnl" sz="1100" noProof="0">
-                              <a:solidFill>
-                                <a:schemeClr val="tx1">
-                                  <a:lumMod val="75000"/>
-                                  <a:lumOff val="25000"/>
-                                </a:schemeClr>
-                              </a:solidFill>
-                              <a:latin typeface="Google Sans" panose="020B0503030502040204" pitchFamily="34" charset="0"/>
-                            </a:rPr>
-                            <a:t>Ordenamiento Tipo</a:t>
-                          </a:r>
-                        </a:p>
-                      </a:txBody>
-                      <a:tcPr anchor="ctr">
-                        <a:lnR w="12700" cap="flat" cmpd="sng" algn="ctr">
-                          <a:solidFill>
-                            <a:schemeClr val="bg1">
-                              <a:lumMod val="85000"/>
-                            </a:schemeClr>
-                          </a:solidFill>
-                          <a:prstDash val="solid"/>
-                          <a:round/>
-                          <a:headEnd type="none" w="med" len="med"/>
-                          <a:tailEnd type="none" w="med" len="med"/>
-                        </a:lnR>
-                        <a:lnB w="12700" cap="flat" cmpd="sng" algn="ctr">
-                          <a:solidFill>
-                            <a:schemeClr val="bg1">
-                              <a:lumMod val="85000"/>
-                            </a:schemeClr>
-                          </a:solidFill>
-                          <a:prstDash val="solid"/>
-                          <a:round/>
-                          <a:headEnd type="none" w="med" len="med"/>
-                          <a:tailEnd type="none" w="med" len="med"/>
-                        </a:lnB>
-                        <a:solidFill>
-                          <a:schemeClr val="bg1">
-                            <a:lumMod val="95000"/>
-                          </a:schemeClr>
-                        </a:solidFill>
-                      </a:tcPr>
-                    </a:tc>
-                    <a:tc gridSpan="3">
-                      <a:txBody>
-                        <a:bodyPr/>
-                        <a:lstStyle/>
-                        <a:p>
-                          <a:pPr algn="ctr"/>
-                          <a:r>
-                            <a:rPr lang="es-ES_tradnl" sz="1100" noProof="0" dirty="0">
-                              <a:solidFill>
-                                <a:schemeClr val="tx1">
-                                  <a:lumMod val="75000"/>
-                                  <a:lumOff val="25000"/>
-                                </a:schemeClr>
-                              </a:solidFill>
-                              <a:latin typeface="Google Sans" panose="020B0503030502040204" pitchFamily="34" charset="0"/>
-                            </a:rPr>
-                            <a:t>Complejidad Temporal</a:t>
-                          </a:r>
-                        </a:p>
-                      </a:txBody>
-                      <a:tcPr anchor="ctr">
-                        <a:lnL w="12700" cap="flat" cmpd="sng" algn="ctr">
-                          <a:solidFill>
-                            <a:schemeClr val="bg1">
-                              <a:lumMod val="85000"/>
-                            </a:schemeClr>
-                          </a:solidFill>
-                          <a:prstDash val="solid"/>
-                          <a:round/>
-                          <a:headEnd type="none" w="med" len="med"/>
-                          <a:tailEnd type="none" w="med" len="med"/>
-                        </a:lnL>
-                        <a:lnR w="12700" cap="flat" cmpd="sng" algn="ctr">
-                          <a:solidFill>
-                            <a:schemeClr val="bg1">
-                              <a:lumMod val="85000"/>
-                            </a:schemeClr>
-                          </a:solidFill>
-                          <a:prstDash val="solid"/>
-                          <a:round/>
-                          <a:headEnd type="none" w="med" len="med"/>
-                          <a:tailEnd type="none" w="med" len="med"/>
-                        </a:lnR>
-                        <a:lnB w="12700" cap="flat" cmpd="sng" algn="ctr">
-                          <a:solidFill>
-                            <a:schemeClr val="bg1">
-                              <a:lumMod val="85000"/>
-                            </a:schemeClr>
-                          </a:solidFill>
-                          <a:prstDash val="solid"/>
-                          <a:round/>
-                          <a:headEnd type="none" w="med" len="med"/>
-                          <a:tailEnd type="none" w="med" len="med"/>
-                        </a:lnB>
-                        <a:solidFill>
-                          <a:schemeClr val="bg1">
-                            <a:lumMod val="95000"/>
-                          </a:schemeClr>
-                        </a:solidFill>
-                      </a:tcPr>
-                    </a:tc>
-                    <a:tc hMerge="1">
-                      <a:txBody>
-                        <a:bodyPr/>
-                        <a:lstStyle/>
-                        <a:p>
-                          <a:pPr marL="0" marR="0" lvl="0" indent="0" algn="ctr" defTabSz="914400" rtl="0" eaLnBrk="1" fontAlgn="auto" latinLnBrk="0" hangingPunct="1">
-                            <a:lnSpc>
-                              <a:spcPct val="100000"/>
-                            </a:lnSpc>
-                            <a:spcBef>
-                              <a:spcPts val="0"/>
-                            </a:spcBef>
-                            <a:spcAft>
-                              <a:spcPts val="0"/>
-                            </a:spcAft>
-                            <a:buClrTx/>
-                            <a:buSzTx/>
-                            <a:buFontTx/>
-                            <a:buNone/>
-                            <a:tabLst/>
-                            <a:defRPr/>
-                          </a:pPr>
-                          <a:endParaRPr lang="en-MX" sz="1100" dirty="0">
-                            <a:solidFill>
-                              <a:schemeClr val="tx1">
-                                <a:lumMod val="75000"/>
-                                <a:lumOff val="25000"/>
-                              </a:schemeClr>
-                            </a:solidFill>
-                            <a:latin typeface="Google Sans" panose="020B0503030502040204" pitchFamily="34" charset="0"/>
-                          </a:endParaRPr>
-                        </a:p>
-                      </a:txBody>
-                      <a:tcPr>
-                        <a:lnL w="12700" cap="flat" cmpd="sng" algn="ctr">
-                          <a:solidFill>
-                            <a:schemeClr val="bg1">
-                              <a:lumMod val="85000"/>
-                            </a:schemeClr>
-                          </a:solidFill>
-                          <a:prstDash val="solid"/>
-                          <a:round/>
-                          <a:headEnd type="none" w="med" len="med"/>
-                          <a:tailEnd type="none" w="med" len="med"/>
-                        </a:lnL>
-                        <a:lnR w="12700" cap="flat" cmpd="sng" algn="ctr">
-                          <a:solidFill>
-                            <a:schemeClr val="bg1">
-                              <a:lumMod val="85000"/>
-                            </a:schemeClr>
-                          </a:solidFill>
-                          <a:prstDash val="solid"/>
-                          <a:round/>
-                          <a:headEnd type="none" w="med" len="med"/>
-                          <a:tailEnd type="none" w="med" len="med"/>
-                        </a:lnR>
-                        <a:lnB w="12700" cap="flat" cmpd="sng" algn="ctr">
-                          <a:solidFill>
-                            <a:schemeClr val="bg1">
-                              <a:lumMod val="85000"/>
-                            </a:schemeClr>
-                          </a:solidFill>
-                          <a:prstDash val="solid"/>
-                          <a:round/>
-                          <a:headEnd type="none" w="med" len="med"/>
-                          <a:tailEnd type="none" w="med" len="med"/>
-                        </a:lnB>
-                        <a:solidFill>
-                          <a:schemeClr val="bg1">
-                            <a:lumMod val="95000"/>
-                          </a:schemeClr>
-                        </a:solidFill>
-                      </a:tcPr>
-                    </a:tc>
-                    <a:tc hMerge="1">
-                      <a:txBody>
-                        <a:bodyPr/>
-                        <a:lstStyle/>
-                        <a:p>
-                          <a:pPr marL="0" marR="0" lvl="0" indent="0" algn="ctr" defTabSz="914400" rtl="0" eaLnBrk="1" fontAlgn="auto" latinLnBrk="0" hangingPunct="1">
-                            <a:lnSpc>
-                              <a:spcPct val="100000"/>
-                            </a:lnSpc>
-                            <a:spcBef>
-                              <a:spcPts val="0"/>
-                            </a:spcBef>
-                            <a:spcAft>
-                              <a:spcPts val="0"/>
-                            </a:spcAft>
-                            <a:buClrTx/>
-                            <a:buSzTx/>
-                            <a:buFontTx/>
-                            <a:buNone/>
-                            <a:tabLst/>
-                            <a:defRPr/>
-                          </a:pPr>
-                          <a:endParaRPr lang="en-MX" sz="1100" dirty="0">
-                            <a:solidFill>
-                              <a:schemeClr val="tx1">
-                                <a:lumMod val="75000"/>
-                                <a:lumOff val="25000"/>
-                              </a:schemeClr>
-                            </a:solidFill>
-                            <a:latin typeface="Google Sans" panose="020B0503030502040204" pitchFamily="34" charset="0"/>
-                          </a:endParaRPr>
-                        </a:p>
-                      </a:txBody>
-                      <a:tcPr>
-                        <a:lnL w="12700" cap="flat" cmpd="sng" algn="ctr">
-                          <a:solidFill>
-                            <a:schemeClr val="bg1">
-                              <a:lumMod val="85000"/>
-                            </a:schemeClr>
-                          </a:solidFill>
-                          <a:prstDash val="solid"/>
-                          <a:round/>
-                          <a:headEnd type="none" w="med" len="med"/>
-                          <a:tailEnd type="none" w="med" len="med"/>
-                        </a:lnL>
-                        <a:lnR w="12700" cap="flat" cmpd="sng" algn="ctr">
-                          <a:solidFill>
-                            <a:schemeClr val="bg1">
-                              <a:lumMod val="85000"/>
-                            </a:schemeClr>
-                          </a:solidFill>
-                          <a:prstDash val="solid"/>
-                          <a:round/>
-                          <a:headEnd type="none" w="med" len="med"/>
-                          <a:tailEnd type="none" w="med" len="med"/>
-                        </a:lnR>
-                        <a:lnB w="12700" cap="flat" cmpd="sng" algn="ctr">
-                          <a:solidFill>
-                            <a:schemeClr val="bg1">
-                              <a:lumMod val="85000"/>
-                            </a:schemeClr>
-                          </a:solidFill>
-                          <a:prstDash val="solid"/>
-                          <a:round/>
-                          <a:headEnd type="none" w="med" len="med"/>
-                          <a:tailEnd type="none" w="med" len="med"/>
-                        </a:lnB>
-                        <a:solidFill>
-                          <a:schemeClr val="bg1">
-                            <a:lumMod val="95000"/>
-                          </a:schemeClr>
-                        </a:solidFill>
-                      </a:tcPr>
-                    </a:tc>
-                    <a:tc rowSpan="2">
-                      <a:txBody>
-                        <a:bodyPr/>
-                        <a:lstStyle/>
-                        <a:p>
-                          <a:pPr algn="ctr"/>
-                          <a:r>
-                            <a:rPr lang="es-ES_tradnl" sz="1100" noProof="0" dirty="0">
-                              <a:solidFill>
-                                <a:schemeClr val="tx1">
-                                  <a:lumMod val="75000"/>
-                                  <a:lumOff val="25000"/>
-                                </a:schemeClr>
-                              </a:solidFill>
-                              <a:latin typeface="Google Sans" panose="020B0503030502040204" pitchFamily="34" charset="0"/>
-                            </a:rPr>
-                            <a:t>Comentarios/Observaciones</a:t>
-                          </a:r>
-                        </a:p>
-                      </a:txBody>
-                      <a:tcPr anchor="ctr">
-                        <a:lnL w="12700" cap="flat" cmpd="sng" algn="ctr">
-                          <a:solidFill>
-                            <a:schemeClr val="bg1">
-                              <a:lumMod val="85000"/>
-                            </a:schemeClr>
-                          </a:solidFill>
-                          <a:prstDash val="solid"/>
-                          <a:round/>
-                          <a:headEnd type="none" w="med" len="med"/>
-                          <a:tailEnd type="none" w="med" len="med"/>
-                        </a:lnL>
-                        <a:lnR w="12700" cap="flat" cmpd="sng" algn="ctr">
-                          <a:solidFill>
-                            <a:schemeClr val="bg1">
-                              <a:lumMod val="85000"/>
-                            </a:schemeClr>
-                          </a:solidFill>
-                          <a:prstDash val="solid"/>
-                          <a:round/>
-                          <a:headEnd type="none" w="med" len="med"/>
-                          <a:tailEnd type="none" w="med" len="med"/>
-                        </a:lnR>
-                        <a:lnB w="12700" cap="flat" cmpd="sng" algn="ctr">
-                          <a:solidFill>
-                            <a:schemeClr val="bg1">
-                              <a:lumMod val="85000"/>
-                            </a:schemeClr>
-                          </a:solidFill>
-                          <a:prstDash val="solid"/>
-                          <a:round/>
-                          <a:headEnd type="none" w="med" len="med"/>
-                          <a:tailEnd type="none" w="med" len="med"/>
-                        </a:lnB>
-                        <a:solidFill>
-                          <a:schemeClr val="bg1">
-                            <a:lumMod val="95000"/>
-                          </a:schemeClr>
-                        </a:solidFill>
-                      </a:tcPr>
-                    </a:tc>
-                    <a:extLst>
-                      <a:ext uri="{0D108BD9-81ED-4DB2-BD59-A6C34878D82A}">
-                        <a16:rowId xmlns:a16="http://schemas.microsoft.com/office/drawing/2014/main" val="4035314076"/>
-                      </a:ext>
-                    </a:extLst>
-                  </a:tr>
-                  <a:tr h="259080">
-                    <a:tc vMerge="1">
-                      <a:txBody>
-                        <a:bodyPr/>
-                        <a:lstStyle/>
-                        <a:p>
-                          <a:pPr marL="11113" indent="0" algn="ctr">
-                            <a:tabLst/>
-                          </a:pPr>
-                          <a:endParaRPr lang="en-MX" sz="1100" dirty="0">
-                            <a:solidFill>
-                              <a:schemeClr val="tx1">
-                                <a:lumMod val="75000"/>
-                                <a:lumOff val="25000"/>
-                              </a:schemeClr>
-                            </a:solidFill>
-                            <a:latin typeface="Google Sans" panose="020B0503030502040204" pitchFamily="34" charset="0"/>
-                          </a:endParaRPr>
-                        </a:p>
-                      </a:txBody>
-                      <a:tcPr>
-                        <a:lnR w="12700" cap="flat" cmpd="sng" algn="ctr">
-                          <a:solidFill>
-                            <a:schemeClr val="bg1">
-                              <a:lumMod val="85000"/>
-                            </a:schemeClr>
-                          </a:solidFill>
-                          <a:prstDash val="solid"/>
-                          <a:round/>
-                          <a:headEnd type="none" w="med" len="med"/>
-                          <a:tailEnd type="none" w="med" len="med"/>
-                        </a:lnR>
-                        <a:lnT w="12700" cap="flat" cmpd="sng" algn="ctr">
-                          <a:solidFill>
-                            <a:schemeClr val="bg1">
-                              <a:lumMod val="85000"/>
-                            </a:schemeClr>
-                          </a:solidFill>
-                          <a:prstDash val="solid"/>
-                          <a:round/>
-                          <a:headEnd type="none" w="med" len="med"/>
-                          <a:tailEnd type="none" w="med" len="med"/>
-                        </a:lnT>
-                        <a:lnB w="12700" cap="flat" cmpd="sng" algn="ctr">
-                          <a:solidFill>
-                            <a:schemeClr val="bg1">
-                              <a:lumMod val="85000"/>
-                            </a:schemeClr>
-                          </a:solidFill>
-                          <a:prstDash val="solid"/>
-                          <a:round/>
-                          <a:headEnd type="none" w="med" len="med"/>
-                          <a:tailEnd type="none" w="med" len="med"/>
-                        </a:lnB>
-                        <a:solidFill>
-                          <a:schemeClr val="bg1">
-                            <a:lumMod val="95000"/>
-                          </a:schemeClr>
-                        </a:solidFill>
-                      </a:tcPr>
-                    </a:tc>
-                    <a:tc>
-                      <a:txBody>
-                        <a:bodyPr/>
-                        <a:lstStyle/>
-                        <a:p>
-                          <a:pPr algn="ctr"/>
-                          <a:r>
-                            <a:rPr lang="es-ES_tradnl" sz="1100" noProof="0" dirty="0" err="1">
-                              <a:solidFill>
-                                <a:schemeClr val="tx1">
-                                  <a:lumMod val="75000"/>
-                                  <a:lumOff val="25000"/>
-                                </a:schemeClr>
-                              </a:solidFill>
-                              <a:latin typeface="Google Sans" panose="020B0503030502040204" pitchFamily="34" charset="0"/>
-                            </a:rPr>
-                            <a:t>Best</a:t>
-                          </a:r>
-                          <a:endParaRPr lang="es-ES_tradnl" sz="1100" noProof="0" dirty="0">
-                            <a:solidFill>
-                              <a:schemeClr val="tx1">
-                                <a:lumMod val="75000"/>
-                                <a:lumOff val="25000"/>
-                              </a:schemeClr>
-                            </a:solidFill>
-                            <a:latin typeface="Google Sans" panose="020B0503030502040204" pitchFamily="34" charset="0"/>
-                          </a:endParaRPr>
-                        </a:p>
-                      </a:txBody>
-                      <a:tcPr anchor="ctr">
-                        <a:lnL w="12700" cap="flat" cmpd="sng" algn="ctr">
-                          <a:solidFill>
-                            <a:schemeClr val="bg1">
-                              <a:lumMod val="85000"/>
-                            </a:schemeClr>
-                          </a:solidFill>
-                          <a:prstDash val="solid"/>
-                          <a:round/>
-                          <a:headEnd type="none" w="med" len="med"/>
-                          <a:tailEnd type="none" w="med" len="med"/>
-                        </a:lnL>
-                        <a:lnR w="12700" cap="flat" cmpd="sng" algn="ctr">
-                          <a:solidFill>
-                            <a:schemeClr val="bg1">
-                              <a:lumMod val="85000"/>
-                            </a:schemeClr>
-                          </a:solidFill>
-                          <a:prstDash val="solid"/>
-                          <a:round/>
-                          <a:headEnd type="none" w="med" len="med"/>
-                          <a:tailEnd type="none" w="med" len="med"/>
-                        </a:lnR>
-                        <a:lnT w="12700" cap="flat" cmpd="sng" algn="ctr">
-                          <a:solidFill>
-                            <a:schemeClr val="bg1">
-                              <a:lumMod val="85000"/>
-                            </a:schemeClr>
-                          </a:solidFill>
-                          <a:prstDash val="solid"/>
-                          <a:round/>
-                          <a:headEnd type="none" w="med" len="med"/>
-                          <a:tailEnd type="none" w="med" len="med"/>
-                        </a:lnT>
-                        <a:lnB w="12700" cap="flat" cmpd="sng" algn="ctr">
-                          <a:solidFill>
-                            <a:schemeClr val="bg1">
-                              <a:lumMod val="85000"/>
-                            </a:schemeClr>
-                          </a:solidFill>
-                          <a:prstDash val="solid"/>
-                          <a:round/>
-                          <a:headEnd type="none" w="med" len="med"/>
-                          <a:tailEnd type="none" w="med" len="med"/>
-                        </a:lnB>
-                        <a:solidFill>
-                          <a:srgbClr val="FAFAFA"/>
-                        </a:solidFill>
-                      </a:tcPr>
-                    </a:tc>
-                    <a:tc>
-                      <a:txBody>
-                        <a:bodyPr/>
-                        <a:lstStyle/>
-                        <a:p>
-                          <a:pPr marL="0" marR="0" lvl="0" indent="0" algn="ctr" defTabSz="914400" rtl="0" eaLnBrk="1" fontAlgn="auto" latinLnBrk="0" hangingPunct="1">
-                            <a:lnSpc>
-                              <a:spcPct val="100000"/>
-                            </a:lnSpc>
-                            <a:spcBef>
-                              <a:spcPts val="0"/>
-                            </a:spcBef>
-                            <a:spcAft>
-                              <a:spcPts val="0"/>
-                            </a:spcAft>
-                            <a:buClrTx/>
-                            <a:buSzTx/>
-                            <a:buFontTx/>
-                            <a:buNone/>
-                            <a:tabLst/>
-                            <a:defRPr/>
-                          </a:pPr>
-                          <a:r>
-                            <a:rPr lang="es-ES_tradnl" sz="1100" noProof="0" dirty="0" err="1">
-                              <a:solidFill>
-                                <a:schemeClr val="tx1">
-                                  <a:lumMod val="75000"/>
-                                  <a:lumOff val="25000"/>
-                                </a:schemeClr>
-                              </a:solidFill>
-                              <a:latin typeface="Google Sans" panose="020B0503030502040204" pitchFamily="34" charset="0"/>
-                            </a:rPr>
-                            <a:t>Average</a:t>
-                          </a:r>
-                          <a:endParaRPr lang="es-ES_tradnl" sz="1100" noProof="0" dirty="0">
-                            <a:solidFill>
-                              <a:schemeClr val="tx1">
-                                <a:lumMod val="75000"/>
-                                <a:lumOff val="25000"/>
-                              </a:schemeClr>
-                            </a:solidFill>
-                            <a:latin typeface="Google Sans" panose="020B0503030502040204" pitchFamily="34" charset="0"/>
-                          </a:endParaRPr>
-                        </a:p>
-                      </a:txBody>
-                      <a:tcPr anchor="ctr">
-                        <a:lnL w="12700" cap="flat" cmpd="sng" algn="ctr">
-                          <a:solidFill>
-                            <a:schemeClr val="bg1">
-                              <a:lumMod val="85000"/>
-                            </a:schemeClr>
-                          </a:solidFill>
-                          <a:prstDash val="solid"/>
-                          <a:round/>
-                          <a:headEnd type="none" w="med" len="med"/>
-                          <a:tailEnd type="none" w="med" len="med"/>
-                        </a:lnL>
-                        <a:lnR w="12700" cap="flat" cmpd="sng" algn="ctr">
-                          <a:solidFill>
-                            <a:schemeClr val="bg1">
-                              <a:lumMod val="85000"/>
-                            </a:schemeClr>
-                          </a:solidFill>
-                          <a:prstDash val="solid"/>
-                          <a:round/>
-                          <a:headEnd type="none" w="med" len="med"/>
-                          <a:tailEnd type="none" w="med" len="med"/>
-                        </a:lnR>
-                        <a:lnT w="12700" cap="flat" cmpd="sng" algn="ctr">
-                          <a:solidFill>
-                            <a:schemeClr val="bg1">
-                              <a:lumMod val="85000"/>
-                            </a:schemeClr>
-                          </a:solidFill>
-                          <a:prstDash val="solid"/>
-                          <a:round/>
-                          <a:headEnd type="none" w="med" len="med"/>
-                          <a:tailEnd type="none" w="med" len="med"/>
-                        </a:lnT>
-                        <a:lnB w="12700" cap="flat" cmpd="sng" algn="ctr">
-                          <a:solidFill>
-                            <a:schemeClr val="bg1">
-                              <a:lumMod val="85000"/>
-                            </a:schemeClr>
-                          </a:solidFill>
-                          <a:prstDash val="solid"/>
-                          <a:round/>
-                          <a:headEnd type="none" w="med" len="med"/>
-                          <a:tailEnd type="none" w="med" len="med"/>
-                        </a:lnB>
-                        <a:solidFill>
-                          <a:srgbClr val="FAFAFA"/>
-                        </a:solidFill>
-                      </a:tcPr>
-                    </a:tc>
-                    <a:tc>
-                      <a:txBody>
-                        <a:bodyPr/>
-                        <a:lstStyle/>
-                        <a:p>
-                          <a:pPr marL="0" marR="0" lvl="0" indent="0" algn="ctr" defTabSz="914400" rtl="0" eaLnBrk="1" fontAlgn="auto" latinLnBrk="0" hangingPunct="1">
-                            <a:lnSpc>
-                              <a:spcPct val="100000"/>
-                            </a:lnSpc>
-                            <a:spcBef>
-                              <a:spcPts val="0"/>
-                            </a:spcBef>
-                            <a:spcAft>
-                              <a:spcPts val="0"/>
-                            </a:spcAft>
-                            <a:buClrTx/>
-                            <a:buSzTx/>
-                            <a:buFontTx/>
-                            <a:buNone/>
-                            <a:tabLst/>
-                            <a:defRPr/>
-                          </a:pPr>
-                          <a:r>
-                            <a:rPr lang="es-ES_tradnl" sz="1100" noProof="0" dirty="0" err="1">
-                              <a:solidFill>
-                                <a:schemeClr val="tx1">
-                                  <a:lumMod val="75000"/>
-                                  <a:lumOff val="25000"/>
-                                </a:schemeClr>
-                              </a:solidFill>
-                              <a:latin typeface="Google Sans" panose="020B0503030502040204" pitchFamily="34" charset="0"/>
-                            </a:rPr>
-                            <a:t>Worst</a:t>
-                          </a:r>
-                          <a:endParaRPr lang="es-ES_tradnl" sz="1100" noProof="0" dirty="0">
-                            <a:solidFill>
-                              <a:schemeClr val="tx1">
-                                <a:lumMod val="75000"/>
-                                <a:lumOff val="25000"/>
-                              </a:schemeClr>
-                            </a:solidFill>
-                            <a:latin typeface="Google Sans" panose="020B0503030502040204" pitchFamily="34" charset="0"/>
-                          </a:endParaRPr>
-                        </a:p>
-                      </a:txBody>
-                      <a:tcPr anchor="ctr">
-                        <a:lnL w="12700" cap="flat" cmpd="sng" algn="ctr">
-                          <a:solidFill>
-                            <a:schemeClr val="bg1">
-                              <a:lumMod val="85000"/>
-                            </a:schemeClr>
-                          </a:solidFill>
-                          <a:prstDash val="solid"/>
-                          <a:round/>
-                          <a:headEnd type="none" w="med" len="med"/>
-                          <a:tailEnd type="none" w="med" len="med"/>
-                        </a:lnL>
-                        <a:lnR w="12700" cap="flat" cmpd="sng" algn="ctr">
-                          <a:solidFill>
-                            <a:schemeClr val="bg1">
-                              <a:lumMod val="85000"/>
-                            </a:schemeClr>
-                          </a:solidFill>
-                          <a:prstDash val="solid"/>
-                          <a:round/>
-                          <a:headEnd type="none" w="med" len="med"/>
-                          <a:tailEnd type="none" w="med" len="med"/>
-                        </a:lnR>
-                        <a:lnT w="12700" cap="flat" cmpd="sng" algn="ctr">
-                          <a:solidFill>
-                            <a:schemeClr val="bg1">
-                              <a:lumMod val="85000"/>
-                            </a:schemeClr>
-                          </a:solidFill>
-                          <a:prstDash val="solid"/>
-                          <a:round/>
-                          <a:headEnd type="none" w="med" len="med"/>
-                          <a:tailEnd type="none" w="med" len="med"/>
-                        </a:lnT>
-                        <a:lnB w="12700" cap="flat" cmpd="sng" algn="ctr">
-                          <a:solidFill>
-                            <a:schemeClr val="bg1">
-                              <a:lumMod val="85000"/>
-                            </a:schemeClr>
-                          </a:solidFill>
-                          <a:prstDash val="solid"/>
-                          <a:round/>
-                          <a:headEnd type="none" w="med" len="med"/>
-                          <a:tailEnd type="none" w="med" len="med"/>
-                        </a:lnB>
-                        <a:solidFill>
-                          <a:srgbClr val="FAFAFA"/>
-                        </a:solidFill>
-                      </a:tcPr>
-                    </a:tc>
-                    <a:tc vMerge="1">
-                      <a:txBody>
-                        <a:bodyPr/>
-                        <a:lstStyle/>
-                        <a:p>
-                          <a:pPr marL="0" marR="0" lvl="0" indent="0" algn="ctr" defTabSz="914400" rtl="0" eaLnBrk="1" fontAlgn="auto" latinLnBrk="0" hangingPunct="1">
-                            <a:lnSpc>
-                              <a:spcPct val="100000"/>
-                            </a:lnSpc>
-                            <a:spcBef>
-                              <a:spcPts val="0"/>
-                            </a:spcBef>
-                            <a:spcAft>
-                              <a:spcPts val="0"/>
-                            </a:spcAft>
-                            <a:buClrTx/>
-                            <a:buSzTx/>
-                            <a:buFontTx/>
-                            <a:buNone/>
-                            <a:tabLst/>
-                            <a:defRPr/>
-                          </a:pPr>
-                          <a:endParaRPr lang="es-ES_tradnl" sz="1100" noProof="0" dirty="0">
-                            <a:solidFill>
-                              <a:schemeClr val="tx1">
-                                <a:lumMod val="75000"/>
-                                <a:lumOff val="25000"/>
-                              </a:schemeClr>
-                            </a:solidFill>
-                            <a:latin typeface="Google Sans" panose="020B0503030502040204" pitchFamily="34" charset="0"/>
-                          </a:endParaRPr>
-                        </a:p>
-                      </a:txBody>
-                      <a:tcPr anchor="ctr">
-                        <a:lnL w="12700" cap="flat" cmpd="sng" algn="ctr">
-                          <a:solidFill>
-                            <a:schemeClr val="bg1">
-                              <a:lumMod val="85000"/>
-                            </a:schemeClr>
-                          </a:solidFill>
-                          <a:prstDash val="solid"/>
-                          <a:round/>
-                          <a:headEnd type="none" w="med" len="med"/>
-                          <a:tailEnd type="none" w="med" len="med"/>
-                        </a:lnL>
-                        <a:lnR w="12700" cap="flat" cmpd="sng" algn="ctr">
-                          <a:solidFill>
-                            <a:schemeClr val="bg1">
-                              <a:lumMod val="85000"/>
-                            </a:schemeClr>
-                          </a:solidFill>
-                          <a:prstDash val="solid"/>
-                          <a:round/>
-                          <a:headEnd type="none" w="med" len="med"/>
-                          <a:tailEnd type="none" w="med" len="med"/>
-                        </a:lnR>
-                        <a:lnT w="12700" cap="flat" cmpd="sng" algn="ctr">
-                          <a:solidFill>
-                            <a:schemeClr val="bg1">
-                              <a:lumMod val="85000"/>
-                            </a:schemeClr>
-                          </a:solidFill>
-                          <a:prstDash val="solid"/>
-                          <a:round/>
-                          <a:headEnd type="none" w="med" len="med"/>
-                          <a:tailEnd type="none" w="med" len="med"/>
-                        </a:lnT>
-                        <a:lnB w="12700" cap="flat" cmpd="sng" algn="ctr">
-                          <a:solidFill>
-                            <a:schemeClr val="bg1">
-                              <a:lumMod val="85000"/>
-                            </a:schemeClr>
-                          </a:solidFill>
-                          <a:prstDash val="solid"/>
-                          <a:round/>
-                          <a:headEnd type="none" w="med" len="med"/>
-                          <a:tailEnd type="none" w="med" len="med"/>
-                        </a:lnB>
-                        <a:solidFill>
-                          <a:srgbClr val="FAFAFA"/>
-                        </a:solidFill>
-                      </a:tcPr>
-                    </a:tc>
-                    <a:extLst>
-                      <a:ext uri="{0D108BD9-81ED-4DB2-BD59-A6C34878D82A}">
-                        <a16:rowId xmlns:a16="http://schemas.microsoft.com/office/drawing/2014/main" val="406864330"/>
-                      </a:ext>
-                    </a:extLst>
-                  </a:tr>
-                  <a:tr h="259080">
-                    <a:tc>
-                      <a:txBody>
-                        <a:bodyPr/>
-                        <a:lstStyle/>
-                        <a:p>
-                          <a:pPr marL="88900" indent="0" algn="l">
-                            <a:tabLst/>
-                          </a:pPr>
-                          <a:r>
-                            <a:rPr lang="es-ES_tradnl" sz="1100" noProof="0">
-                              <a:solidFill>
-                                <a:schemeClr val="tx1">
-                                  <a:lumMod val="75000"/>
-                                  <a:lumOff val="25000"/>
-                                </a:schemeClr>
-                              </a:solidFill>
-                              <a:latin typeface="Google Sans" panose="020B0503030502040204" pitchFamily="34" charset="0"/>
-                            </a:rPr>
-                            <a:t>Burbuja (Bubble)</a:t>
-                          </a:r>
-                        </a:p>
-                      </a:txBody>
-                      <a:tcPr anchor="ctr">
-                        <a:lnR w="12700" cap="flat" cmpd="sng" algn="ctr">
-                          <a:solidFill>
-                            <a:schemeClr val="bg1">
-                              <a:lumMod val="85000"/>
-                            </a:schemeClr>
-                          </a:solidFill>
-                          <a:prstDash val="solid"/>
-                          <a:round/>
-                          <a:headEnd type="none" w="med" len="med"/>
-                          <a:tailEnd type="none" w="med" len="med"/>
-                        </a:lnR>
-                        <a:lnT w="12700" cap="flat" cmpd="sng" algn="ctr">
-                          <a:solidFill>
-                            <a:schemeClr val="bg1">
-                              <a:lumMod val="85000"/>
-                            </a:schemeClr>
-                          </a:solidFill>
-                          <a:prstDash val="solid"/>
-                          <a:round/>
-                          <a:headEnd type="none" w="med" len="med"/>
-                          <a:tailEnd type="none" w="med" len="med"/>
-                        </a:lnT>
-                        <a:lnB w="12700" cap="flat" cmpd="sng" algn="ctr">
-                          <a:solidFill>
-                            <a:schemeClr val="bg1">
-                              <a:lumMod val="85000"/>
-                            </a:schemeClr>
-                          </a:solidFill>
-                          <a:prstDash val="solid"/>
-                          <a:round/>
-                          <a:headEnd type="none" w="med" len="med"/>
-                          <a:tailEnd type="none" w="med" len="med"/>
-                        </a:lnB>
-                        <a:solidFill>
-                          <a:srgbClr val="FAFAFA"/>
-                        </a:solidFill>
-                      </a:tcPr>
-                    </a:tc>
-                    <a:tc>
-                      <a:txBody>
-                        <a:bodyPr/>
-                        <a:lstStyle/>
-                        <a:p>
-                          <a:endParaRPr lang="en-MX"/>
-                        </a:p>
-                      </a:txBody>
-                      <a:tcPr anchor="ctr">
-                        <a:lnL w="12700" cap="flat" cmpd="sng" algn="ctr">
-                          <a:solidFill>
-                            <a:schemeClr val="bg1">
-                              <a:lumMod val="85000"/>
-                            </a:schemeClr>
-                          </a:solidFill>
-                          <a:prstDash val="solid"/>
-                          <a:round/>
-                          <a:headEnd type="none" w="med" len="med"/>
-                          <a:tailEnd type="none" w="med" len="med"/>
-                        </a:lnL>
-                        <a:lnR w="12700" cap="flat" cmpd="sng" algn="ctr">
-                          <a:solidFill>
-                            <a:schemeClr val="bg1">
-                              <a:lumMod val="85000"/>
-                            </a:schemeClr>
-                          </a:solidFill>
-                          <a:prstDash val="solid"/>
-                          <a:round/>
-                          <a:headEnd type="none" w="med" len="med"/>
-                          <a:tailEnd type="none" w="med" len="med"/>
-                        </a:lnR>
-                        <a:lnT w="12700" cap="flat" cmpd="sng" algn="ctr">
-                          <a:solidFill>
-                            <a:schemeClr val="bg1">
-                              <a:lumMod val="85000"/>
-                            </a:schemeClr>
-                          </a:solidFill>
-                          <a:prstDash val="solid"/>
-                          <a:round/>
-                          <a:headEnd type="none" w="med" len="med"/>
-                          <a:tailEnd type="none" w="med" len="med"/>
-                        </a:lnT>
-                        <a:lnB w="12700" cap="flat" cmpd="sng" algn="ctr">
-                          <a:solidFill>
-                            <a:schemeClr val="bg1">
-                              <a:lumMod val="85000"/>
-                            </a:schemeClr>
-                          </a:solidFill>
-                          <a:prstDash val="solid"/>
-                          <a:round/>
-                          <a:headEnd type="none" w="med" len="med"/>
-                          <a:tailEnd type="none" w="med" len="med"/>
-                        </a:lnB>
-                        <a:blipFill>
-                          <a:blip r:embed="rId4"/>
-                          <a:stretch>
-                            <a:fillRect l="-153947" t="-210000" r="-882895" b="-915000"/>
-                          </a:stretch>
-                        </a:blipFill>
-                      </a:tcPr>
-                    </a:tc>
-                    <a:tc>
-                      <a:txBody>
-                        <a:bodyPr/>
-                        <a:lstStyle/>
-                        <a:p>
-                          <a:endParaRPr lang="en-MX"/>
-                        </a:p>
-                      </a:txBody>
-                      <a:tcPr anchor="ctr">
-                        <a:lnL w="12700" cap="flat" cmpd="sng" algn="ctr">
-                          <a:solidFill>
-                            <a:schemeClr val="bg1">
-                              <a:lumMod val="85000"/>
-                            </a:schemeClr>
-                          </a:solidFill>
-                          <a:prstDash val="solid"/>
-                          <a:round/>
-                          <a:headEnd type="none" w="med" len="med"/>
-                          <a:tailEnd type="none" w="med" len="med"/>
-                        </a:lnL>
-                        <a:lnR w="12700" cap="flat" cmpd="sng" algn="ctr">
-                          <a:solidFill>
-                            <a:schemeClr val="bg1">
-                              <a:lumMod val="85000"/>
-                            </a:schemeClr>
-                          </a:solidFill>
-                          <a:prstDash val="solid"/>
-                          <a:round/>
-                          <a:headEnd type="none" w="med" len="med"/>
-                          <a:tailEnd type="none" w="med" len="med"/>
-                        </a:lnR>
-                        <a:lnT w="12700" cap="flat" cmpd="sng" algn="ctr">
-                          <a:solidFill>
-                            <a:schemeClr val="bg1">
-                              <a:lumMod val="85000"/>
-                            </a:schemeClr>
-                          </a:solidFill>
-                          <a:prstDash val="solid"/>
-                          <a:round/>
-                          <a:headEnd type="none" w="med" len="med"/>
-                          <a:tailEnd type="none" w="med" len="med"/>
-                        </a:lnT>
-                        <a:lnB w="12700" cap="flat" cmpd="sng" algn="ctr">
-                          <a:solidFill>
-                            <a:schemeClr val="bg1">
-                              <a:lumMod val="85000"/>
-                            </a:schemeClr>
-                          </a:solidFill>
-                          <a:prstDash val="solid"/>
-                          <a:round/>
-                          <a:headEnd type="none" w="med" len="med"/>
-                          <a:tailEnd type="none" w="med" len="med"/>
-                        </a:lnB>
-                        <a:blipFill>
-                          <a:blip r:embed="rId4"/>
-                          <a:stretch>
-                            <a:fillRect l="-253947" t="-210000" r="-782895" b="-915000"/>
-                          </a:stretch>
-                        </a:blipFill>
-                      </a:tcPr>
-                    </a:tc>
-                    <a:tc>
-                      <a:txBody>
-                        <a:bodyPr/>
-                        <a:lstStyle/>
-                        <a:p>
-                          <a:endParaRPr lang="en-MX"/>
-                        </a:p>
-                      </a:txBody>
-                      <a:tcPr anchor="ctr">
-                        <a:lnL w="12700" cap="flat" cmpd="sng" algn="ctr">
-                          <a:solidFill>
-                            <a:schemeClr val="bg1">
-                              <a:lumMod val="85000"/>
-                            </a:schemeClr>
-                          </a:solidFill>
-                          <a:prstDash val="solid"/>
-                          <a:round/>
-                          <a:headEnd type="none" w="med" len="med"/>
-                          <a:tailEnd type="none" w="med" len="med"/>
-                        </a:lnL>
-                        <a:lnR w="12700" cap="flat" cmpd="sng" algn="ctr">
-                          <a:solidFill>
-                            <a:schemeClr val="bg1">
-                              <a:lumMod val="85000"/>
-                            </a:schemeClr>
-                          </a:solidFill>
-                          <a:prstDash val="solid"/>
-                          <a:round/>
-                          <a:headEnd type="none" w="med" len="med"/>
-                          <a:tailEnd type="none" w="med" len="med"/>
-                        </a:lnR>
-                        <a:lnT w="12700" cap="flat" cmpd="sng" algn="ctr">
-                          <a:solidFill>
-                            <a:schemeClr val="bg1">
-                              <a:lumMod val="85000"/>
-                            </a:schemeClr>
-                          </a:solidFill>
-                          <a:prstDash val="solid"/>
-                          <a:round/>
-                          <a:headEnd type="none" w="med" len="med"/>
-                          <a:tailEnd type="none" w="med" len="med"/>
-                        </a:lnT>
-                        <a:lnB w="12700" cap="flat" cmpd="sng" algn="ctr">
-                          <a:solidFill>
-                            <a:schemeClr val="bg1">
-                              <a:lumMod val="85000"/>
-                            </a:schemeClr>
-                          </a:solidFill>
-                          <a:prstDash val="solid"/>
-                          <a:round/>
-                          <a:headEnd type="none" w="med" len="med"/>
-                          <a:tailEnd type="none" w="med" len="med"/>
-                        </a:lnB>
-                        <a:blipFill>
-                          <a:blip r:embed="rId4"/>
-                          <a:stretch>
-                            <a:fillRect l="-353947" t="-210000" r="-682895" b="-915000"/>
-                          </a:stretch>
-                        </a:blipFill>
-                      </a:tcPr>
-                    </a:tc>
-                    <a:tc>
-                      <a:txBody>
-                        <a:bodyPr/>
-                        <a:lstStyle/>
-                        <a:p>
-                          <a:pPr marL="0" marR="0" lvl="0" indent="0" algn="l" defTabSz="914400" rtl="0" eaLnBrk="1" fontAlgn="auto" latinLnBrk="0" hangingPunct="1">
-                            <a:lnSpc>
-                              <a:spcPct val="100000"/>
-                            </a:lnSpc>
-                            <a:spcBef>
-                              <a:spcPts val="0"/>
-                            </a:spcBef>
-                            <a:spcAft>
-                              <a:spcPts val="0"/>
-                            </a:spcAft>
-                            <a:buClrTx/>
-                            <a:buSzTx/>
-                            <a:buFontTx/>
-                            <a:buNone/>
-                            <a:tabLst/>
-                            <a:defRPr/>
-                          </a:pPr>
-                          <a:r>
-                            <a:rPr lang="es-ES_tradnl" sz="1100" noProof="0">
-                              <a:solidFill>
-                                <a:schemeClr val="tx1">
-                                  <a:lumMod val="75000"/>
-                                  <a:lumOff val="25000"/>
-                                </a:schemeClr>
-                              </a:solidFill>
-                              <a:latin typeface="Google Sans" panose="020B0503030502040204" pitchFamily="34" charset="0"/>
-                            </a:rPr>
-                            <a:t>Best case: ya estaba ordenado y requirió una sola pasada."</a:t>
-                          </a:r>
-                        </a:p>
-                      </a:txBody>
-                      <a:tcPr anchor="ctr">
-                        <a:lnL w="12700" cap="flat" cmpd="sng" algn="ctr">
-                          <a:solidFill>
-                            <a:schemeClr val="bg1">
-                              <a:lumMod val="85000"/>
-                            </a:schemeClr>
-                          </a:solidFill>
-                          <a:prstDash val="solid"/>
-                          <a:round/>
-                          <a:headEnd type="none" w="med" len="med"/>
-                          <a:tailEnd type="none" w="med" len="med"/>
-                        </a:lnL>
-                        <a:lnR w="12700" cap="flat" cmpd="sng" algn="ctr">
-                          <a:solidFill>
-                            <a:schemeClr val="bg1">
-                              <a:lumMod val="85000"/>
-                            </a:schemeClr>
-                          </a:solidFill>
-                          <a:prstDash val="solid"/>
-                          <a:round/>
-                          <a:headEnd type="none" w="med" len="med"/>
-                          <a:tailEnd type="none" w="med" len="med"/>
-                        </a:lnR>
-                        <a:lnT w="12700" cap="flat" cmpd="sng" algn="ctr">
-                          <a:solidFill>
-                            <a:schemeClr val="bg1">
-                              <a:lumMod val="85000"/>
-                            </a:schemeClr>
-                          </a:solidFill>
-                          <a:prstDash val="solid"/>
-                          <a:round/>
-                          <a:headEnd type="none" w="med" len="med"/>
-                          <a:tailEnd type="none" w="med" len="med"/>
-                        </a:lnT>
-                        <a:lnB w="12700" cap="flat" cmpd="sng" algn="ctr">
-                          <a:solidFill>
-                            <a:schemeClr val="bg1">
-                              <a:lumMod val="85000"/>
-                            </a:schemeClr>
-                          </a:solidFill>
-                          <a:prstDash val="solid"/>
-                          <a:round/>
-                          <a:headEnd type="none" w="med" len="med"/>
-                          <a:tailEnd type="none" w="med" len="med"/>
-                        </a:lnB>
-                        <a:noFill/>
-                      </a:tcPr>
-                    </a:tc>
-                    <a:extLst>
-                      <a:ext uri="{0D108BD9-81ED-4DB2-BD59-A6C34878D82A}">
-                        <a16:rowId xmlns:a16="http://schemas.microsoft.com/office/drawing/2014/main" val="4079592291"/>
-                      </a:ext>
-                    </a:extLst>
-                  </a:tr>
-                  <a:tr h="426720">
-                    <a:tc>
-                      <a:txBody>
-                        <a:bodyPr/>
-                        <a:lstStyle/>
-                        <a:p>
-                          <a:pPr marL="88900" indent="0" algn="l">
-                            <a:tabLst/>
-                          </a:pPr>
-                          <a:r>
-                            <a:rPr lang="es-ES_tradnl" sz="1100" noProof="0">
-                              <a:solidFill>
-                                <a:schemeClr val="tx1">
-                                  <a:lumMod val="75000"/>
-                                  <a:lumOff val="25000"/>
-                                </a:schemeClr>
-                              </a:solidFill>
-                              <a:latin typeface="Google Sans" panose="020B0503030502040204" pitchFamily="34" charset="0"/>
-                            </a:rPr>
-                            <a:t>Merge</a:t>
-                          </a:r>
-                        </a:p>
-                      </a:txBody>
-                      <a:tcPr anchor="ctr">
-                        <a:lnR w="12700" cap="flat" cmpd="sng" algn="ctr">
-                          <a:solidFill>
-                            <a:schemeClr val="bg1">
-                              <a:lumMod val="85000"/>
-                            </a:schemeClr>
-                          </a:solidFill>
-                          <a:prstDash val="solid"/>
-                          <a:round/>
-                          <a:headEnd type="none" w="med" len="med"/>
-                          <a:tailEnd type="none" w="med" len="med"/>
-                        </a:lnR>
-                        <a:lnT w="12700" cap="flat" cmpd="sng" algn="ctr">
-                          <a:solidFill>
-                            <a:schemeClr val="bg1">
-                              <a:lumMod val="85000"/>
-                            </a:schemeClr>
-                          </a:solidFill>
-                          <a:prstDash val="solid"/>
-                          <a:round/>
-                          <a:headEnd type="none" w="med" len="med"/>
-                          <a:tailEnd type="none" w="med" len="med"/>
-                        </a:lnT>
-                        <a:lnB w="12700" cap="flat" cmpd="sng" algn="ctr">
-                          <a:solidFill>
-                            <a:schemeClr val="bg1">
-                              <a:lumMod val="85000"/>
-                            </a:schemeClr>
-                          </a:solidFill>
-                          <a:prstDash val="solid"/>
-                          <a:round/>
-                          <a:headEnd type="none" w="med" len="med"/>
-                          <a:tailEnd type="none" w="med" len="med"/>
-                        </a:lnB>
-                        <a:solidFill>
-                          <a:srgbClr val="FAFAFA"/>
-                        </a:solidFill>
-                      </a:tcPr>
-                    </a:tc>
-                    <a:tc>
-                      <a:txBody>
-                        <a:bodyPr/>
-                        <a:lstStyle/>
-                        <a:p>
-                          <a:endParaRPr lang="en-MX"/>
-                        </a:p>
-                      </a:txBody>
-                      <a:tcPr anchor="ctr">
-                        <a:lnL w="12700" cap="flat" cmpd="sng" algn="ctr">
-                          <a:solidFill>
-                            <a:schemeClr val="bg1">
-                              <a:lumMod val="85000"/>
-                            </a:schemeClr>
-                          </a:solidFill>
-                          <a:prstDash val="solid"/>
-                          <a:round/>
-                          <a:headEnd type="none" w="med" len="med"/>
-                          <a:tailEnd type="none" w="med" len="med"/>
-                        </a:lnL>
-                        <a:lnR w="12700" cap="flat" cmpd="sng" algn="ctr">
-                          <a:solidFill>
-                            <a:schemeClr val="bg1">
-                              <a:lumMod val="85000"/>
-                            </a:schemeClr>
-                          </a:solidFill>
-                          <a:prstDash val="solid"/>
-                          <a:round/>
-                          <a:headEnd type="none" w="med" len="med"/>
-                          <a:tailEnd type="none" w="med" len="med"/>
-                        </a:lnR>
-                        <a:lnT w="12700" cap="flat" cmpd="sng" algn="ctr">
-                          <a:solidFill>
-                            <a:schemeClr val="bg1">
-                              <a:lumMod val="85000"/>
-                            </a:schemeClr>
-                          </a:solidFill>
-                          <a:prstDash val="solid"/>
-                          <a:round/>
-                          <a:headEnd type="none" w="med" len="med"/>
-                          <a:tailEnd type="none" w="med" len="med"/>
-                        </a:lnT>
-                        <a:lnB w="12700" cap="flat" cmpd="sng" algn="ctr">
-                          <a:solidFill>
-                            <a:schemeClr val="bg1">
-                              <a:lumMod val="85000"/>
-                            </a:schemeClr>
-                          </a:solidFill>
-                          <a:prstDash val="solid"/>
-                          <a:round/>
-                          <a:headEnd type="none" w="med" len="med"/>
-                          <a:tailEnd type="none" w="med" len="med"/>
-                        </a:lnB>
-                        <a:blipFill>
-                          <a:blip r:embed="rId4"/>
-                          <a:stretch>
-                            <a:fillRect l="-153947" t="-182353" r="-882895" b="-438235"/>
-                          </a:stretch>
-                        </a:blipFill>
-                      </a:tcPr>
-                    </a:tc>
-                    <a:tc>
-                      <a:txBody>
-                        <a:bodyPr/>
-                        <a:lstStyle/>
-                        <a:p>
-                          <a:endParaRPr lang="en-MX"/>
-                        </a:p>
-                      </a:txBody>
-                      <a:tcPr anchor="ctr">
-                        <a:lnL w="12700" cap="flat" cmpd="sng" algn="ctr">
-                          <a:solidFill>
-                            <a:schemeClr val="bg1">
-                              <a:lumMod val="85000"/>
-                            </a:schemeClr>
-                          </a:solidFill>
-                          <a:prstDash val="solid"/>
-                          <a:round/>
-                          <a:headEnd type="none" w="med" len="med"/>
-                          <a:tailEnd type="none" w="med" len="med"/>
-                        </a:lnL>
-                        <a:lnR w="12700" cap="flat" cmpd="sng" algn="ctr">
-                          <a:solidFill>
-                            <a:schemeClr val="bg1">
-                              <a:lumMod val="85000"/>
-                            </a:schemeClr>
-                          </a:solidFill>
-                          <a:prstDash val="solid"/>
-                          <a:round/>
-                          <a:headEnd type="none" w="med" len="med"/>
-                          <a:tailEnd type="none" w="med" len="med"/>
-                        </a:lnR>
-                        <a:lnT w="12700" cap="flat" cmpd="sng" algn="ctr">
-                          <a:solidFill>
-                            <a:schemeClr val="bg1">
-                              <a:lumMod val="85000"/>
-                            </a:schemeClr>
-                          </a:solidFill>
-                          <a:prstDash val="solid"/>
-                          <a:round/>
-                          <a:headEnd type="none" w="med" len="med"/>
-                          <a:tailEnd type="none" w="med" len="med"/>
-                        </a:lnT>
-                        <a:lnB w="12700" cap="flat" cmpd="sng" algn="ctr">
-                          <a:solidFill>
-                            <a:schemeClr val="bg1">
-                              <a:lumMod val="85000"/>
-                            </a:schemeClr>
-                          </a:solidFill>
-                          <a:prstDash val="solid"/>
-                          <a:round/>
-                          <a:headEnd type="none" w="med" len="med"/>
-                          <a:tailEnd type="none" w="med" len="med"/>
-                        </a:lnB>
-                        <a:blipFill>
-                          <a:blip r:embed="rId4"/>
-                          <a:stretch>
-                            <a:fillRect l="-253947" t="-182353" r="-782895" b="-438235"/>
-                          </a:stretch>
-                        </a:blipFill>
-                      </a:tcPr>
-                    </a:tc>
-                    <a:tc>
-                      <a:txBody>
-                        <a:bodyPr/>
-                        <a:lstStyle/>
-                        <a:p>
-                          <a:endParaRPr lang="en-MX"/>
-                        </a:p>
-                      </a:txBody>
-                      <a:tcPr anchor="ctr">
-                        <a:lnL w="12700" cap="flat" cmpd="sng" algn="ctr">
-                          <a:solidFill>
-                            <a:schemeClr val="bg1">
-                              <a:lumMod val="85000"/>
-                            </a:schemeClr>
-                          </a:solidFill>
-                          <a:prstDash val="solid"/>
-                          <a:round/>
-                          <a:headEnd type="none" w="med" len="med"/>
-                          <a:tailEnd type="none" w="med" len="med"/>
-                        </a:lnL>
-                        <a:lnR w="12700" cap="flat" cmpd="sng" algn="ctr">
-                          <a:solidFill>
-                            <a:schemeClr val="bg1">
-                              <a:lumMod val="85000"/>
-                            </a:schemeClr>
-                          </a:solidFill>
-                          <a:prstDash val="solid"/>
-                          <a:round/>
-                          <a:headEnd type="none" w="med" len="med"/>
-                          <a:tailEnd type="none" w="med" len="med"/>
-                        </a:lnR>
-                        <a:lnT w="12700" cap="flat" cmpd="sng" algn="ctr">
-                          <a:solidFill>
-                            <a:schemeClr val="bg1">
-                              <a:lumMod val="85000"/>
-                            </a:schemeClr>
-                          </a:solidFill>
-                          <a:prstDash val="solid"/>
-                          <a:round/>
-                          <a:headEnd type="none" w="med" len="med"/>
-                          <a:tailEnd type="none" w="med" len="med"/>
-                        </a:lnT>
-                        <a:lnB w="12700" cap="flat" cmpd="sng" algn="ctr">
-                          <a:solidFill>
-                            <a:schemeClr val="bg1">
-                              <a:lumMod val="85000"/>
-                            </a:schemeClr>
-                          </a:solidFill>
-                          <a:prstDash val="solid"/>
-                          <a:round/>
-                          <a:headEnd type="none" w="med" len="med"/>
-                          <a:tailEnd type="none" w="med" len="med"/>
-                        </a:lnB>
-                        <a:blipFill>
-                          <a:blip r:embed="rId4"/>
-                          <a:stretch>
-                            <a:fillRect l="-353947" t="-182353" r="-682895" b="-438235"/>
-                          </a:stretch>
-                        </a:blipFill>
-                      </a:tcPr>
-                    </a:tc>
-                    <a:tc>
-                      <a:txBody>
-                        <a:bodyPr/>
-                        <a:lstStyle/>
-                        <a:p>
-                          <a:pPr algn="l"/>
-                          <a:r>
-                            <a:rPr lang="es-ES_tradnl" sz="1100" noProof="0" dirty="0">
-                              <a:solidFill>
-                                <a:schemeClr val="tx1">
-                                  <a:lumMod val="75000"/>
-                                  <a:lumOff val="25000"/>
-                                </a:schemeClr>
-                              </a:solidFill>
-                              <a:latin typeface="Google Sans" panose="020B0503030502040204" pitchFamily="34" charset="0"/>
-                            </a:rPr>
-                            <a:t>En cuanto espacio auxiliar, esa es peor que ordenamiento burbuja, pero en cuanto eficiencia es mejor.</a:t>
-                          </a:r>
-                        </a:p>
-                      </a:txBody>
-                      <a:tcPr anchor="ctr">
-                        <a:lnL w="12700" cap="flat" cmpd="sng" algn="ctr">
-                          <a:solidFill>
-                            <a:schemeClr val="bg1">
-                              <a:lumMod val="85000"/>
-                            </a:schemeClr>
-                          </a:solidFill>
-                          <a:prstDash val="solid"/>
-                          <a:round/>
-                          <a:headEnd type="none" w="med" len="med"/>
-                          <a:tailEnd type="none" w="med" len="med"/>
-                        </a:lnL>
-                        <a:lnR w="12700" cap="flat" cmpd="sng" algn="ctr">
-                          <a:solidFill>
-                            <a:schemeClr val="bg1">
-                              <a:lumMod val="85000"/>
-                            </a:schemeClr>
-                          </a:solidFill>
-                          <a:prstDash val="solid"/>
-                          <a:round/>
-                          <a:headEnd type="none" w="med" len="med"/>
-                          <a:tailEnd type="none" w="med" len="med"/>
-                        </a:lnR>
-                        <a:lnT w="12700" cap="flat" cmpd="sng" algn="ctr">
-                          <a:solidFill>
-                            <a:schemeClr val="bg1">
-                              <a:lumMod val="85000"/>
-                            </a:schemeClr>
-                          </a:solidFill>
-                          <a:prstDash val="solid"/>
-                          <a:round/>
-                          <a:headEnd type="none" w="med" len="med"/>
-                          <a:tailEnd type="none" w="med" len="med"/>
-                        </a:lnT>
-                        <a:lnB w="12700" cap="flat" cmpd="sng" algn="ctr">
-                          <a:solidFill>
-                            <a:schemeClr val="bg1">
-                              <a:lumMod val="85000"/>
-                            </a:schemeClr>
-                          </a:solidFill>
-                          <a:prstDash val="solid"/>
-                          <a:round/>
-                          <a:headEnd type="none" w="med" len="med"/>
-                          <a:tailEnd type="none" w="med" len="med"/>
-                        </a:lnB>
-                        <a:noFill/>
-                      </a:tcPr>
-                    </a:tc>
-                    <a:extLst>
-                      <a:ext uri="{0D108BD9-81ED-4DB2-BD59-A6C34878D82A}">
-                        <a16:rowId xmlns:a16="http://schemas.microsoft.com/office/drawing/2014/main" val="3231586600"/>
-                      </a:ext>
-                    </a:extLst>
-                  </a:tr>
-                  <a:tr h="1600200">
-                    <a:tc>
-                      <a:txBody>
-                        <a:bodyPr/>
-                        <a:lstStyle/>
-                        <a:p>
-                          <a:pPr marL="88900" indent="0" algn="l">
-                            <a:tabLst/>
-                          </a:pPr>
-                          <a:r>
-                            <a:rPr lang="es-ES_tradnl" sz="1100" noProof="0" dirty="0" err="1">
-                              <a:solidFill>
-                                <a:schemeClr val="tx1">
-                                  <a:lumMod val="75000"/>
-                                  <a:lumOff val="25000"/>
-                                </a:schemeClr>
-                              </a:solidFill>
-                              <a:latin typeface="Google Sans" panose="020B0503030502040204" pitchFamily="34" charset="0"/>
-                            </a:rPr>
-                            <a:t>Quicksort</a:t>
-                          </a:r>
-                          <a:endParaRPr lang="es-ES_tradnl" sz="1100" noProof="0" dirty="0">
-                            <a:solidFill>
-                              <a:schemeClr val="tx1">
-                                <a:lumMod val="75000"/>
-                                <a:lumOff val="25000"/>
-                              </a:schemeClr>
-                            </a:solidFill>
-                            <a:latin typeface="Google Sans" panose="020B0503030502040204" pitchFamily="34" charset="0"/>
-                          </a:endParaRPr>
-                        </a:p>
-                      </a:txBody>
-                      <a:tcPr anchor="ctr">
-                        <a:lnR w="12700" cap="flat" cmpd="sng" algn="ctr">
-                          <a:solidFill>
-                            <a:schemeClr val="bg1">
-                              <a:lumMod val="85000"/>
-                            </a:schemeClr>
-                          </a:solidFill>
-                          <a:prstDash val="solid"/>
-                          <a:round/>
-                          <a:headEnd type="none" w="med" len="med"/>
-                          <a:tailEnd type="none" w="med" len="med"/>
-                        </a:lnR>
-                        <a:lnT w="12700" cap="flat" cmpd="sng" algn="ctr">
-                          <a:solidFill>
-                            <a:schemeClr val="bg1">
-                              <a:lumMod val="85000"/>
-                            </a:schemeClr>
-                          </a:solidFill>
-                          <a:prstDash val="solid"/>
-                          <a:round/>
-                          <a:headEnd type="none" w="med" len="med"/>
-                          <a:tailEnd type="none" w="med" len="med"/>
-                        </a:lnT>
-                        <a:lnB w="12700" cap="flat" cmpd="sng" algn="ctr">
-                          <a:solidFill>
-                            <a:schemeClr val="bg1">
-                              <a:lumMod val="85000"/>
-                            </a:schemeClr>
-                          </a:solidFill>
-                          <a:prstDash val="solid"/>
-                          <a:round/>
-                          <a:headEnd type="none" w="med" len="med"/>
-                          <a:tailEnd type="none" w="med" len="med"/>
-                        </a:lnB>
-                        <a:solidFill>
-                          <a:srgbClr val="FAFAFA"/>
-                        </a:solidFill>
-                      </a:tcPr>
-                    </a:tc>
-                    <a:tc>
-                      <a:txBody>
-                        <a:bodyPr/>
-                        <a:lstStyle/>
-                        <a:p>
-                          <a:endParaRPr lang="en-MX"/>
-                        </a:p>
-                      </a:txBody>
-                      <a:tcPr anchor="ctr">
-                        <a:lnL w="12700" cap="flat" cmpd="sng" algn="ctr">
-                          <a:solidFill>
-                            <a:schemeClr val="bg1">
-                              <a:lumMod val="85000"/>
-                            </a:schemeClr>
-                          </a:solidFill>
-                          <a:prstDash val="solid"/>
-                          <a:round/>
-                          <a:headEnd type="none" w="med" len="med"/>
-                          <a:tailEnd type="none" w="med" len="med"/>
-                        </a:lnL>
-                        <a:lnR w="12700" cap="flat" cmpd="sng" algn="ctr">
-                          <a:solidFill>
-                            <a:schemeClr val="bg1">
-                              <a:lumMod val="85000"/>
-                            </a:schemeClr>
-                          </a:solidFill>
-                          <a:prstDash val="solid"/>
-                          <a:round/>
-                          <a:headEnd type="none" w="med" len="med"/>
-                          <a:tailEnd type="none" w="med" len="med"/>
-                        </a:lnR>
-                        <a:lnT w="12700" cap="flat" cmpd="sng" algn="ctr">
-                          <a:solidFill>
-                            <a:schemeClr val="bg1">
-                              <a:lumMod val="85000"/>
-                            </a:schemeClr>
-                          </a:solidFill>
-                          <a:prstDash val="solid"/>
-                          <a:round/>
-                          <a:headEnd type="none" w="med" len="med"/>
-                          <a:tailEnd type="none" w="med" len="med"/>
-                        </a:lnT>
-                        <a:lnB w="12700" cap="flat" cmpd="sng" algn="ctr">
-                          <a:solidFill>
-                            <a:schemeClr val="bg1">
-                              <a:lumMod val="85000"/>
-                            </a:schemeClr>
-                          </a:solidFill>
-                          <a:prstDash val="solid"/>
-                          <a:round/>
-                          <a:headEnd type="none" w="med" len="med"/>
-                          <a:tailEnd type="none" w="med" len="med"/>
-                        </a:lnB>
-                        <a:blipFill>
-                          <a:blip r:embed="rId4"/>
-                          <a:stretch>
-                            <a:fillRect l="-153947" t="-75591" r="-882895" b="-17323"/>
-                          </a:stretch>
-                        </a:blipFill>
-                      </a:tcPr>
-                    </a:tc>
-                    <a:tc>
-                      <a:txBody>
-                        <a:bodyPr/>
-                        <a:lstStyle/>
-                        <a:p>
-                          <a:endParaRPr lang="en-MX"/>
-                        </a:p>
-                      </a:txBody>
-                      <a:tcPr anchor="ctr">
-                        <a:lnL w="12700" cap="flat" cmpd="sng" algn="ctr">
-                          <a:solidFill>
-                            <a:schemeClr val="bg1">
-                              <a:lumMod val="85000"/>
-                            </a:schemeClr>
-                          </a:solidFill>
-                          <a:prstDash val="solid"/>
-                          <a:round/>
-                          <a:headEnd type="none" w="med" len="med"/>
-                          <a:tailEnd type="none" w="med" len="med"/>
-                        </a:lnL>
-                        <a:lnR w="12700" cap="flat" cmpd="sng" algn="ctr">
-                          <a:solidFill>
-                            <a:schemeClr val="bg1">
-                              <a:lumMod val="85000"/>
-                            </a:schemeClr>
-                          </a:solidFill>
-                          <a:prstDash val="solid"/>
-                          <a:round/>
-                          <a:headEnd type="none" w="med" len="med"/>
-                          <a:tailEnd type="none" w="med" len="med"/>
-                        </a:lnR>
-                        <a:lnT w="12700" cap="flat" cmpd="sng" algn="ctr">
-                          <a:solidFill>
-                            <a:schemeClr val="bg1">
-                              <a:lumMod val="85000"/>
-                            </a:schemeClr>
-                          </a:solidFill>
-                          <a:prstDash val="solid"/>
-                          <a:round/>
-                          <a:headEnd type="none" w="med" len="med"/>
-                          <a:tailEnd type="none" w="med" len="med"/>
-                        </a:lnT>
-                        <a:lnB w="12700" cap="flat" cmpd="sng" algn="ctr">
-                          <a:solidFill>
-                            <a:schemeClr val="bg1">
-                              <a:lumMod val="85000"/>
-                            </a:schemeClr>
-                          </a:solidFill>
-                          <a:prstDash val="solid"/>
-                          <a:round/>
-                          <a:headEnd type="none" w="med" len="med"/>
-                          <a:tailEnd type="none" w="med" len="med"/>
-                        </a:lnB>
-                        <a:blipFill>
-                          <a:blip r:embed="rId4"/>
-                          <a:stretch>
-                            <a:fillRect l="-253947" t="-75591" r="-782895" b="-17323"/>
-                          </a:stretch>
-                        </a:blipFill>
-                      </a:tcPr>
-                    </a:tc>
-                    <a:tc>
-                      <a:txBody>
-                        <a:bodyPr/>
-                        <a:lstStyle/>
-                        <a:p>
-                          <a:endParaRPr lang="en-MX"/>
-                        </a:p>
-                      </a:txBody>
-                      <a:tcPr anchor="ctr">
-                        <a:lnL w="12700" cap="flat" cmpd="sng" algn="ctr">
-                          <a:solidFill>
-                            <a:schemeClr val="bg1">
-                              <a:lumMod val="85000"/>
-                            </a:schemeClr>
-                          </a:solidFill>
-                          <a:prstDash val="solid"/>
-                          <a:round/>
-                          <a:headEnd type="none" w="med" len="med"/>
-                          <a:tailEnd type="none" w="med" len="med"/>
-                        </a:lnL>
-                        <a:lnR w="12700" cap="flat" cmpd="sng" algn="ctr">
-                          <a:solidFill>
-                            <a:schemeClr val="bg1">
-                              <a:lumMod val="85000"/>
-                            </a:schemeClr>
-                          </a:solidFill>
-                          <a:prstDash val="solid"/>
-                          <a:round/>
-                          <a:headEnd type="none" w="med" len="med"/>
-                          <a:tailEnd type="none" w="med" len="med"/>
-                        </a:lnR>
-                        <a:lnT w="12700" cap="flat" cmpd="sng" algn="ctr">
-                          <a:solidFill>
-                            <a:schemeClr val="bg1">
-                              <a:lumMod val="85000"/>
-                            </a:schemeClr>
-                          </a:solidFill>
-                          <a:prstDash val="solid"/>
-                          <a:round/>
-                          <a:headEnd type="none" w="med" len="med"/>
-                          <a:tailEnd type="none" w="med" len="med"/>
-                        </a:lnT>
-                        <a:lnB w="12700" cap="flat" cmpd="sng" algn="ctr">
-                          <a:solidFill>
-                            <a:schemeClr val="bg1">
-                              <a:lumMod val="85000"/>
-                            </a:schemeClr>
-                          </a:solidFill>
-                          <a:prstDash val="solid"/>
-                          <a:round/>
-                          <a:headEnd type="none" w="med" len="med"/>
-                          <a:tailEnd type="none" w="med" len="med"/>
-                        </a:lnB>
-                        <a:blipFill>
-                          <a:blip r:embed="rId4"/>
-                          <a:stretch>
-                            <a:fillRect l="-353947" t="-75591" r="-682895" b="-17323"/>
-                          </a:stretch>
-                        </a:blipFill>
-                      </a:tcPr>
-                    </a:tc>
-                    <a:tc>
-                      <a:txBody>
-                        <a:bodyPr/>
-                        <a:lstStyle/>
-                        <a:p>
-                          <a:pPr algn="l"/>
-                          <a:r>
-                            <a:rPr lang="es-ES_tradnl" sz="1100" noProof="0" dirty="0">
-                              <a:solidFill>
-                                <a:schemeClr val="tx1">
-                                  <a:lumMod val="75000"/>
-                                  <a:lumOff val="25000"/>
-                                </a:schemeClr>
-                              </a:solidFill>
-                              <a:latin typeface="Google Sans" panose="020B0503030502040204" pitchFamily="34" charset="0"/>
-                            </a:rPr>
-                            <a:t>Se elige el último nº (no fijado) como el ancla y se compara con el primero y el penúltimo elemento de la lista.</a:t>
-                          </a:r>
-                        </a:p>
-                        <a:p>
-                          <a:pPr algn="l"/>
-                          <a:endParaRPr lang="es-ES_tradnl" sz="1100" noProof="0" dirty="0">
-                            <a:solidFill>
-                              <a:schemeClr val="tx1">
-                                <a:lumMod val="75000"/>
-                                <a:lumOff val="25000"/>
-                              </a:schemeClr>
-                            </a:solidFill>
-                            <a:latin typeface="Google Sans" panose="020B0503030502040204" pitchFamily="34" charset="0"/>
-                          </a:endParaRPr>
-                        </a:p>
-                        <a:p>
-                          <a:pPr algn="l"/>
-                          <a:r>
-                            <a:rPr lang="es-ES_tradnl" sz="1100" noProof="0" dirty="0" err="1">
-                              <a:solidFill>
-                                <a:schemeClr val="tx1">
-                                  <a:lumMod val="75000"/>
-                                  <a:lumOff val="25000"/>
-                                </a:schemeClr>
-                              </a:solidFill>
-                              <a:latin typeface="Google Sans" panose="020B0503030502040204" pitchFamily="34" charset="0"/>
-                            </a:rPr>
-                            <a:t>Worst</a:t>
-                          </a:r>
-                          <a:r>
-                            <a:rPr lang="es-ES_tradnl" sz="1100" noProof="0" dirty="0">
-                              <a:solidFill>
-                                <a:schemeClr val="tx1">
-                                  <a:lumMod val="75000"/>
-                                  <a:lumOff val="25000"/>
-                                </a:schemeClr>
-                              </a:solidFill>
-                              <a:latin typeface="Google Sans" panose="020B0503030502040204" pitchFamily="34" charset="0"/>
-                            </a:rPr>
-                            <a:t> case: El final de la lista ya esta organizada (los últimos 2 elementos - termina comparando todo con todo)</a:t>
-                          </a:r>
-                          <a:br>
-                            <a:rPr lang="es-ES_tradnl" sz="1100" noProof="0" dirty="0">
-                              <a:solidFill>
-                                <a:schemeClr val="tx1">
-                                  <a:lumMod val="75000"/>
-                                  <a:lumOff val="25000"/>
-                                </a:schemeClr>
-                              </a:solidFill>
-                              <a:latin typeface="Google Sans" panose="020B0503030502040204" pitchFamily="34" charset="0"/>
-                            </a:rPr>
-                          </a:br>
-                          <a:br>
-                            <a:rPr lang="es-ES_tradnl" sz="1100" noProof="0" dirty="0">
-                              <a:solidFill>
-                                <a:schemeClr val="tx1">
-                                  <a:lumMod val="75000"/>
-                                  <a:lumOff val="25000"/>
-                                </a:schemeClr>
-                              </a:solidFill>
-                              <a:latin typeface="Google Sans" panose="020B0503030502040204" pitchFamily="34" charset="0"/>
-                            </a:rPr>
-                          </a:br>
-                          <a:r>
-                            <a:rPr lang="es-ES_tradnl" sz="1100" noProof="0" dirty="0">
-                              <a:solidFill>
-                                <a:schemeClr val="tx1">
-                                  <a:lumMod val="75000"/>
-                                  <a:lumOff val="25000"/>
-                                </a:schemeClr>
-                              </a:solidFill>
-                              <a:latin typeface="Google Sans" panose="020B0503030502040204" pitchFamily="34" charset="0"/>
-                            </a:rPr>
-                            <a:t>Se puede correr análisis asincrónico y </a:t>
-                          </a:r>
-                          <a:r>
-                            <a:rPr lang="es-ES_tradnl" sz="1100" noProof="0" dirty="0" err="1">
-                              <a:solidFill>
-                                <a:schemeClr val="tx1">
-                                  <a:lumMod val="75000"/>
-                                  <a:lumOff val="25000"/>
-                                </a:schemeClr>
-                              </a:solidFill>
-                              <a:latin typeface="Google Sans" panose="020B0503030502040204" pitchFamily="34" charset="0"/>
-                            </a:rPr>
-                            <a:t>eligir</a:t>
-                          </a:r>
-                          <a:r>
-                            <a:rPr lang="es-ES_tradnl" sz="1100" noProof="0" dirty="0">
-                              <a:solidFill>
-                                <a:schemeClr val="tx1">
-                                  <a:lumMod val="75000"/>
-                                  <a:lumOff val="25000"/>
-                                </a:schemeClr>
-                              </a:solidFill>
-                              <a:latin typeface="Google Sans" panose="020B0503030502040204" pitchFamily="34" charset="0"/>
-                            </a:rPr>
-                            <a:t> otro nº como ancla para hacerlo más eficiente.</a:t>
-                          </a:r>
-                        </a:p>
-                        <a:p>
-                          <a:pPr algn="l"/>
-                          <a:endParaRPr lang="es-ES_tradnl" sz="1100" noProof="0" dirty="0">
-                            <a:solidFill>
-                              <a:schemeClr val="tx1">
-                                <a:lumMod val="75000"/>
-                                <a:lumOff val="25000"/>
-                              </a:schemeClr>
-                            </a:solidFill>
-                            <a:latin typeface="Google Sans" panose="020B0503030502040204" pitchFamily="34" charset="0"/>
-                          </a:endParaRPr>
-                        </a:p>
-                        <a:p>
-                          <a:pPr algn="l"/>
-                          <a:r>
-                            <a:rPr lang="es-ES_tradnl" sz="1100" noProof="0" dirty="0">
-                              <a:solidFill>
-                                <a:schemeClr val="tx1">
-                                  <a:lumMod val="75000"/>
-                                  <a:lumOff val="25000"/>
-                                </a:schemeClr>
-                              </a:solidFill>
-                              <a:latin typeface="Google Sans" panose="020B0503030502040204" pitchFamily="34" charset="0"/>
-                            </a:rPr>
-                            <a:t>Espacio auxiliar constante.</a:t>
-                          </a:r>
-                        </a:p>
-                      </a:txBody>
-                      <a:tcPr anchor="ctr">
-                        <a:lnL w="12700" cap="flat" cmpd="sng" algn="ctr">
-                          <a:solidFill>
-                            <a:schemeClr val="bg1">
-                              <a:lumMod val="85000"/>
-                            </a:schemeClr>
-                          </a:solidFill>
-                          <a:prstDash val="solid"/>
-                          <a:round/>
-                          <a:headEnd type="none" w="med" len="med"/>
-                          <a:tailEnd type="none" w="med" len="med"/>
-                        </a:lnL>
-                        <a:lnR w="12700" cap="flat" cmpd="sng" algn="ctr">
-                          <a:solidFill>
-                            <a:schemeClr val="bg1">
-                              <a:lumMod val="85000"/>
-                            </a:schemeClr>
-                          </a:solidFill>
-                          <a:prstDash val="solid"/>
-                          <a:round/>
-                          <a:headEnd type="none" w="med" len="med"/>
-                          <a:tailEnd type="none" w="med" len="med"/>
-                        </a:lnR>
-                        <a:lnT w="12700" cap="flat" cmpd="sng" algn="ctr">
-                          <a:solidFill>
-                            <a:schemeClr val="bg1">
-                              <a:lumMod val="85000"/>
-                            </a:schemeClr>
-                          </a:solidFill>
-                          <a:prstDash val="solid"/>
-                          <a:round/>
-                          <a:headEnd type="none" w="med" len="med"/>
-                          <a:tailEnd type="none" w="med" len="med"/>
-                        </a:lnT>
-                        <a:lnB w="12700" cap="flat" cmpd="sng" algn="ctr">
-                          <a:solidFill>
-                            <a:schemeClr val="bg1">
-                              <a:lumMod val="85000"/>
-                            </a:schemeClr>
-                          </a:solidFill>
-                          <a:prstDash val="solid"/>
-                          <a:round/>
-                          <a:headEnd type="none" w="med" len="med"/>
-                          <a:tailEnd type="none" w="med" len="med"/>
-                        </a:lnB>
-                        <a:noFill/>
-                      </a:tcPr>
-                    </a:tc>
-                    <a:extLst>
-                      <a:ext uri="{0D108BD9-81ED-4DB2-BD59-A6C34878D82A}">
-                        <a16:rowId xmlns:a16="http://schemas.microsoft.com/office/drawing/2014/main" val="62859788"/>
-                      </a:ext>
-                    </a:extLst>
-                  </a:tr>
-                  <a:tr h="259080">
-                    <a:tc>
-                      <a:txBody>
-                        <a:bodyPr/>
-                        <a:lstStyle/>
-                        <a:p>
-                          <a:pPr marL="88900" indent="0" algn="l">
-                            <a:tabLst/>
-                          </a:pPr>
-                          <a:r>
-                            <a:rPr lang="es-ES_tradnl" sz="1100" noProof="0" dirty="0" err="1">
-                              <a:solidFill>
-                                <a:schemeClr val="tx1">
-                                  <a:lumMod val="75000"/>
-                                  <a:lumOff val="25000"/>
-                                </a:schemeClr>
-                              </a:solidFill>
-                              <a:latin typeface="Google Sans" panose="020B0503030502040204" pitchFamily="34" charset="0"/>
-                            </a:rPr>
-                            <a:t>Heap</a:t>
-                          </a:r>
-                          <a:endParaRPr lang="es-ES_tradnl" sz="1100" noProof="0" dirty="0">
-                            <a:solidFill>
-                              <a:schemeClr val="tx1">
-                                <a:lumMod val="75000"/>
-                                <a:lumOff val="25000"/>
-                              </a:schemeClr>
-                            </a:solidFill>
-                            <a:latin typeface="Google Sans" panose="020B0503030502040204" pitchFamily="34" charset="0"/>
-                          </a:endParaRPr>
-                        </a:p>
-                      </a:txBody>
-                      <a:tcPr anchor="ctr">
-                        <a:lnR w="12700" cap="flat" cmpd="sng" algn="ctr">
-                          <a:solidFill>
-                            <a:schemeClr val="bg1">
-                              <a:lumMod val="85000"/>
-                            </a:schemeClr>
-                          </a:solidFill>
-                          <a:prstDash val="solid"/>
-                          <a:round/>
-                          <a:headEnd type="none" w="med" len="med"/>
-                          <a:tailEnd type="none" w="med" len="med"/>
-                        </a:lnR>
-                        <a:lnT w="12700" cap="flat" cmpd="sng" algn="ctr">
-                          <a:solidFill>
-                            <a:schemeClr val="bg1">
-                              <a:lumMod val="85000"/>
-                            </a:schemeClr>
-                          </a:solidFill>
-                          <a:prstDash val="solid"/>
-                          <a:round/>
-                          <a:headEnd type="none" w="med" len="med"/>
-                          <a:tailEnd type="none" w="med" len="med"/>
-                        </a:lnT>
-                        <a:lnB w="12700" cap="flat" cmpd="sng" algn="ctr">
-                          <a:solidFill>
-                            <a:schemeClr val="bg1">
-                              <a:lumMod val="85000"/>
-                            </a:schemeClr>
-                          </a:solidFill>
-                          <a:prstDash val="solid"/>
-                          <a:round/>
-                          <a:headEnd type="none" w="med" len="med"/>
-                          <a:tailEnd type="none" w="med" len="med"/>
-                        </a:lnB>
-                        <a:solidFill>
-                          <a:srgbClr val="FAFAFA"/>
-                        </a:solidFill>
-                      </a:tcPr>
-                    </a:tc>
-                    <a:tc>
-                      <a:txBody>
-                        <a:bodyPr/>
-                        <a:lstStyle/>
-                        <a:p>
-                          <a:endParaRPr lang="en-MX"/>
-                        </a:p>
-                      </a:txBody>
-                      <a:tcPr anchor="ctr">
-                        <a:lnL w="12700" cap="flat" cmpd="sng" algn="ctr">
-                          <a:solidFill>
-                            <a:schemeClr val="bg1">
-                              <a:lumMod val="85000"/>
-                            </a:schemeClr>
-                          </a:solidFill>
-                          <a:prstDash val="solid"/>
-                          <a:round/>
-                          <a:headEnd type="none" w="med" len="med"/>
-                          <a:tailEnd type="none" w="med" len="med"/>
-                        </a:lnL>
-                        <a:lnR w="12700" cap="flat" cmpd="sng" algn="ctr">
-                          <a:solidFill>
-                            <a:schemeClr val="bg1">
-                              <a:lumMod val="85000"/>
-                            </a:schemeClr>
-                          </a:solidFill>
-                          <a:prstDash val="solid"/>
-                          <a:round/>
-                          <a:headEnd type="none" w="med" len="med"/>
-                          <a:tailEnd type="none" w="med" len="med"/>
-                        </a:lnR>
-                        <a:lnT w="12700" cap="flat" cmpd="sng" algn="ctr">
-                          <a:solidFill>
-                            <a:schemeClr val="bg1">
-                              <a:lumMod val="85000"/>
-                            </a:schemeClr>
-                          </a:solidFill>
-                          <a:prstDash val="solid"/>
-                          <a:round/>
-                          <a:headEnd type="none" w="med" len="med"/>
-                          <a:tailEnd type="none" w="med" len="med"/>
-                        </a:lnT>
-                        <a:lnB w="12700" cap="flat" cmpd="sng" algn="ctr">
-                          <a:solidFill>
-                            <a:schemeClr val="bg1">
-                              <a:lumMod val="85000"/>
-                            </a:schemeClr>
-                          </a:solidFill>
-                          <a:prstDash val="solid"/>
-                          <a:round/>
-                          <a:headEnd type="none" w="med" len="med"/>
-                          <a:tailEnd type="none" w="med" len="med"/>
-                        </a:lnB>
-                        <a:blipFill>
-                          <a:blip r:embed="rId4"/>
-                          <a:stretch>
-                            <a:fillRect l="-153947" t="-1115000" r="-882895" b="-10000"/>
-                          </a:stretch>
-                        </a:blipFill>
-                      </a:tcPr>
-                    </a:tc>
-                    <a:tc>
-                      <a:txBody>
-                        <a:bodyPr/>
-                        <a:lstStyle/>
-                        <a:p>
-                          <a:endParaRPr lang="en-MX"/>
-                        </a:p>
-                      </a:txBody>
-                      <a:tcPr anchor="ctr">
-                        <a:lnL w="12700" cap="flat" cmpd="sng" algn="ctr">
-                          <a:solidFill>
-                            <a:schemeClr val="bg1">
-                              <a:lumMod val="85000"/>
-                            </a:schemeClr>
-                          </a:solidFill>
-                          <a:prstDash val="solid"/>
-                          <a:round/>
-                          <a:headEnd type="none" w="med" len="med"/>
-                          <a:tailEnd type="none" w="med" len="med"/>
-                        </a:lnL>
-                        <a:lnR w="12700" cap="flat" cmpd="sng" algn="ctr">
-                          <a:solidFill>
-                            <a:schemeClr val="bg1">
-                              <a:lumMod val="85000"/>
-                            </a:schemeClr>
-                          </a:solidFill>
-                          <a:prstDash val="solid"/>
-                          <a:round/>
-                          <a:headEnd type="none" w="med" len="med"/>
-                          <a:tailEnd type="none" w="med" len="med"/>
-                        </a:lnR>
-                        <a:lnT w="12700" cap="flat" cmpd="sng" algn="ctr">
-                          <a:solidFill>
-                            <a:schemeClr val="bg1">
-                              <a:lumMod val="85000"/>
-                            </a:schemeClr>
-                          </a:solidFill>
-                          <a:prstDash val="solid"/>
-                          <a:round/>
-                          <a:headEnd type="none" w="med" len="med"/>
-                          <a:tailEnd type="none" w="med" len="med"/>
-                        </a:lnT>
-                        <a:lnB w="12700" cap="flat" cmpd="sng" algn="ctr">
-                          <a:solidFill>
-                            <a:schemeClr val="bg1">
-                              <a:lumMod val="85000"/>
-                            </a:schemeClr>
-                          </a:solidFill>
-                          <a:prstDash val="solid"/>
-                          <a:round/>
-                          <a:headEnd type="none" w="med" len="med"/>
-                          <a:tailEnd type="none" w="med" len="med"/>
-                        </a:lnB>
-                        <a:blipFill>
-                          <a:blip r:embed="rId4"/>
-                          <a:stretch>
-                            <a:fillRect l="-253947" t="-1115000" r="-782895" b="-10000"/>
-                          </a:stretch>
-                        </a:blipFill>
-                      </a:tcPr>
-                    </a:tc>
-                    <a:tc>
-                      <a:txBody>
-                        <a:bodyPr/>
-                        <a:lstStyle/>
-                        <a:p>
-                          <a:endParaRPr lang="en-MX"/>
-                        </a:p>
-                      </a:txBody>
-                      <a:tcPr anchor="ctr">
-                        <a:lnL w="12700" cap="flat" cmpd="sng" algn="ctr">
-                          <a:solidFill>
-                            <a:schemeClr val="bg1">
-                              <a:lumMod val="85000"/>
-                            </a:schemeClr>
-                          </a:solidFill>
-                          <a:prstDash val="solid"/>
-                          <a:round/>
-                          <a:headEnd type="none" w="med" len="med"/>
-                          <a:tailEnd type="none" w="med" len="med"/>
-                        </a:lnL>
-                        <a:lnR w="12700" cap="flat" cmpd="sng" algn="ctr">
-                          <a:solidFill>
-                            <a:schemeClr val="bg1">
-                              <a:lumMod val="85000"/>
-                            </a:schemeClr>
-                          </a:solidFill>
-                          <a:prstDash val="solid"/>
-                          <a:round/>
-                          <a:headEnd type="none" w="med" len="med"/>
-                          <a:tailEnd type="none" w="med" len="med"/>
-                        </a:lnR>
-                        <a:lnT w="12700" cap="flat" cmpd="sng" algn="ctr">
-                          <a:solidFill>
-                            <a:schemeClr val="bg1">
-                              <a:lumMod val="85000"/>
-                            </a:schemeClr>
-                          </a:solidFill>
-                          <a:prstDash val="solid"/>
-                          <a:round/>
-                          <a:headEnd type="none" w="med" len="med"/>
-                          <a:tailEnd type="none" w="med" len="med"/>
-                        </a:lnT>
-                        <a:lnB w="12700" cap="flat" cmpd="sng" algn="ctr">
-                          <a:solidFill>
-                            <a:schemeClr val="bg1">
-                              <a:lumMod val="85000"/>
-                            </a:schemeClr>
-                          </a:solidFill>
-                          <a:prstDash val="solid"/>
-                          <a:round/>
-                          <a:headEnd type="none" w="med" len="med"/>
-                          <a:tailEnd type="none" w="med" len="med"/>
-                        </a:lnB>
-                        <a:blipFill>
-                          <a:blip r:embed="rId4"/>
-                          <a:stretch>
-                            <a:fillRect l="-353947" t="-1115000" r="-682895" b="-10000"/>
-                          </a:stretch>
-                        </a:blipFill>
-                      </a:tcPr>
-                    </a:tc>
-                    <a:tc>
-                      <a:txBody>
-                        <a:bodyPr/>
-                        <a:lstStyle/>
-                        <a:p>
-                          <a:pPr algn="l"/>
-                          <a:r>
-                            <a:rPr lang="es-ES_tradnl" sz="1100" noProof="0" dirty="0">
-                              <a:solidFill>
-                                <a:schemeClr val="tx1">
-                                  <a:lumMod val="75000"/>
-                                  <a:lumOff val="25000"/>
-                                </a:schemeClr>
-                              </a:solidFill>
-                              <a:latin typeface="Google Sans" panose="020B0503030502040204" pitchFamily="34" charset="0"/>
-                            </a:rPr>
-                            <a:t>Parte ordenada vs parte no ordenada.</a:t>
-                          </a:r>
-                        </a:p>
-                      </a:txBody>
-                      <a:tcPr anchor="ctr">
-                        <a:lnL w="12700" cap="flat" cmpd="sng" algn="ctr">
-                          <a:solidFill>
-                            <a:schemeClr val="bg1">
-                              <a:lumMod val="85000"/>
-                            </a:schemeClr>
-                          </a:solidFill>
-                          <a:prstDash val="solid"/>
-                          <a:round/>
-                          <a:headEnd type="none" w="med" len="med"/>
-                          <a:tailEnd type="none" w="med" len="med"/>
-                        </a:lnL>
-                        <a:lnR w="12700" cap="flat" cmpd="sng" algn="ctr">
-                          <a:solidFill>
-                            <a:schemeClr val="bg1">
-                              <a:lumMod val="85000"/>
-                            </a:schemeClr>
-                          </a:solidFill>
-                          <a:prstDash val="solid"/>
-                          <a:round/>
-                          <a:headEnd type="none" w="med" len="med"/>
-                          <a:tailEnd type="none" w="med" len="med"/>
-                        </a:lnR>
-                        <a:lnT w="12700" cap="flat" cmpd="sng" algn="ctr">
-                          <a:solidFill>
-                            <a:schemeClr val="bg1">
-                              <a:lumMod val="85000"/>
-                            </a:schemeClr>
-                          </a:solidFill>
-                          <a:prstDash val="solid"/>
-                          <a:round/>
-                          <a:headEnd type="none" w="med" len="med"/>
-                          <a:tailEnd type="none" w="med" len="med"/>
-                        </a:lnT>
-                        <a:lnB w="12700" cap="flat" cmpd="sng" algn="ctr">
-                          <a:solidFill>
-                            <a:schemeClr val="bg1">
-                              <a:lumMod val="85000"/>
-                            </a:schemeClr>
-                          </a:solidFill>
-                          <a:prstDash val="solid"/>
-                          <a:round/>
-                          <a:headEnd type="none" w="med" len="med"/>
-                          <a:tailEnd type="none" w="med" len="med"/>
-                        </a:lnB>
-                        <a:noFill/>
-                      </a:tcPr>
-                    </a:tc>
-                    <a:extLst>
-                      <a:ext uri="{0D108BD9-81ED-4DB2-BD59-A6C34878D82A}">
-                        <a16:rowId xmlns:a16="http://schemas.microsoft.com/office/drawing/2014/main" val="359714782"/>
-                      </a:ext>
-                    </a:extLst>
-                  </a:tr>
-                </a:tbl>
-              </a:graphicData>
-            </a:graphic>
-          </p:graphicFrame>
-        </mc:Fallback>
-      </mc:AlternateContent>
       <p:sp>
         <p:nvSpPr>
           <p:cNvPr id="17" name="Rectangle 16">
@@ -25208,7 +19032,7 @@
                 <a:cs typeface="Circular Pro Book" panose="020B0604020101020102" pitchFamily="34" charset="77"/>
                 <a:sym typeface="Lato"/>
               </a:rPr>
-              <a:t>Reflexión</a:t>
+              <a:t>Bibliografía</a:t>
             </a:r>
             <a:endParaRPr lang="es-ES_tradnl" sz="2000" b="1" dirty="0">
               <a:solidFill>
@@ -25218,45 +19042,6 @@
               <a:ea typeface="Roboto" panose="02000000000000000000" pitchFamily="2" charset="0"/>
               <a:cs typeface="Circular Pro Book" panose="020B0604020101020102" pitchFamily="34" charset="77"/>
             </a:endParaRPr>
-          </a:p>
-        </p:txBody>
-      </p:sp>
-      <p:sp>
-        <p:nvSpPr>
-          <p:cNvPr id="2" name="TextBox 1">
-            <a:extLst>
-              <a:ext uri="{FF2B5EF4-FFF2-40B4-BE49-F238E27FC236}">
-                <a16:creationId xmlns:a16="http://schemas.microsoft.com/office/drawing/2014/main" id="{55DFA9FA-19EF-E947-9D4D-2FA319894B63}"/>
-              </a:ext>
-            </a:extLst>
-          </p:cNvPr>
-          <p:cNvSpPr txBox="1"/>
-          <p:nvPr/>
-        </p:nvSpPr>
-        <p:spPr>
-          <a:xfrm>
-            <a:off x="804462" y="895531"/>
-            <a:ext cx="10272509" cy="276999"/>
-          </a:xfrm>
-          <a:prstGeom prst="rect">
-            <a:avLst/>
-          </a:prstGeom>
-          <a:noFill/>
-        </p:spPr>
-        <p:txBody>
-          <a:bodyPr wrap="square" rtlCol="0">
-            <a:spAutoFit/>
-          </a:bodyPr>
-          <a:lstStyle/>
-          <a:p>
-            <a:pPr marL="11113"/>
-            <a:r>
-              <a:rPr lang="es-ES_tradnl" sz="1200" dirty="0">
-                <a:latin typeface="Google Sans" panose="020B0503030502040204" pitchFamily="34" charset="0"/>
-                <a:ea typeface="Roboto" panose="02000000000000000000" pitchFamily="2" charset="0"/>
-              </a:rPr>
-              <a:t>Considerando una situación problema de esta naturaleza, realizar una investigación y reflexión sobre:</a:t>
-            </a:r>
           </a:p>
         </p:txBody>
       </p:sp>
@@ -25340,10 +19125,86 @@
       </p:pic>
       <p:sp>
         <p:nvSpPr>
-          <p:cNvPr id="7" name="Oval 6">
+          <p:cNvPr id="4" name="TextBox 3">
             <a:extLst>
               <a:ext uri="{FF2B5EF4-FFF2-40B4-BE49-F238E27FC236}">
-                <a16:creationId xmlns:a16="http://schemas.microsoft.com/office/drawing/2014/main" id="{63667F63-53E2-154E-A0E1-8C4AE1BA28CC}"/>
+                <a16:creationId xmlns:a16="http://schemas.microsoft.com/office/drawing/2014/main" id="{74663556-711C-594F-B86D-39F8BC297F03}"/>
+              </a:ext>
+            </a:extLst>
+          </p:cNvPr>
+          <p:cNvSpPr txBox="1"/>
+          <p:nvPr/>
+        </p:nvSpPr>
+        <p:spPr>
+          <a:xfrm>
+            <a:off x="505113" y="857336"/>
+            <a:ext cx="8429200" cy="252894"/>
+          </a:xfrm>
+          <a:prstGeom prst="rect">
+            <a:avLst/>
+          </a:prstGeom>
+          <a:noFill/>
+        </p:spPr>
+        <p:txBody>
+          <a:bodyPr wrap="square" rtlCol="0">
+            <a:spAutoFit/>
+          </a:bodyPr>
+          <a:lstStyle/>
+          <a:p>
+            <a:r>
+              <a:rPr lang="en-US" sz="1000" dirty="0">
+                <a:hlinkClick r:id="rId4"/>
+              </a:rPr>
+              <a:t>https://www.geeksforgeeks.org/why-quick-sort-preferred-for-arrays-and-merge-sort-for-linked-lists/</a:t>
+            </a:r>
+            <a:endParaRPr lang="en-MX" sz="1000" dirty="0"/>
+          </a:p>
+        </p:txBody>
+      </p:sp>
+      <p:sp>
+        <p:nvSpPr>
+          <p:cNvPr id="12" name="TextBox 11">
+            <a:extLst>
+              <a:ext uri="{FF2B5EF4-FFF2-40B4-BE49-F238E27FC236}">
+                <a16:creationId xmlns:a16="http://schemas.microsoft.com/office/drawing/2014/main" id="{76965545-E78C-F340-901A-81987AC18928}"/>
+              </a:ext>
+            </a:extLst>
+          </p:cNvPr>
+          <p:cNvSpPr txBox="1"/>
+          <p:nvPr/>
+        </p:nvSpPr>
+        <p:spPr>
+          <a:xfrm>
+            <a:off x="505113" y="1340444"/>
+            <a:ext cx="8430540" cy="252894"/>
+          </a:xfrm>
+          <a:prstGeom prst="rect">
+            <a:avLst/>
+          </a:prstGeom>
+          <a:noFill/>
+        </p:spPr>
+        <p:txBody>
+          <a:bodyPr wrap="square" rtlCol="0">
+            <a:spAutoFit/>
+          </a:bodyPr>
+          <a:lstStyle/>
+          <a:p>
+            <a:r>
+              <a:rPr lang="en-US" sz="1000" dirty="0">
+                <a:hlinkClick r:id="rId5"/>
+              </a:rPr>
+              <a:t>https://www.geeksforgeeks.org/iterative-quick-sort/</a:t>
+            </a:r>
+            <a:endParaRPr lang="en-MX" sz="1000" dirty="0"/>
+          </a:p>
+        </p:txBody>
+      </p:sp>
+      <p:sp>
+        <p:nvSpPr>
+          <p:cNvPr id="5" name="Rectangle 4">
+            <a:extLst>
+              <a:ext uri="{FF2B5EF4-FFF2-40B4-BE49-F238E27FC236}">
+                <a16:creationId xmlns:a16="http://schemas.microsoft.com/office/drawing/2014/main" id="{ABC56AFE-BB4F-D24A-863E-E8D20B320D8A}"/>
               </a:ext>
             </a:extLst>
           </p:cNvPr>
@@ -25352,65 +19213,8 @@
         </p:nvSpPr>
         <p:spPr>
           <a:xfrm>
-            <a:off x="503773" y="872381"/>
-            <a:ext cx="300690" cy="300690"/>
-          </a:xfrm>
-          <a:prstGeom prst="ellipse">
-            <a:avLst/>
-          </a:prstGeom>
-          <a:solidFill>
-            <a:srgbClr val="0847A6"/>
-          </a:solidFill>
-          <a:ln>
-            <a:noFill/>
-          </a:ln>
-        </p:spPr>
-        <p:style>
-          <a:lnRef idx="2">
-            <a:schemeClr val="accent1">
-              <a:shade val="50000"/>
-            </a:schemeClr>
-          </a:lnRef>
-          <a:fillRef idx="1">
-            <a:schemeClr val="accent1"/>
-          </a:fillRef>
-          <a:effectRef idx="0">
-            <a:schemeClr val="accent1"/>
-          </a:effectRef>
-          <a:fontRef idx="minor">
-            <a:schemeClr val="lt1"/>
-          </a:fontRef>
-        </p:style>
-        <p:txBody>
-          <a:bodyPr rtlCol="0" anchor="ctr"/>
-          <a:lstStyle/>
-          <a:p>
-            <a:pPr algn="ctr"/>
-            <a:r>
-              <a:rPr lang="en-MX" sz="1200" b="1" dirty="0">
-                <a:latin typeface="Google Sans" panose="020B0503030502040204" pitchFamily="34" charset="0"/>
-              </a:rPr>
-              <a:t>6</a:t>
-            </a:r>
-          </a:p>
-        </p:txBody>
-      </p:sp>
-      <p:sp>
-        <p:nvSpPr>
-          <p:cNvPr id="3" name="Rectangle 2">
-            <a:extLst>
-              <a:ext uri="{FF2B5EF4-FFF2-40B4-BE49-F238E27FC236}">
-                <a16:creationId xmlns:a16="http://schemas.microsoft.com/office/drawing/2014/main" id="{21D1360C-7DF6-F348-9315-B92929737FC3}"/>
-              </a:ext>
-            </a:extLst>
-          </p:cNvPr>
-          <p:cNvSpPr/>
-          <p:nvPr/>
-        </p:nvSpPr>
-        <p:spPr>
-          <a:xfrm>
-            <a:off x="960115" y="1207255"/>
-            <a:ext cx="8668793" cy="276999"/>
+            <a:off x="503773" y="1098890"/>
+            <a:ext cx="8430540" cy="252894"/>
           </a:xfrm>
           <a:prstGeom prst="rect">
             <a:avLst/>
@@ -25422,1028 +19226,131 @@
           </a:bodyPr>
           <a:lstStyle/>
           <a:p>
-            <a:pPr marL="412750" lvl="1" indent="-228600">
-              <a:buFont typeface="+mj-lt"/>
-              <a:buAutoNum type="alphaLcPeriod" startAt="2"/>
-            </a:pPr>
-            <a:r>
-              <a:rPr lang="es-ES_tradnl" sz="1200" dirty="0">
-                <a:latin typeface="Google Sans" panose="020B0503030502040204" pitchFamily="34" charset="0"/>
-                <a:ea typeface="Roboto" panose="02000000000000000000" pitchFamily="2" charset="0"/>
-              </a:rPr>
-              <a:t>la importancia y eficiencia del uso de los diferentes algoritmos de búsqueda</a:t>
-            </a:r>
+            <a:r>
+              <a:rPr lang="en-US" sz="1000" dirty="0">
+                <a:hlinkClick r:id="rId6"/>
+              </a:rPr>
+              <a:t>https://www.geeksforgeeks.org/analysis-of-different-sorting-techniques/</a:t>
+            </a:r>
+            <a:endParaRPr lang="en-MX" sz="1000" dirty="0"/>
           </a:p>
         </p:txBody>
       </p:sp>
-      <mc:AlternateContent xmlns:mc="http://schemas.openxmlformats.org/markup-compatibility/2006" xmlns:a14="http://schemas.microsoft.com/office/drawing/2010/main">
-        <mc:Choice Requires="a14">
-          <p:graphicFrame>
-            <p:nvGraphicFramePr>
-              <p:cNvPr id="12" name="Table 4">
-                <a:extLst>
-                  <a:ext uri="{FF2B5EF4-FFF2-40B4-BE49-F238E27FC236}">
-                    <a16:creationId xmlns:a16="http://schemas.microsoft.com/office/drawing/2014/main" id="{8102D5EA-AEF3-B648-B6FF-80C1E18EE327}"/>
-                  </a:ext>
-                </a:extLst>
-              </p:cNvPr>
-              <p:cNvGraphicFramePr>
-                <a:graphicFrameLocks noGrp="1"/>
-              </p:cNvGraphicFramePr>
-              <p:nvPr>
-                <p:extLst>
-                  <p:ext uri="{D42A27DB-BD31-4B8C-83A1-F6EECF244321}">
-                    <p14:modId xmlns:p14="http://schemas.microsoft.com/office/powerpoint/2010/main" val="2034314982"/>
-                  </p:ext>
-                </p:extLst>
-              </p:nvPr>
-            </p:nvGraphicFramePr>
-            <p:xfrm>
-              <a:off x="525005" y="1693050"/>
-              <a:ext cx="3583858" cy="777240"/>
-            </p:xfrm>
-            <a:graphic>
-              <a:graphicData uri="http://schemas.openxmlformats.org/drawingml/2006/table">
-                <a:tbl>
-                  <a:tblPr firstRow="1" firstCol="1" bandRow="1">
-                    <a:tableStyleId>{5C22544A-7EE6-4342-B048-85BDC9FD1C3A}</a:tableStyleId>
-                  </a:tblPr>
-                  <a:tblGrid>
-                    <a:gridCol w="1600678">
-                      <a:extLst>
-                        <a:ext uri="{9D8B030D-6E8A-4147-A177-3AD203B41FA5}">
-                          <a16:colId xmlns:a16="http://schemas.microsoft.com/office/drawing/2014/main" val="552516167"/>
-                        </a:ext>
-                      </a:extLst>
-                    </a:gridCol>
-                    <a:gridCol w="1983180">
-                      <a:extLst>
-                        <a:ext uri="{9D8B030D-6E8A-4147-A177-3AD203B41FA5}">
-                          <a16:colId xmlns:a16="http://schemas.microsoft.com/office/drawing/2014/main" val="626789005"/>
-                        </a:ext>
-                      </a:extLst>
-                    </a:gridCol>
-                  </a:tblGrid>
-                  <a:tr h="0">
-                    <a:tc>
-                      <a:txBody>
-                        <a:bodyPr/>
-                        <a:lstStyle/>
-                        <a:p>
-                          <a:pPr marL="11113" indent="0" algn="l">
-                            <a:tabLst/>
-                          </a:pPr>
-                          <a:r>
-                            <a:rPr lang="en-MX" sz="1100" dirty="0">
-                              <a:solidFill>
-                                <a:schemeClr val="tx1">
-                                  <a:lumMod val="75000"/>
-                                  <a:lumOff val="25000"/>
-                                </a:schemeClr>
-                              </a:solidFill>
-                              <a:latin typeface="Google Sans" panose="020B0503030502040204" pitchFamily="34" charset="0"/>
-                            </a:rPr>
-                            <a:t>Búsqueda Tipo</a:t>
-                          </a:r>
-                        </a:p>
-                      </a:txBody>
-                      <a:tcPr>
-                        <a:lnR w="12700" cap="flat" cmpd="sng" algn="ctr">
-                          <a:solidFill>
-                            <a:schemeClr val="bg1">
-                              <a:lumMod val="85000"/>
-                            </a:schemeClr>
-                          </a:solidFill>
-                          <a:prstDash val="solid"/>
-                          <a:round/>
-                          <a:headEnd type="none" w="med" len="med"/>
-                          <a:tailEnd type="none" w="med" len="med"/>
-                        </a:lnR>
-                        <a:lnB w="12700" cap="flat" cmpd="sng" algn="ctr">
-                          <a:solidFill>
-                            <a:schemeClr val="bg1">
-                              <a:lumMod val="85000"/>
-                            </a:schemeClr>
-                          </a:solidFill>
-                          <a:prstDash val="solid"/>
-                          <a:round/>
-                          <a:headEnd type="none" w="med" len="med"/>
-                          <a:tailEnd type="none" w="med" len="med"/>
-                        </a:lnB>
-                        <a:solidFill>
-                          <a:schemeClr val="bg1">
-                            <a:lumMod val="95000"/>
-                          </a:schemeClr>
-                        </a:solidFill>
-                      </a:tcPr>
-                    </a:tc>
-                    <a:tc>
-                      <a:txBody>
-                        <a:bodyPr/>
-                        <a:lstStyle/>
-                        <a:p>
-                          <a:pPr algn="l"/>
-                          <a:r>
-                            <a:rPr lang="en-MX" sz="1100" dirty="0">
-                              <a:solidFill>
-                                <a:schemeClr val="tx1">
-                                  <a:lumMod val="75000"/>
-                                  <a:lumOff val="25000"/>
-                                </a:schemeClr>
-                              </a:solidFill>
-                              <a:latin typeface="Google Sans" panose="020B0503030502040204" pitchFamily="34" charset="0"/>
-                            </a:rPr>
-                            <a:t>Big ‘O’ Notation</a:t>
-                          </a:r>
-                        </a:p>
-                      </a:txBody>
-                      <a:tcPr>
-                        <a:lnL w="12700" cap="flat" cmpd="sng" algn="ctr">
-                          <a:solidFill>
-                            <a:schemeClr val="bg1">
-                              <a:lumMod val="85000"/>
-                            </a:schemeClr>
-                          </a:solidFill>
-                          <a:prstDash val="solid"/>
-                          <a:round/>
-                          <a:headEnd type="none" w="med" len="med"/>
-                          <a:tailEnd type="none" w="med" len="med"/>
-                        </a:lnL>
-                        <a:lnR w="12700" cap="flat" cmpd="sng" algn="ctr">
-                          <a:solidFill>
-                            <a:schemeClr val="bg1">
-                              <a:lumMod val="85000"/>
-                            </a:schemeClr>
-                          </a:solidFill>
-                          <a:prstDash val="solid"/>
-                          <a:round/>
-                          <a:headEnd type="none" w="med" len="med"/>
-                          <a:tailEnd type="none" w="med" len="med"/>
-                        </a:lnR>
-                        <a:lnB w="12700" cap="flat" cmpd="sng" algn="ctr">
-                          <a:solidFill>
-                            <a:schemeClr val="bg1">
-                              <a:lumMod val="85000"/>
-                            </a:schemeClr>
-                          </a:solidFill>
-                          <a:prstDash val="solid"/>
-                          <a:round/>
-                          <a:headEnd type="none" w="med" len="med"/>
-                          <a:tailEnd type="none" w="med" len="med"/>
-                        </a:lnB>
-                        <a:solidFill>
-                          <a:schemeClr val="bg1">
-                            <a:lumMod val="95000"/>
-                          </a:schemeClr>
-                        </a:solidFill>
-                      </a:tcPr>
-                    </a:tc>
-                    <a:extLst>
-                      <a:ext uri="{0D108BD9-81ED-4DB2-BD59-A6C34878D82A}">
-                        <a16:rowId xmlns:a16="http://schemas.microsoft.com/office/drawing/2014/main" val="406864330"/>
-                      </a:ext>
-                    </a:extLst>
-                  </a:tr>
-                  <a:tr h="0">
-                    <a:tc>
-                      <a:txBody>
-                        <a:bodyPr/>
-                        <a:lstStyle/>
-                        <a:p>
-                          <a:pPr marL="88900" indent="0" algn="l">
-                            <a:tabLst/>
-                          </a:pPr>
-                          <a:r>
-                            <a:rPr lang="en-MX" sz="1100" dirty="0">
-                              <a:solidFill>
-                                <a:schemeClr val="tx1">
-                                  <a:lumMod val="75000"/>
-                                  <a:lumOff val="25000"/>
-                                </a:schemeClr>
-                              </a:solidFill>
-                              <a:latin typeface="Google Sans" panose="020B0503030502040204" pitchFamily="34" charset="0"/>
-                            </a:rPr>
-                            <a:t>Binary (Intervalo)</a:t>
-                          </a:r>
-                        </a:p>
-                      </a:txBody>
-                      <a:tcPr>
-                        <a:lnR w="12700" cap="flat" cmpd="sng" algn="ctr">
-                          <a:solidFill>
-                            <a:schemeClr val="bg1">
-                              <a:lumMod val="85000"/>
-                            </a:schemeClr>
-                          </a:solidFill>
-                          <a:prstDash val="solid"/>
-                          <a:round/>
-                          <a:headEnd type="none" w="med" len="med"/>
-                          <a:tailEnd type="none" w="med" len="med"/>
-                        </a:lnR>
-                        <a:lnT w="12700" cap="flat" cmpd="sng" algn="ctr">
-                          <a:solidFill>
-                            <a:schemeClr val="bg1">
-                              <a:lumMod val="85000"/>
-                            </a:schemeClr>
-                          </a:solidFill>
-                          <a:prstDash val="solid"/>
-                          <a:round/>
-                          <a:headEnd type="none" w="med" len="med"/>
-                          <a:tailEnd type="none" w="med" len="med"/>
-                        </a:lnT>
-                        <a:lnB w="12700" cap="flat" cmpd="sng" algn="ctr">
-                          <a:solidFill>
-                            <a:schemeClr val="bg1">
-                              <a:lumMod val="85000"/>
-                            </a:schemeClr>
-                          </a:solidFill>
-                          <a:prstDash val="solid"/>
-                          <a:round/>
-                          <a:headEnd type="none" w="med" len="med"/>
-                          <a:tailEnd type="none" w="med" len="med"/>
-                        </a:lnB>
-                        <a:solidFill>
-                          <a:srgbClr val="FAFAFA"/>
-                        </a:solidFill>
-                      </a:tcPr>
-                    </a:tc>
-                    <a:tc>
-                      <a:txBody>
-                        <a:bodyPr/>
-                        <a:lstStyle/>
-                        <a:p>
-                          <a:pPr algn="l"/>
-                          <a14:m>
-                            <m:oMathPara xmlns:m="http://schemas.openxmlformats.org/officeDocument/2006/math">
-                              <m:oMathParaPr>
-                                <m:jc m:val="left"/>
-                              </m:oMathParaPr>
-                              <m:oMath xmlns:m="http://schemas.openxmlformats.org/officeDocument/2006/math">
-                                <m:r>
-                                  <a:rPr lang="en-US" sz="1100" b="0" i="1" smtClean="0">
-                                    <a:solidFill>
-                                      <a:schemeClr val="tx1">
-                                        <a:lumMod val="75000"/>
-                                        <a:lumOff val="25000"/>
-                                      </a:schemeClr>
-                                    </a:solidFill>
-                                    <a:latin typeface="Cambria Math" panose="02040503050406030204" pitchFamily="18" charset="0"/>
-                                  </a:rPr>
-                                  <m:t>𝑂</m:t>
-                                </m:r>
-                                <m:d>
-                                  <m:dPr>
-                                    <m:ctrlPr>
-                                      <a:rPr lang="en-US" sz="1100" b="0" i="1" smtClean="0">
-                                        <a:solidFill>
-                                          <a:schemeClr val="tx1">
-                                            <a:lumMod val="75000"/>
-                                            <a:lumOff val="25000"/>
-                                          </a:schemeClr>
-                                        </a:solidFill>
-                                        <a:latin typeface="Cambria Math" panose="02040503050406030204" pitchFamily="18" charset="0"/>
-                                      </a:rPr>
-                                    </m:ctrlPr>
-                                  </m:dPr>
-                                  <m:e>
-                                    <m:func>
-                                      <m:funcPr>
-                                        <m:ctrlPr>
-                                          <a:rPr lang="en-US" sz="1100" b="0" i="1" smtClean="0">
-                                            <a:solidFill>
-                                              <a:schemeClr val="tx1">
-                                                <a:lumMod val="75000"/>
-                                                <a:lumOff val="25000"/>
-                                              </a:schemeClr>
-                                            </a:solidFill>
-                                            <a:latin typeface="Cambria Math" panose="02040503050406030204" pitchFamily="18" charset="0"/>
-                                          </a:rPr>
-                                        </m:ctrlPr>
-                                      </m:funcPr>
-                                      <m:fName>
-                                        <m:r>
-                                          <m:rPr>
-                                            <m:sty m:val="p"/>
-                                          </m:rPr>
-                                          <a:rPr lang="en-US" sz="1100" b="0" i="0" smtClean="0">
-                                            <a:solidFill>
-                                              <a:schemeClr val="tx1">
-                                                <a:lumMod val="75000"/>
-                                                <a:lumOff val="25000"/>
-                                              </a:schemeClr>
-                                            </a:solidFill>
-                                            <a:latin typeface="Cambria Math" panose="02040503050406030204" pitchFamily="18" charset="0"/>
-                                          </a:rPr>
-                                          <m:t>log</m:t>
-                                        </m:r>
-                                      </m:fName>
-                                      <m:e>
-                                        <m:r>
-                                          <a:rPr lang="en-US" sz="1100" b="0" i="1" smtClean="0">
-                                            <a:solidFill>
-                                              <a:schemeClr val="tx1">
-                                                <a:lumMod val="75000"/>
-                                                <a:lumOff val="25000"/>
-                                              </a:schemeClr>
-                                            </a:solidFill>
-                                            <a:latin typeface="Cambria Math" panose="02040503050406030204" pitchFamily="18" charset="0"/>
-                                          </a:rPr>
-                                          <m:t>𝑁</m:t>
-                                        </m:r>
-                                      </m:e>
-                                    </m:func>
-                                  </m:e>
-                                </m:d>
-                              </m:oMath>
-                            </m:oMathPara>
-                          </a14:m>
-                          <a:endParaRPr lang="en-MX" sz="1100" dirty="0">
-                            <a:solidFill>
-                              <a:schemeClr val="tx1">
-                                <a:lumMod val="75000"/>
-                                <a:lumOff val="25000"/>
-                              </a:schemeClr>
-                            </a:solidFill>
-                            <a:latin typeface="Google Sans" panose="020B0503030502040204" pitchFamily="34" charset="0"/>
-                          </a:endParaRPr>
-                        </a:p>
-                      </a:txBody>
-                      <a:tcPr>
-                        <a:lnL w="12700" cap="flat" cmpd="sng" algn="ctr">
-                          <a:solidFill>
-                            <a:schemeClr val="bg1">
-                              <a:lumMod val="85000"/>
-                            </a:schemeClr>
-                          </a:solidFill>
-                          <a:prstDash val="solid"/>
-                          <a:round/>
-                          <a:headEnd type="none" w="med" len="med"/>
-                          <a:tailEnd type="none" w="med" len="med"/>
-                        </a:lnL>
-                        <a:lnR w="12700" cap="flat" cmpd="sng" algn="ctr">
-                          <a:solidFill>
-                            <a:schemeClr val="bg1">
-                              <a:lumMod val="85000"/>
-                            </a:schemeClr>
-                          </a:solidFill>
-                          <a:prstDash val="solid"/>
-                          <a:round/>
-                          <a:headEnd type="none" w="med" len="med"/>
-                          <a:tailEnd type="none" w="med" len="med"/>
-                        </a:lnR>
-                        <a:lnT w="12700" cap="flat" cmpd="sng" algn="ctr">
-                          <a:solidFill>
-                            <a:schemeClr val="bg1">
-                              <a:lumMod val="85000"/>
-                            </a:schemeClr>
-                          </a:solidFill>
-                          <a:prstDash val="solid"/>
-                          <a:round/>
-                          <a:headEnd type="none" w="med" len="med"/>
-                          <a:tailEnd type="none" w="med" len="med"/>
-                        </a:lnT>
-                        <a:lnB w="12700" cap="flat" cmpd="sng" algn="ctr">
-                          <a:solidFill>
-                            <a:schemeClr val="bg1">
-                              <a:lumMod val="85000"/>
-                            </a:schemeClr>
-                          </a:solidFill>
-                          <a:prstDash val="solid"/>
-                          <a:round/>
-                          <a:headEnd type="none" w="med" len="med"/>
-                          <a:tailEnd type="none" w="med" len="med"/>
-                        </a:lnB>
-                        <a:noFill/>
-                      </a:tcPr>
-                    </a:tc>
-                    <a:extLst>
-                      <a:ext uri="{0D108BD9-81ED-4DB2-BD59-A6C34878D82A}">
-                        <a16:rowId xmlns:a16="http://schemas.microsoft.com/office/drawing/2014/main" val="3231586600"/>
-                      </a:ext>
-                    </a:extLst>
-                  </a:tr>
-                  <a:tr h="0">
-                    <a:tc>
-                      <a:txBody>
-                        <a:bodyPr/>
-                        <a:lstStyle/>
-                        <a:p>
-                          <a:pPr marL="88900" indent="0" algn="l">
-                            <a:tabLst/>
-                          </a:pPr>
-                          <a:r>
-                            <a:rPr lang="en-MX" sz="1100" dirty="0">
-                              <a:solidFill>
-                                <a:schemeClr val="tx1">
-                                  <a:lumMod val="75000"/>
-                                  <a:lumOff val="25000"/>
-                                </a:schemeClr>
-                              </a:solidFill>
-                              <a:latin typeface="Google Sans" panose="020B0503030502040204" pitchFamily="34" charset="0"/>
-                            </a:rPr>
-                            <a:t>Linear (Secuencial)</a:t>
-                          </a:r>
-                        </a:p>
-                      </a:txBody>
-                      <a:tcPr>
-                        <a:lnR w="12700" cap="flat" cmpd="sng" algn="ctr">
-                          <a:solidFill>
-                            <a:schemeClr val="bg1">
-                              <a:lumMod val="85000"/>
-                            </a:schemeClr>
-                          </a:solidFill>
-                          <a:prstDash val="solid"/>
-                          <a:round/>
-                          <a:headEnd type="none" w="med" len="med"/>
-                          <a:tailEnd type="none" w="med" len="med"/>
-                        </a:lnR>
-                        <a:lnT w="12700" cap="flat" cmpd="sng" algn="ctr">
-                          <a:solidFill>
-                            <a:schemeClr val="bg1">
-                              <a:lumMod val="85000"/>
-                            </a:schemeClr>
-                          </a:solidFill>
-                          <a:prstDash val="solid"/>
-                          <a:round/>
-                          <a:headEnd type="none" w="med" len="med"/>
-                          <a:tailEnd type="none" w="med" len="med"/>
-                        </a:lnT>
-                        <a:lnB w="12700" cap="flat" cmpd="sng" algn="ctr">
-                          <a:solidFill>
-                            <a:schemeClr val="bg1">
-                              <a:lumMod val="85000"/>
-                            </a:schemeClr>
-                          </a:solidFill>
-                          <a:prstDash val="solid"/>
-                          <a:round/>
-                          <a:headEnd type="none" w="med" len="med"/>
-                          <a:tailEnd type="none" w="med" len="med"/>
-                        </a:lnB>
-                        <a:solidFill>
-                          <a:srgbClr val="FAFAFA"/>
-                        </a:solidFill>
-                      </a:tcPr>
-                    </a:tc>
-                    <a:tc>
-                      <a:txBody>
-                        <a:bodyPr/>
-                        <a:lstStyle/>
-                        <a:p>
-                          <a:pPr algn="l"/>
-                          <a14:m>
-                            <m:oMathPara xmlns:m="http://schemas.openxmlformats.org/officeDocument/2006/math">
-                              <m:oMathParaPr>
-                                <m:jc m:val="left"/>
-                              </m:oMathParaPr>
-                              <m:oMath xmlns:m="http://schemas.openxmlformats.org/officeDocument/2006/math">
-                                <m:r>
-                                  <a:rPr lang="en-US" sz="1100" b="0" i="1" smtClean="0">
-                                    <a:solidFill>
-                                      <a:schemeClr val="tx1">
-                                        <a:lumMod val="75000"/>
-                                        <a:lumOff val="25000"/>
-                                      </a:schemeClr>
-                                    </a:solidFill>
-                                    <a:latin typeface="Cambria Math" panose="02040503050406030204" pitchFamily="18" charset="0"/>
-                                  </a:rPr>
-                                  <m:t>𝑂</m:t>
-                                </m:r>
-                                <m:d>
-                                  <m:dPr>
-                                    <m:ctrlPr>
-                                      <a:rPr lang="en-US" sz="1100" b="0" i="1" smtClean="0">
-                                        <a:solidFill>
-                                          <a:schemeClr val="tx1">
-                                            <a:lumMod val="75000"/>
-                                            <a:lumOff val="25000"/>
-                                          </a:schemeClr>
-                                        </a:solidFill>
-                                        <a:latin typeface="Cambria Math" panose="02040503050406030204" pitchFamily="18" charset="0"/>
-                                      </a:rPr>
-                                    </m:ctrlPr>
-                                  </m:dPr>
-                                  <m:e>
-                                    <m:r>
-                                      <a:rPr lang="en-US" sz="1100" b="0" i="1" smtClean="0">
-                                        <a:solidFill>
-                                          <a:schemeClr val="tx1">
-                                            <a:lumMod val="75000"/>
-                                            <a:lumOff val="25000"/>
-                                          </a:schemeClr>
-                                        </a:solidFill>
-                                        <a:latin typeface="Cambria Math" panose="02040503050406030204" pitchFamily="18" charset="0"/>
-                                      </a:rPr>
-                                      <m:t>𝑁</m:t>
-                                    </m:r>
-                                  </m:e>
-                                </m:d>
-                              </m:oMath>
-                            </m:oMathPara>
-                          </a14:m>
-                          <a:endParaRPr lang="en-MX" sz="1100" dirty="0">
-                            <a:solidFill>
-                              <a:schemeClr val="tx1">
-                                <a:lumMod val="75000"/>
-                                <a:lumOff val="25000"/>
-                              </a:schemeClr>
-                            </a:solidFill>
-                            <a:latin typeface="Google Sans" panose="020B0503030502040204" pitchFamily="34" charset="0"/>
-                          </a:endParaRPr>
-                        </a:p>
-                      </a:txBody>
-                      <a:tcPr>
-                        <a:lnL w="12700" cap="flat" cmpd="sng" algn="ctr">
-                          <a:solidFill>
-                            <a:schemeClr val="bg1">
-                              <a:lumMod val="85000"/>
-                            </a:schemeClr>
-                          </a:solidFill>
-                          <a:prstDash val="solid"/>
-                          <a:round/>
-                          <a:headEnd type="none" w="med" len="med"/>
-                          <a:tailEnd type="none" w="med" len="med"/>
-                        </a:lnL>
-                        <a:lnR w="12700" cap="flat" cmpd="sng" algn="ctr">
-                          <a:solidFill>
-                            <a:schemeClr val="bg1">
-                              <a:lumMod val="85000"/>
-                            </a:schemeClr>
-                          </a:solidFill>
-                          <a:prstDash val="solid"/>
-                          <a:round/>
-                          <a:headEnd type="none" w="med" len="med"/>
-                          <a:tailEnd type="none" w="med" len="med"/>
-                        </a:lnR>
-                        <a:lnT w="12700" cap="flat" cmpd="sng" algn="ctr">
-                          <a:solidFill>
-                            <a:schemeClr val="bg1">
-                              <a:lumMod val="85000"/>
-                            </a:schemeClr>
-                          </a:solidFill>
-                          <a:prstDash val="solid"/>
-                          <a:round/>
-                          <a:headEnd type="none" w="med" len="med"/>
-                          <a:tailEnd type="none" w="med" len="med"/>
-                        </a:lnT>
-                        <a:lnB w="12700" cap="flat" cmpd="sng" algn="ctr">
-                          <a:solidFill>
-                            <a:schemeClr val="bg1">
-                              <a:lumMod val="85000"/>
-                            </a:schemeClr>
-                          </a:solidFill>
-                          <a:prstDash val="solid"/>
-                          <a:round/>
-                          <a:headEnd type="none" w="med" len="med"/>
-                          <a:tailEnd type="none" w="med" len="med"/>
-                        </a:lnB>
-                        <a:noFill/>
-                      </a:tcPr>
-                    </a:tc>
-                    <a:extLst>
-                      <a:ext uri="{0D108BD9-81ED-4DB2-BD59-A6C34878D82A}">
-                        <a16:rowId xmlns:a16="http://schemas.microsoft.com/office/drawing/2014/main" val="3947743584"/>
-                      </a:ext>
-                    </a:extLst>
-                  </a:tr>
-                </a:tbl>
-              </a:graphicData>
-            </a:graphic>
-          </p:graphicFrame>
-        </mc:Choice>
-        <mc:Fallback xmlns="">
-          <p:graphicFrame>
-            <p:nvGraphicFramePr>
-              <p:cNvPr id="12" name="Table 4">
-                <a:extLst>
-                  <a:ext uri="{FF2B5EF4-FFF2-40B4-BE49-F238E27FC236}">
-                    <a16:creationId xmlns:a16="http://schemas.microsoft.com/office/drawing/2014/main" id="{8102D5EA-AEF3-B648-B6FF-80C1E18EE327}"/>
-                  </a:ext>
-                </a:extLst>
-              </p:cNvPr>
-              <p:cNvGraphicFramePr>
-                <a:graphicFrameLocks noGrp="1"/>
-              </p:cNvGraphicFramePr>
-              <p:nvPr>
-                <p:extLst>
-                  <p:ext uri="{D42A27DB-BD31-4B8C-83A1-F6EECF244321}">
-                    <p14:modId xmlns:p14="http://schemas.microsoft.com/office/powerpoint/2010/main" val="2034314982"/>
-                  </p:ext>
-                </p:extLst>
-              </p:nvPr>
-            </p:nvGraphicFramePr>
-            <p:xfrm>
-              <a:off x="525005" y="1693050"/>
-              <a:ext cx="3583858" cy="777240"/>
-            </p:xfrm>
-            <a:graphic>
-              <a:graphicData uri="http://schemas.openxmlformats.org/drawingml/2006/table">
-                <a:tbl>
-                  <a:tblPr firstRow="1" firstCol="1" bandRow="1">
-                    <a:tableStyleId>{5C22544A-7EE6-4342-B048-85BDC9FD1C3A}</a:tableStyleId>
-                  </a:tblPr>
-                  <a:tblGrid>
-                    <a:gridCol w="1600678">
-                      <a:extLst>
-                        <a:ext uri="{9D8B030D-6E8A-4147-A177-3AD203B41FA5}">
-                          <a16:colId xmlns:a16="http://schemas.microsoft.com/office/drawing/2014/main" val="552516167"/>
-                        </a:ext>
-                      </a:extLst>
-                    </a:gridCol>
-                    <a:gridCol w="1983180">
-                      <a:extLst>
-                        <a:ext uri="{9D8B030D-6E8A-4147-A177-3AD203B41FA5}">
-                          <a16:colId xmlns:a16="http://schemas.microsoft.com/office/drawing/2014/main" val="626789005"/>
-                        </a:ext>
-                      </a:extLst>
-                    </a:gridCol>
-                  </a:tblGrid>
-                  <a:tr h="259080">
-                    <a:tc>
-                      <a:txBody>
-                        <a:bodyPr/>
-                        <a:lstStyle/>
-                        <a:p>
-                          <a:pPr marL="11113" indent="0" algn="l">
-                            <a:tabLst/>
-                          </a:pPr>
-                          <a:r>
-                            <a:rPr lang="en-MX" sz="1100" dirty="0">
-                              <a:solidFill>
-                                <a:schemeClr val="tx1">
-                                  <a:lumMod val="75000"/>
-                                  <a:lumOff val="25000"/>
-                                </a:schemeClr>
-                              </a:solidFill>
-                              <a:latin typeface="Google Sans" panose="020B0503030502040204" pitchFamily="34" charset="0"/>
-                            </a:rPr>
-                            <a:t>Búsqueda Tipo</a:t>
-                          </a:r>
-                        </a:p>
-                      </a:txBody>
-                      <a:tcPr>
-                        <a:lnR w="12700" cap="flat" cmpd="sng" algn="ctr">
-                          <a:solidFill>
-                            <a:schemeClr val="bg1">
-                              <a:lumMod val="85000"/>
-                            </a:schemeClr>
-                          </a:solidFill>
-                          <a:prstDash val="solid"/>
-                          <a:round/>
-                          <a:headEnd type="none" w="med" len="med"/>
-                          <a:tailEnd type="none" w="med" len="med"/>
-                        </a:lnR>
-                        <a:lnB w="12700" cap="flat" cmpd="sng" algn="ctr">
-                          <a:solidFill>
-                            <a:schemeClr val="bg1">
-                              <a:lumMod val="85000"/>
-                            </a:schemeClr>
-                          </a:solidFill>
-                          <a:prstDash val="solid"/>
-                          <a:round/>
-                          <a:headEnd type="none" w="med" len="med"/>
-                          <a:tailEnd type="none" w="med" len="med"/>
-                        </a:lnB>
-                        <a:solidFill>
-                          <a:schemeClr val="bg1">
-                            <a:lumMod val="95000"/>
-                          </a:schemeClr>
-                        </a:solidFill>
-                      </a:tcPr>
-                    </a:tc>
-                    <a:tc>
-                      <a:txBody>
-                        <a:bodyPr/>
-                        <a:lstStyle/>
-                        <a:p>
-                          <a:pPr algn="l"/>
-                          <a:r>
-                            <a:rPr lang="en-MX" sz="1100" dirty="0">
-                              <a:solidFill>
-                                <a:schemeClr val="tx1">
-                                  <a:lumMod val="75000"/>
-                                  <a:lumOff val="25000"/>
-                                </a:schemeClr>
-                              </a:solidFill>
-                              <a:latin typeface="Google Sans" panose="020B0503030502040204" pitchFamily="34" charset="0"/>
-                            </a:rPr>
-                            <a:t>Big ‘O’ Notation</a:t>
-                          </a:r>
-                        </a:p>
-                      </a:txBody>
-                      <a:tcPr>
-                        <a:lnL w="12700" cap="flat" cmpd="sng" algn="ctr">
-                          <a:solidFill>
-                            <a:schemeClr val="bg1">
-                              <a:lumMod val="85000"/>
-                            </a:schemeClr>
-                          </a:solidFill>
-                          <a:prstDash val="solid"/>
-                          <a:round/>
-                          <a:headEnd type="none" w="med" len="med"/>
-                          <a:tailEnd type="none" w="med" len="med"/>
-                        </a:lnL>
-                        <a:lnR w="12700" cap="flat" cmpd="sng" algn="ctr">
-                          <a:solidFill>
-                            <a:schemeClr val="bg1">
-                              <a:lumMod val="85000"/>
-                            </a:schemeClr>
-                          </a:solidFill>
-                          <a:prstDash val="solid"/>
-                          <a:round/>
-                          <a:headEnd type="none" w="med" len="med"/>
-                          <a:tailEnd type="none" w="med" len="med"/>
-                        </a:lnR>
-                        <a:lnB w="12700" cap="flat" cmpd="sng" algn="ctr">
-                          <a:solidFill>
-                            <a:schemeClr val="bg1">
-                              <a:lumMod val="85000"/>
-                            </a:schemeClr>
-                          </a:solidFill>
-                          <a:prstDash val="solid"/>
-                          <a:round/>
-                          <a:headEnd type="none" w="med" len="med"/>
-                          <a:tailEnd type="none" w="med" len="med"/>
-                        </a:lnB>
-                        <a:solidFill>
-                          <a:schemeClr val="bg1">
-                            <a:lumMod val="95000"/>
-                          </a:schemeClr>
-                        </a:solidFill>
-                      </a:tcPr>
-                    </a:tc>
-                    <a:extLst>
-                      <a:ext uri="{0D108BD9-81ED-4DB2-BD59-A6C34878D82A}">
-                        <a16:rowId xmlns:a16="http://schemas.microsoft.com/office/drawing/2014/main" val="406864330"/>
-                      </a:ext>
-                    </a:extLst>
-                  </a:tr>
-                  <a:tr h="259080">
-                    <a:tc>
-                      <a:txBody>
-                        <a:bodyPr/>
-                        <a:lstStyle/>
-                        <a:p>
-                          <a:pPr marL="88900" indent="0" algn="l">
-                            <a:tabLst/>
-                          </a:pPr>
-                          <a:r>
-                            <a:rPr lang="en-MX" sz="1100" dirty="0">
-                              <a:solidFill>
-                                <a:schemeClr val="tx1">
-                                  <a:lumMod val="75000"/>
-                                  <a:lumOff val="25000"/>
-                                </a:schemeClr>
-                              </a:solidFill>
-                              <a:latin typeface="Google Sans" panose="020B0503030502040204" pitchFamily="34" charset="0"/>
-                            </a:rPr>
-                            <a:t>Binary (Intervalo)</a:t>
-                          </a:r>
-                        </a:p>
-                      </a:txBody>
-                      <a:tcPr>
-                        <a:lnR w="12700" cap="flat" cmpd="sng" algn="ctr">
-                          <a:solidFill>
-                            <a:schemeClr val="bg1">
-                              <a:lumMod val="85000"/>
-                            </a:schemeClr>
-                          </a:solidFill>
-                          <a:prstDash val="solid"/>
-                          <a:round/>
-                          <a:headEnd type="none" w="med" len="med"/>
-                          <a:tailEnd type="none" w="med" len="med"/>
-                        </a:lnR>
-                        <a:lnT w="12700" cap="flat" cmpd="sng" algn="ctr">
-                          <a:solidFill>
-                            <a:schemeClr val="bg1">
-                              <a:lumMod val="85000"/>
-                            </a:schemeClr>
-                          </a:solidFill>
-                          <a:prstDash val="solid"/>
-                          <a:round/>
-                          <a:headEnd type="none" w="med" len="med"/>
-                          <a:tailEnd type="none" w="med" len="med"/>
-                        </a:lnT>
-                        <a:lnB w="12700" cap="flat" cmpd="sng" algn="ctr">
-                          <a:solidFill>
-                            <a:schemeClr val="bg1">
-                              <a:lumMod val="85000"/>
-                            </a:schemeClr>
-                          </a:solidFill>
-                          <a:prstDash val="solid"/>
-                          <a:round/>
-                          <a:headEnd type="none" w="med" len="med"/>
-                          <a:tailEnd type="none" w="med" len="med"/>
-                        </a:lnB>
-                        <a:solidFill>
-                          <a:srgbClr val="FAFAFA"/>
-                        </a:solidFill>
-                      </a:tcPr>
-                    </a:tc>
-                    <a:tc>
-                      <a:txBody>
-                        <a:bodyPr/>
-                        <a:lstStyle/>
-                        <a:p>
-                          <a:endParaRPr lang="en-MX"/>
-                        </a:p>
-                      </a:txBody>
-                      <a:tcPr>
-                        <a:lnL w="12700" cap="flat" cmpd="sng" algn="ctr">
-                          <a:solidFill>
-                            <a:schemeClr val="bg1">
-                              <a:lumMod val="85000"/>
-                            </a:schemeClr>
-                          </a:solidFill>
-                          <a:prstDash val="solid"/>
-                          <a:round/>
-                          <a:headEnd type="none" w="med" len="med"/>
-                          <a:tailEnd type="none" w="med" len="med"/>
-                        </a:lnL>
-                        <a:lnR w="12700" cap="flat" cmpd="sng" algn="ctr">
-                          <a:solidFill>
-                            <a:schemeClr val="bg1">
-                              <a:lumMod val="85000"/>
-                            </a:schemeClr>
-                          </a:solidFill>
-                          <a:prstDash val="solid"/>
-                          <a:round/>
-                          <a:headEnd type="none" w="med" len="med"/>
-                          <a:tailEnd type="none" w="med" len="med"/>
-                        </a:lnR>
-                        <a:lnT w="12700" cap="flat" cmpd="sng" algn="ctr">
-                          <a:solidFill>
-                            <a:schemeClr val="bg1">
-                              <a:lumMod val="85000"/>
-                            </a:schemeClr>
-                          </a:solidFill>
-                          <a:prstDash val="solid"/>
-                          <a:round/>
-                          <a:headEnd type="none" w="med" len="med"/>
-                          <a:tailEnd type="none" w="med" len="med"/>
-                        </a:lnT>
-                        <a:lnB w="12700" cap="flat" cmpd="sng" algn="ctr">
-                          <a:solidFill>
-                            <a:schemeClr val="bg1">
-                              <a:lumMod val="85000"/>
-                            </a:schemeClr>
-                          </a:solidFill>
-                          <a:prstDash val="solid"/>
-                          <a:round/>
-                          <a:headEnd type="none" w="med" len="med"/>
-                          <a:tailEnd type="none" w="med" len="med"/>
-                        </a:lnB>
-                        <a:blipFill>
-                          <a:blip r:embed="rId4"/>
-                          <a:stretch>
-                            <a:fillRect l="-80892" t="-110000" b="-115000"/>
-                          </a:stretch>
-                        </a:blipFill>
-                      </a:tcPr>
-                    </a:tc>
-                    <a:extLst>
-                      <a:ext uri="{0D108BD9-81ED-4DB2-BD59-A6C34878D82A}">
-                        <a16:rowId xmlns:a16="http://schemas.microsoft.com/office/drawing/2014/main" val="3231586600"/>
-                      </a:ext>
-                    </a:extLst>
-                  </a:tr>
-                  <a:tr h="259080">
-                    <a:tc>
-                      <a:txBody>
-                        <a:bodyPr/>
-                        <a:lstStyle/>
-                        <a:p>
-                          <a:pPr marL="88900" indent="0" algn="l">
-                            <a:tabLst/>
-                          </a:pPr>
-                          <a:r>
-                            <a:rPr lang="en-MX" sz="1100" dirty="0">
-                              <a:solidFill>
-                                <a:schemeClr val="tx1">
-                                  <a:lumMod val="75000"/>
-                                  <a:lumOff val="25000"/>
-                                </a:schemeClr>
-                              </a:solidFill>
-                              <a:latin typeface="Google Sans" panose="020B0503030502040204" pitchFamily="34" charset="0"/>
-                            </a:rPr>
-                            <a:t>Linear (Secuencial)</a:t>
-                          </a:r>
-                        </a:p>
-                      </a:txBody>
-                      <a:tcPr>
-                        <a:lnR w="12700" cap="flat" cmpd="sng" algn="ctr">
-                          <a:solidFill>
-                            <a:schemeClr val="bg1">
-                              <a:lumMod val="85000"/>
-                            </a:schemeClr>
-                          </a:solidFill>
-                          <a:prstDash val="solid"/>
-                          <a:round/>
-                          <a:headEnd type="none" w="med" len="med"/>
-                          <a:tailEnd type="none" w="med" len="med"/>
-                        </a:lnR>
-                        <a:lnT w="12700" cap="flat" cmpd="sng" algn="ctr">
-                          <a:solidFill>
-                            <a:schemeClr val="bg1">
-                              <a:lumMod val="85000"/>
-                            </a:schemeClr>
-                          </a:solidFill>
-                          <a:prstDash val="solid"/>
-                          <a:round/>
-                          <a:headEnd type="none" w="med" len="med"/>
-                          <a:tailEnd type="none" w="med" len="med"/>
-                        </a:lnT>
-                        <a:lnB w="12700" cap="flat" cmpd="sng" algn="ctr">
-                          <a:solidFill>
-                            <a:schemeClr val="bg1">
-                              <a:lumMod val="85000"/>
-                            </a:schemeClr>
-                          </a:solidFill>
-                          <a:prstDash val="solid"/>
-                          <a:round/>
-                          <a:headEnd type="none" w="med" len="med"/>
-                          <a:tailEnd type="none" w="med" len="med"/>
-                        </a:lnB>
-                        <a:solidFill>
-                          <a:srgbClr val="FAFAFA"/>
-                        </a:solidFill>
-                      </a:tcPr>
-                    </a:tc>
-                    <a:tc>
-                      <a:txBody>
-                        <a:bodyPr/>
-                        <a:lstStyle/>
-                        <a:p>
-                          <a:endParaRPr lang="en-MX"/>
-                        </a:p>
-                      </a:txBody>
-                      <a:tcPr>
-                        <a:lnL w="12700" cap="flat" cmpd="sng" algn="ctr">
-                          <a:solidFill>
-                            <a:schemeClr val="bg1">
-                              <a:lumMod val="85000"/>
-                            </a:schemeClr>
-                          </a:solidFill>
-                          <a:prstDash val="solid"/>
-                          <a:round/>
-                          <a:headEnd type="none" w="med" len="med"/>
-                          <a:tailEnd type="none" w="med" len="med"/>
-                        </a:lnL>
-                        <a:lnR w="12700" cap="flat" cmpd="sng" algn="ctr">
-                          <a:solidFill>
-                            <a:schemeClr val="bg1">
-                              <a:lumMod val="85000"/>
-                            </a:schemeClr>
-                          </a:solidFill>
-                          <a:prstDash val="solid"/>
-                          <a:round/>
-                          <a:headEnd type="none" w="med" len="med"/>
-                          <a:tailEnd type="none" w="med" len="med"/>
-                        </a:lnR>
-                        <a:lnT w="12700" cap="flat" cmpd="sng" algn="ctr">
-                          <a:solidFill>
-                            <a:schemeClr val="bg1">
-                              <a:lumMod val="85000"/>
-                            </a:schemeClr>
-                          </a:solidFill>
-                          <a:prstDash val="solid"/>
-                          <a:round/>
-                          <a:headEnd type="none" w="med" len="med"/>
-                          <a:tailEnd type="none" w="med" len="med"/>
-                        </a:lnT>
-                        <a:lnB w="12700" cap="flat" cmpd="sng" algn="ctr">
-                          <a:solidFill>
-                            <a:schemeClr val="bg1">
-                              <a:lumMod val="85000"/>
-                            </a:schemeClr>
-                          </a:solidFill>
-                          <a:prstDash val="solid"/>
-                          <a:round/>
-                          <a:headEnd type="none" w="med" len="med"/>
-                          <a:tailEnd type="none" w="med" len="med"/>
-                        </a:lnB>
-                        <a:blipFill>
-                          <a:blip r:embed="rId4"/>
-                          <a:stretch>
-                            <a:fillRect l="-80892" t="-200000" b="-9524"/>
-                          </a:stretch>
-                        </a:blipFill>
-                      </a:tcPr>
-                    </a:tc>
-                    <a:extLst>
-                      <a:ext uri="{0D108BD9-81ED-4DB2-BD59-A6C34878D82A}">
-                        <a16:rowId xmlns:a16="http://schemas.microsoft.com/office/drawing/2014/main" val="3947743584"/>
-                      </a:ext>
-                    </a:extLst>
-                  </a:tr>
-                </a:tbl>
-              </a:graphicData>
-            </a:graphic>
-          </p:graphicFrame>
-        </mc:Fallback>
-      </mc:AlternateContent>
+      <p:sp>
+        <p:nvSpPr>
+          <p:cNvPr id="8" name="Rectangle 7">
+            <a:extLst>
+              <a:ext uri="{FF2B5EF4-FFF2-40B4-BE49-F238E27FC236}">
+                <a16:creationId xmlns:a16="http://schemas.microsoft.com/office/drawing/2014/main" id="{42FB757B-94C2-AA41-B02D-CF72EA490CB8}"/>
+              </a:ext>
+            </a:extLst>
+          </p:cNvPr>
+          <p:cNvSpPr/>
+          <p:nvPr/>
+        </p:nvSpPr>
+        <p:spPr>
+          <a:xfrm>
+            <a:off x="503773" y="1581998"/>
+            <a:ext cx="8431882" cy="252894"/>
+          </a:xfrm>
+          <a:prstGeom prst="rect">
+            <a:avLst/>
+          </a:prstGeom>
+        </p:spPr>
+        <p:txBody>
+          <a:bodyPr wrap="square">
+            <a:spAutoFit/>
+          </a:bodyPr>
+          <a:lstStyle/>
+          <a:p>
+            <a:r>
+              <a:rPr lang="en-US" sz="1000" dirty="0">
+                <a:hlinkClick r:id="rId7"/>
+              </a:rPr>
+              <a:t>https://www.geeksforgeeks.org/difference-between-vector-and-list/</a:t>
+            </a:r>
+            <a:endParaRPr lang="en-MX" sz="1000" dirty="0"/>
+          </a:p>
+        </p:txBody>
+      </p:sp>
+      <p:sp>
+        <p:nvSpPr>
+          <p:cNvPr id="14" name="Rectangle 13">
+            <a:extLst>
+              <a:ext uri="{FF2B5EF4-FFF2-40B4-BE49-F238E27FC236}">
+                <a16:creationId xmlns:a16="http://schemas.microsoft.com/office/drawing/2014/main" id="{4E514BA5-6691-F64E-A24D-E4BE22456322}"/>
+              </a:ext>
+            </a:extLst>
+          </p:cNvPr>
+          <p:cNvSpPr/>
+          <p:nvPr/>
+        </p:nvSpPr>
+        <p:spPr>
+          <a:xfrm>
+            <a:off x="503772" y="2058433"/>
+            <a:ext cx="8431883" cy="246221"/>
+          </a:xfrm>
+          <a:prstGeom prst="rect">
+            <a:avLst/>
+          </a:prstGeom>
+        </p:spPr>
+        <p:txBody>
+          <a:bodyPr wrap="square">
+            <a:spAutoFit/>
+          </a:bodyPr>
+          <a:lstStyle/>
+          <a:p>
+            <a:r>
+              <a:rPr lang="en-US" sz="1000" dirty="0">
+                <a:hlinkClick r:id="rId8"/>
+              </a:rPr>
+              <a:t>https://codereview.stackexchange.com/questions/166313/sorting-large-1gb-file-with-100-millions-numbers-using-merge-sort</a:t>
+            </a:r>
+            <a:endParaRPr lang="en-MX" sz="1000" dirty="0"/>
+          </a:p>
+        </p:txBody>
+      </p:sp>
+      <p:sp>
+        <p:nvSpPr>
+          <p:cNvPr id="15" name="Rectangle 14">
+            <a:extLst>
+              <a:ext uri="{FF2B5EF4-FFF2-40B4-BE49-F238E27FC236}">
+                <a16:creationId xmlns:a16="http://schemas.microsoft.com/office/drawing/2014/main" id="{F31CB57C-8619-A147-8919-54AE5CCF9719}"/>
+              </a:ext>
+            </a:extLst>
+          </p:cNvPr>
+          <p:cNvSpPr/>
+          <p:nvPr/>
+        </p:nvSpPr>
+        <p:spPr>
+          <a:xfrm>
+            <a:off x="503772" y="1823552"/>
+            <a:ext cx="8431881" cy="246221"/>
+          </a:xfrm>
+          <a:prstGeom prst="rect">
+            <a:avLst/>
+          </a:prstGeom>
+        </p:spPr>
+        <p:txBody>
+          <a:bodyPr wrap="square">
+            <a:spAutoFit/>
+          </a:bodyPr>
+          <a:lstStyle/>
+          <a:p>
+            <a:r>
+              <a:rPr lang="en-US" sz="1000" dirty="0">
+                <a:hlinkClick r:id="rId9"/>
+              </a:rPr>
+              <a:t>https://www.geeksforgeeks.org/external-sorting/</a:t>
+            </a:r>
+            <a:endParaRPr lang="en-MX" sz="1000" dirty="0"/>
+          </a:p>
+        </p:txBody>
+      </p:sp>
     </p:spTree>
     <p:extLst>
       <p:ext uri="{BB962C8B-B14F-4D97-AF65-F5344CB8AC3E}">
-        <p14:creationId xmlns:p14="http://schemas.microsoft.com/office/powerpoint/2010/main" val="3056299541"/>
+        <p14:creationId xmlns:p14="http://schemas.microsoft.com/office/powerpoint/2010/main" val="1870210902"/>
       </p:ext>
     </p:extLst>
   </p:cSld>
